--- a/doc/part-b.pptx
+++ b/doc/part-b.pptx
@@ -9,11 +9,15 @@
     <p:sldId id="257" r:id="rId3"/>
     <p:sldId id="258" r:id="rId4"/>
     <p:sldId id="259" r:id="rId5"/>
-    <p:sldId id="260" r:id="rId6"/>
-    <p:sldId id="261" r:id="rId7"/>
-    <p:sldId id="262" r:id="rId8"/>
-    <p:sldId id="263" r:id="rId9"/>
-    <p:sldId id="264" r:id="rId10"/>
+    <p:sldId id="265" r:id="rId6"/>
+    <p:sldId id="260" r:id="rId7"/>
+    <p:sldId id="261" r:id="rId8"/>
+    <p:sldId id="262" r:id="rId9"/>
+    <p:sldId id="266" r:id="rId10"/>
+    <p:sldId id="264" r:id="rId11"/>
+    <p:sldId id="267" r:id="rId12"/>
+    <p:sldId id="268" r:id="rId13"/>
+    <p:sldId id="263" r:id="rId14"/>
   </p:sldIdLst>
   <p:sldSz cx="12192000" cy="6858000"/>
   <p:notesSz cx="6858000" cy="9144000"/>
@@ -112,6 +116,11 @@
       </a:defRPr>
     </a:lvl9pPr>
   </p:defaultTextStyle>
+  <p:extLst>
+    <p:ext uri="{EFAFB233-063F-42B5-8137-9DF3F51BA10A}">
+      <p15:sldGuideLst xmlns:p15="http://schemas.microsoft.com/office/powerpoint/2012/main"/>
+    </p:ext>
+  </p:extLst>
 </p:presentation>
 </file>
 
@@ -344,7 +353,7 @@
           <a:p>
             <a:fld id="{A790E7F7-2640-4CFE-8B17-C743C5910AE9}" type="datetimeFigureOut">
               <a:rPr lang="en-GB" smtClean="0"/>
-              <a:t>12/08/2021</a:t>
+              <a:t>13/08/2021</a:t>
             </a:fld>
             <a:endParaRPr lang="en-GB"/>
           </a:p>
@@ -678,7 +687,7 @@
           <a:p>
             <a:fld id="{A790E7F7-2640-4CFE-8B17-C743C5910AE9}" type="datetimeFigureOut">
               <a:rPr lang="en-GB" smtClean="0"/>
-              <a:t>12/08/2021</a:t>
+              <a:t>13/08/2021</a:t>
             </a:fld>
             <a:endParaRPr lang="en-GB"/>
           </a:p>
@@ -956,7 +965,7 @@
           <a:p>
             <a:fld id="{A790E7F7-2640-4CFE-8B17-C743C5910AE9}" type="datetimeFigureOut">
               <a:rPr lang="en-GB" smtClean="0"/>
-              <a:t>12/08/2021</a:t>
+              <a:t>13/08/2021</a:t>
             </a:fld>
             <a:endParaRPr lang="en-GB"/>
           </a:p>
@@ -1524,7 +1533,7 @@
           <a:p>
             <a:fld id="{A790E7F7-2640-4CFE-8B17-C743C5910AE9}" type="datetimeFigureOut">
               <a:rPr lang="en-GB" smtClean="0"/>
-              <a:t>12/08/2021</a:t>
+              <a:t>13/08/2021</a:t>
             </a:fld>
             <a:endParaRPr lang="en-GB"/>
           </a:p>
@@ -1802,7 +1811,7 @@
           <a:p>
             <a:fld id="{A790E7F7-2640-4CFE-8B17-C743C5910AE9}" type="datetimeFigureOut">
               <a:rPr lang="en-GB" smtClean="0"/>
-              <a:t>12/08/2021</a:t>
+              <a:t>13/08/2021</a:t>
             </a:fld>
             <a:endParaRPr lang="en-GB"/>
           </a:p>
@@ -2364,7 +2373,7 @@
           <a:p>
             <a:fld id="{A790E7F7-2640-4CFE-8B17-C743C5910AE9}" type="datetimeFigureOut">
               <a:rPr lang="en-GB" smtClean="0"/>
-              <a:t>12/08/2021</a:t>
+              <a:t>13/08/2021</a:t>
             </a:fld>
             <a:endParaRPr lang="en-GB"/>
           </a:p>
@@ -2691,7 +2700,7 @@
           <a:p>
             <a:fld id="{A790E7F7-2640-4CFE-8B17-C743C5910AE9}" type="datetimeFigureOut">
               <a:rPr lang="en-GB" smtClean="0"/>
-              <a:t>12/08/2021</a:t>
+              <a:t>13/08/2021</a:t>
             </a:fld>
             <a:endParaRPr lang="en-GB"/>
           </a:p>
@@ -2896,7 +2905,7 @@
           <a:p>
             <a:fld id="{A790E7F7-2640-4CFE-8B17-C743C5910AE9}" type="datetimeFigureOut">
               <a:rPr lang="en-GB" smtClean="0"/>
-              <a:t>12/08/2021</a:t>
+              <a:t>13/08/2021</a:t>
             </a:fld>
             <a:endParaRPr lang="en-GB"/>
           </a:p>
@@ -3106,7 +3115,7 @@
           <a:p>
             <a:fld id="{A790E7F7-2640-4CFE-8B17-C743C5910AE9}" type="datetimeFigureOut">
               <a:rPr lang="en-GB" smtClean="0"/>
-              <a:t>12/08/2021</a:t>
+              <a:t>13/08/2021</a:t>
             </a:fld>
             <a:endParaRPr lang="en-GB"/>
           </a:p>
@@ -3306,7 +3315,7 @@
           <a:p>
             <a:fld id="{A790E7F7-2640-4CFE-8B17-C743C5910AE9}" type="datetimeFigureOut">
               <a:rPr lang="en-GB" smtClean="0"/>
-              <a:t>12/08/2021</a:t>
+              <a:t>13/08/2021</a:t>
             </a:fld>
             <a:endParaRPr lang="en-GB"/>
           </a:p>
@@ -3582,7 +3591,7 @@
           <a:p>
             <a:fld id="{A790E7F7-2640-4CFE-8B17-C743C5910AE9}" type="datetimeFigureOut">
               <a:rPr lang="en-GB" smtClean="0"/>
-              <a:t>12/08/2021</a:t>
+              <a:t>13/08/2021</a:t>
             </a:fld>
             <a:endParaRPr lang="en-GB"/>
           </a:p>
@@ -3848,7 +3857,7 @@
           <a:p>
             <a:fld id="{A790E7F7-2640-4CFE-8B17-C743C5910AE9}" type="datetimeFigureOut">
               <a:rPr lang="en-GB" smtClean="0"/>
-              <a:t>12/08/2021</a:t>
+              <a:t>13/08/2021</a:t>
             </a:fld>
             <a:endParaRPr lang="en-GB"/>
           </a:p>
@@ -4222,7 +4231,7 @@
           <a:p>
             <a:fld id="{A790E7F7-2640-4CFE-8B17-C743C5910AE9}" type="datetimeFigureOut">
               <a:rPr lang="en-GB" smtClean="0"/>
-              <a:t>12/08/2021</a:t>
+              <a:t>13/08/2021</a:t>
             </a:fld>
             <a:endParaRPr lang="en-GB"/>
           </a:p>
@@ -4370,7 +4379,7 @@
           <a:p>
             <a:fld id="{A790E7F7-2640-4CFE-8B17-C743C5910AE9}" type="datetimeFigureOut">
               <a:rPr lang="en-GB" smtClean="0"/>
-              <a:t>12/08/2021</a:t>
+              <a:t>13/08/2021</a:t>
             </a:fld>
             <a:endParaRPr lang="en-GB"/>
           </a:p>
@@ -4495,7 +4504,7 @@
           <a:p>
             <a:fld id="{A790E7F7-2640-4CFE-8B17-C743C5910AE9}" type="datetimeFigureOut">
               <a:rPr lang="en-GB" smtClean="0"/>
-              <a:t>12/08/2021</a:t>
+              <a:t>13/08/2021</a:t>
             </a:fld>
             <a:endParaRPr lang="en-GB"/>
           </a:p>
@@ -4780,7 +4789,7 @@
           <a:p>
             <a:fld id="{A790E7F7-2640-4CFE-8B17-C743C5910AE9}" type="datetimeFigureOut">
               <a:rPr lang="en-GB" smtClean="0"/>
-              <a:t>12/08/2021</a:t>
+              <a:t>13/08/2021</a:t>
             </a:fld>
             <a:endParaRPr lang="en-GB"/>
           </a:p>
@@ -5104,7 +5113,7 @@
           <a:p>
             <a:fld id="{A790E7F7-2640-4CFE-8B17-C743C5910AE9}" type="datetimeFigureOut">
               <a:rPr lang="en-GB" smtClean="0"/>
-              <a:t>12/08/2021</a:t>
+              <a:t>13/08/2021</a:t>
             </a:fld>
             <a:endParaRPr lang="en-GB"/>
           </a:p>
@@ -5318,7 +5327,7 @@
           <a:p>
             <a:fld id="{A790E7F7-2640-4CFE-8B17-C743C5910AE9}" type="datetimeFigureOut">
               <a:rPr lang="en-GB" smtClean="0"/>
-              <a:t>12/08/2021</a:t>
+              <a:t>13/08/2021</a:t>
             </a:fld>
             <a:endParaRPr lang="en-GB"/>
           </a:p>
@@ -5914,6 +5923,1482 @@
 </p:sld>
 </file>
 
+<file path=ppt/slides/slide10.xml><?xml version="1.0" encoding="utf-8"?>
+<p:sld xmlns:a="http://schemas.openxmlformats.org/drawingml/2006/main" xmlns:r="http://schemas.openxmlformats.org/officeDocument/2006/relationships" xmlns:p="http://schemas.openxmlformats.org/presentationml/2006/main">
+  <p:cSld>
+    <p:bg>
+      <p:bgPr>
+        <a:blipFill>
+          <a:blip r:embed="rId2"/>
+          <a:stretch/>
+        </a:blipFill>
+        <a:effectLst/>
+      </p:bgPr>
+    </p:bg>
+    <p:spTree>
+      <p:nvGrpSpPr>
+        <p:cNvPr id="1" name=""/>
+        <p:cNvGrpSpPr/>
+        <p:nvPr/>
+      </p:nvGrpSpPr>
+      <p:grpSpPr>
+        <a:xfrm>
+          <a:off x="0" y="0"/>
+          <a:ext cx="0" cy="0"/>
+          <a:chOff x="0" y="0"/>
+          <a:chExt cx="0" cy="0"/>
+        </a:xfrm>
+      </p:grpSpPr>
+      <p:sp>
+        <p:nvSpPr>
+          <p:cNvPr id="2" name="Title 1">
+            <a:extLst>
+              <a:ext uri="{FF2B5EF4-FFF2-40B4-BE49-F238E27FC236}">
+                <a16:creationId xmlns:a16="http://schemas.microsoft.com/office/drawing/2014/main" id="{CD30EA2E-0FA8-4C9A-9F1B-F09E760B836F}"/>
+              </a:ext>
+            </a:extLst>
+          </p:cNvPr>
+          <p:cNvSpPr>
+            <a:spLocks noGrp="1"/>
+          </p:cNvSpPr>
+          <p:nvPr>
+            <p:ph type="title"/>
+          </p:nvPr>
+        </p:nvSpPr>
+        <p:spPr>
+          <a:xfrm>
+            <a:off x="685800" y="1030288"/>
+            <a:ext cx="4785744" cy="1035579"/>
+          </a:xfrm>
+        </p:spPr>
+        <p:txBody>
+          <a:bodyPr>
+            <a:normAutofit/>
+          </a:bodyPr>
+          <a:lstStyle/>
+          <a:p>
+            <a:pPr>
+              <a:lnSpc>
+                <a:spcPct val="90000"/>
+              </a:lnSpc>
+            </a:pPr>
+            <a:r>
+              <a:rPr lang="en-SG" sz="3300"/>
+              <a:t>Hyper-Parameter Tuning (Plot)</a:t>
+            </a:r>
+            <a:endParaRPr lang="en-GB" sz="3300"/>
+          </a:p>
+        </p:txBody>
+      </p:sp>
+      <p:sp>
+        <p:nvSpPr>
+          <p:cNvPr id="10" name="Content Placeholder 9">
+            <a:extLst>
+              <a:ext uri="{FF2B5EF4-FFF2-40B4-BE49-F238E27FC236}">
+                <a16:creationId xmlns:a16="http://schemas.microsoft.com/office/drawing/2014/main" id="{39FA568C-2C41-485D-9838-80EB12A4942A}"/>
+              </a:ext>
+            </a:extLst>
+          </p:cNvPr>
+          <p:cNvSpPr>
+            <a:spLocks noGrp="1"/>
+          </p:cNvSpPr>
+          <p:nvPr>
+            <p:ph idx="1"/>
+          </p:nvPr>
+        </p:nvSpPr>
+        <p:spPr>
+          <a:xfrm>
+            <a:off x="685800" y="2142067"/>
+            <a:ext cx="4091683" cy="3909412"/>
+          </a:xfrm>
+        </p:spPr>
+        <p:txBody>
+          <a:bodyPr>
+            <a:normAutofit/>
+          </a:bodyPr>
+          <a:lstStyle/>
+          <a:p>
+            <a:r>
+              <a:rPr lang="en-US" dirty="0"/>
+              <a:t>The silhouette score plot suggests using 5, 6 or 9 clusters.</a:t>
+            </a:r>
+          </a:p>
+          <a:p>
+            <a:r>
+              <a:rPr lang="en-US" dirty="0"/>
+              <a:t>The distance score plot suggests using 4 to 6 clusters.</a:t>
+            </a:r>
+          </a:p>
+          <a:p>
+            <a:r>
+              <a:rPr lang="en-US" dirty="0"/>
+              <a:t>The count score plot suggests using 6 to 8 clusters.</a:t>
+            </a:r>
+          </a:p>
+          <a:p>
+            <a:r>
+              <a:rPr lang="en-US" dirty="0"/>
+              <a:t>All three plots agree that 6 is a suitable number of clusters to use.</a:t>
+            </a:r>
+          </a:p>
+          <a:p>
+            <a:r>
+              <a:rPr lang="en-US" dirty="0"/>
+              <a:t>Examining the plots visually confirms that 6 is a reasonable number of clusters.</a:t>
+            </a:r>
+          </a:p>
+        </p:txBody>
+      </p:sp>
+      <p:pic>
+        <p:nvPicPr>
+          <p:cNvPr id="8" name="Picture 7" descr="Chart, scatter chart&#10;&#10;Description automatically generated">
+            <a:extLst>
+              <a:ext uri="{FF2B5EF4-FFF2-40B4-BE49-F238E27FC236}">
+                <a16:creationId xmlns:a16="http://schemas.microsoft.com/office/drawing/2014/main" id="{0EB5DDD7-A700-427C-B4A0-D8234BED9006}"/>
+              </a:ext>
+            </a:extLst>
+          </p:cNvPr>
+          <p:cNvPicPr>
+            <a:picLocks noChangeAspect="1"/>
+          </p:cNvPicPr>
+          <p:nvPr/>
+        </p:nvPicPr>
+        <p:blipFill>
+          <a:blip r:embed="rId3"/>
+          <a:stretch>
+            <a:fillRect/>
+          </a:stretch>
+        </p:blipFill>
+        <p:spPr>
+          <a:xfrm>
+            <a:off x="5471544" y="3773490"/>
+            <a:ext cx="2758056" cy="2461565"/>
+          </a:xfrm>
+          <a:prstGeom prst="roundRect">
+            <a:avLst>
+              <a:gd name="adj" fmla="val 7306"/>
+            </a:avLst>
+          </a:prstGeom>
+          <a:ln w="50800" cap="sq" cmpd="dbl">
+            <a:gradFill flip="none" rotWithShape="1">
+              <a:gsLst>
+                <a:gs pos="0">
+                  <a:srgbClr val="FFFFFF"/>
+                </a:gs>
+                <a:gs pos="100000">
+                  <a:schemeClr val="tx1">
+                    <a:alpha val="0"/>
+                  </a:schemeClr>
+                </a:gs>
+              </a:gsLst>
+              <a:path path="circle">
+                <a:fillToRect l="50000" t="50000" r="50000" b="50000"/>
+              </a:path>
+              <a:tileRect/>
+            </a:gradFill>
+            <a:miter lim="800000"/>
+          </a:ln>
+          <a:effectLst>
+            <a:outerShdw blurRad="254000" algn="tl" rotWithShape="0">
+              <a:srgbClr val="000000">
+                <a:alpha val="43000"/>
+              </a:srgbClr>
+            </a:outerShdw>
+          </a:effectLst>
+        </p:spPr>
+      </p:pic>
+      <p:pic>
+        <p:nvPicPr>
+          <p:cNvPr id="11" name="Picture 10" descr="Chart, scatter chart, bubble chart&#10;&#10;Description automatically generated">
+            <a:extLst>
+              <a:ext uri="{FF2B5EF4-FFF2-40B4-BE49-F238E27FC236}">
+                <a16:creationId xmlns:a16="http://schemas.microsoft.com/office/drawing/2014/main" id="{3B08A263-5D5E-46DB-89B7-87D09FFFBC73}"/>
+              </a:ext>
+            </a:extLst>
+          </p:cNvPr>
+          <p:cNvPicPr>
+            <a:picLocks noChangeAspect="1"/>
+          </p:cNvPicPr>
+          <p:nvPr/>
+        </p:nvPicPr>
+        <p:blipFill>
+          <a:blip r:embed="rId4"/>
+          <a:stretch>
+            <a:fillRect/>
+          </a:stretch>
+        </p:blipFill>
+        <p:spPr>
+          <a:xfrm>
+            <a:off x="8708396" y="3773490"/>
+            <a:ext cx="2932344" cy="2463171"/>
+          </a:xfrm>
+          <a:prstGeom prst="roundRect">
+            <a:avLst>
+              <a:gd name="adj" fmla="val 7306"/>
+            </a:avLst>
+          </a:prstGeom>
+          <a:ln w="50800" cap="sq" cmpd="dbl">
+            <a:gradFill flip="none" rotWithShape="1">
+              <a:gsLst>
+                <a:gs pos="0">
+                  <a:srgbClr val="FFFFFF"/>
+                </a:gs>
+                <a:gs pos="100000">
+                  <a:schemeClr val="tx1">
+                    <a:alpha val="0"/>
+                  </a:schemeClr>
+                </a:gs>
+              </a:gsLst>
+              <a:path path="circle">
+                <a:fillToRect l="50000" t="50000" r="50000" b="50000"/>
+              </a:path>
+              <a:tileRect/>
+            </a:gradFill>
+            <a:miter lim="800000"/>
+          </a:ln>
+          <a:effectLst>
+            <a:outerShdw blurRad="254000" algn="tl" rotWithShape="0">
+              <a:srgbClr val="000000">
+                <a:alpha val="43000"/>
+              </a:srgbClr>
+            </a:outerShdw>
+          </a:effectLst>
+        </p:spPr>
+      </p:pic>
+      <p:pic>
+        <p:nvPicPr>
+          <p:cNvPr id="6" name="Content Placeholder 5" descr="Chart, line chart&#10;&#10;Description automatically generated">
+            <a:extLst>
+              <a:ext uri="{FF2B5EF4-FFF2-40B4-BE49-F238E27FC236}">
+                <a16:creationId xmlns:a16="http://schemas.microsoft.com/office/drawing/2014/main" id="{9D3CBEDF-5417-40C1-8E11-3213E9FA7064}"/>
+              </a:ext>
+            </a:extLst>
+          </p:cNvPr>
+          <p:cNvPicPr>
+            <a:picLocks noChangeAspect="1"/>
+          </p:cNvPicPr>
+          <p:nvPr/>
+        </p:nvPicPr>
+        <p:blipFill>
+          <a:blip r:embed="rId5"/>
+          <a:stretch>
+            <a:fillRect/>
+          </a:stretch>
+        </p:blipFill>
+        <p:spPr>
+          <a:xfrm>
+            <a:off x="5471544" y="1080828"/>
+            <a:ext cx="6138254" cy="2378572"/>
+          </a:xfrm>
+          <a:prstGeom prst="roundRect">
+            <a:avLst>
+              <a:gd name="adj" fmla="val 7306"/>
+            </a:avLst>
+          </a:prstGeom>
+          <a:ln w="50800" cap="sq" cmpd="dbl">
+            <a:gradFill flip="none" rotWithShape="1">
+              <a:gsLst>
+                <a:gs pos="0">
+                  <a:srgbClr val="FFFFFF"/>
+                </a:gs>
+                <a:gs pos="100000">
+                  <a:schemeClr val="tx1">
+                    <a:alpha val="0"/>
+                  </a:schemeClr>
+                </a:gs>
+              </a:gsLst>
+              <a:path path="circle">
+                <a:fillToRect l="50000" t="50000" r="50000" b="50000"/>
+              </a:path>
+              <a:tileRect/>
+            </a:gradFill>
+            <a:miter lim="800000"/>
+          </a:ln>
+          <a:effectLst>
+            <a:outerShdw blurRad="254000" algn="tl" rotWithShape="0">
+              <a:srgbClr val="000000">
+                <a:alpha val="43000"/>
+              </a:srgbClr>
+            </a:outerShdw>
+          </a:effectLst>
+        </p:spPr>
+      </p:pic>
+    </p:spTree>
+    <p:extLst>
+      <p:ext uri="{BB962C8B-B14F-4D97-AF65-F5344CB8AC3E}">
+        <p14:creationId xmlns:p14="http://schemas.microsoft.com/office/powerpoint/2010/main" val="2906087779"/>
+      </p:ext>
+    </p:extLst>
+  </p:cSld>
+  <p:clrMapOvr>
+    <a:masterClrMapping/>
+  </p:clrMapOvr>
+</p:sld>
+</file>
+
+<file path=ppt/slides/slide11.xml><?xml version="1.0" encoding="utf-8"?>
+<p:sld xmlns:a="http://schemas.openxmlformats.org/drawingml/2006/main" xmlns:r="http://schemas.openxmlformats.org/officeDocument/2006/relationships" xmlns:p="http://schemas.openxmlformats.org/presentationml/2006/main">
+  <p:cSld>
+    <p:bg>
+      <p:bgPr>
+        <a:blipFill>
+          <a:blip r:embed="rId2"/>
+          <a:stretch/>
+        </a:blipFill>
+        <a:effectLst/>
+      </p:bgPr>
+    </p:bg>
+    <p:spTree>
+      <p:nvGrpSpPr>
+        <p:cNvPr id="1" name=""/>
+        <p:cNvGrpSpPr/>
+        <p:nvPr/>
+      </p:nvGrpSpPr>
+      <p:grpSpPr>
+        <a:xfrm>
+          <a:off x="0" y="0"/>
+          <a:ext cx="0" cy="0"/>
+          <a:chOff x="0" y="0"/>
+          <a:chExt cx="0" cy="0"/>
+        </a:xfrm>
+      </p:grpSpPr>
+      <p:sp>
+        <p:nvSpPr>
+          <p:cNvPr id="2" name="Title 1">
+            <a:extLst>
+              <a:ext uri="{FF2B5EF4-FFF2-40B4-BE49-F238E27FC236}">
+                <a16:creationId xmlns:a16="http://schemas.microsoft.com/office/drawing/2014/main" id="{6B91E0A5-6B8A-41E7-B7F0-1E0A8F07BC18}"/>
+              </a:ext>
+            </a:extLst>
+          </p:cNvPr>
+          <p:cNvSpPr>
+            <a:spLocks noGrp="1"/>
+          </p:cNvSpPr>
+          <p:nvPr>
+            <p:ph type="title"/>
+          </p:nvPr>
+        </p:nvSpPr>
+        <p:spPr>
+          <a:xfrm>
+            <a:off x="4685630" y="1030288"/>
+            <a:ext cx="6131596" cy="1035579"/>
+          </a:xfrm>
+        </p:spPr>
+        <p:txBody>
+          <a:bodyPr>
+            <a:normAutofit/>
+          </a:bodyPr>
+          <a:lstStyle/>
+          <a:p>
+            <a:r>
+              <a:rPr lang="en-SG"/>
+              <a:t>Customer Segmentation</a:t>
+            </a:r>
+            <a:endParaRPr lang="en-GB"/>
+          </a:p>
+        </p:txBody>
+      </p:sp>
+      <p:pic>
+        <p:nvPicPr>
+          <p:cNvPr id="6" name="Picture 5" descr="Chart, scatter chart, bubble chart&#10;&#10;Description automatically generated">
+            <a:extLst>
+              <a:ext uri="{FF2B5EF4-FFF2-40B4-BE49-F238E27FC236}">
+                <a16:creationId xmlns:a16="http://schemas.microsoft.com/office/drawing/2014/main" id="{0FD40AF5-CA93-41D2-9BF5-25DE64EC224C}"/>
+              </a:ext>
+            </a:extLst>
+          </p:cNvPr>
+          <p:cNvPicPr>
+            <a:picLocks noChangeAspect="1"/>
+          </p:cNvPicPr>
+          <p:nvPr/>
+        </p:nvPicPr>
+        <p:blipFill>
+          <a:blip r:embed="rId3"/>
+          <a:stretch>
+            <a:fillRect/>
+          </a:stretch>
+        </p:blipFill>
+        <p:spPr>
+          <a:xfrm>
+            <a:off x="1169992" y="3476626"/>
+            <a:ext cx="2557540" cy="2314574"/>
+          </a:xfrm>
+          <a:prstGeom prst="roundRect">
+            <a:avLst>
+              <a:gd name="adj" fmla="val 7306"/>
+            </a:avLst>
+          </a:prstGeom>
+          <a:ln w="50800" cap="sq" cmpd="dbl">
+            <a:gradFill flip="none" rotWithShape="1">
+              <a:gsLst>
+                <a:gs pos="0">
+                  <a:srgbClr val="FFFFFF"/>
+                </a:gs>
+                <a:gs pos="100000">
+                  <a:schemeClr val="tx1">
+                    <a:alpha val="0"/>
+                  </a:schemeClr>
+                </a:gs>
+              </a:gsLst>
+              <a:path path="circle">
+                <a:fillToRect l="50000" t="50000" r="50000" b="50000"/>
+              </a:path>
+              <a:tileRect/>
+            </a:gradFill>
+            <a:miter lim="800000"/>
+          </a:ln>
+          <a:effectLst>
+            <a:outerShdw blurRad="254000" algn="tl" rotWithShape="0">
+              <a:srgbClr val="000000">
+                <a:alpha val="43000"/>
+              </a:srgbClr>
+            </a:outerShdw>
+          </a:effectLst>
+        </p:spPr>
+      </p:pic>
+      <p:sp>
+        <p:nvSpPr>
+          <p:cNvPr id="3" name="Content Placeholder 2">
+            <a:extLst>
+              <a:ext uri="{FF2B5EF4-FFF2-40B4-BE49-F238E27FC236}">
+                <a16:creationId xmlns:a16="http://schemas.microsoft.com/office/drawing/2014/main" id="{AE57E7A0-8C46-490A-8CE8-259DEDB0522B}"/>
+              </a:ext>
+            </a:extLst>
+          </p:cNvPr>
+          <p:cNvSpPr>
+            <a:spLocks noGrp="1"/>
+          </p:cNvSpPr>
+          <p:nvPr>
+            <p:ph idx="1"/>
+          </p:nvPr>
+        </p:nvSpPr>
+        <p:spPr>
+          <a:xfrm>
+            <a:off x="4685630" y="2142067"/>
+            <a:ext cx="6131596" cy="3649133"/>
+          </a:xfrm>
+        </p:spPr>
+        <p:txBody>
+          <a:bodyPr>
+            <a:normAutofit/>
+          </a:bodyPr>
+          <a:lstStyle/>
+          <a:p>
+            <a:r>
+              <a:rPr lang="en-SG" dirty="0"/>
+              <a:t>Using the </a:t>
+            </a:r>
+            <a:r>
+              <a:rPr lang="en-SG" dirty="0" err="1"/>
+              <a:t>KMeans</a:t>
+            </a:r>
+            <a:r>
+              <a:rPr lang="en-SG" dirty="0"/>
+              <a:t> model with 6 clusters, the mall customers are segregated into 6 distinct meaningful clusters.</a:t>
+            </a:r>
+          </a:p>
+          <a:p>
+            <a:r>
+              <a:rPr lang="en-SG" dirty="0"/>
+              <a:t>The clusters sort of resembles an Urgency-Importance Matrix.</a:t>
+            </a:r>
+          </a:p>
+          <a:p>
+            <a:r>
+              <a:rPr lang="en-GB" dirty="0"/>
+              <a:t>The clusters are:</a:t>
+            </a:r>
+          </a:p>
+          <a:p>
+            <a:pPr marL="800100" lvl="1" indent="-342900">
+              <a:spcAft>
+                <a:spcPts val="600"/>
+              </a:spcAft>
+              <a:buFont typeface="+mj-lt"/>
+              <a:buAutoNum type="alphaLcPeriod"/>
+            </a:pPr>
+            <a:r>
+              <a:rPr lang="en-GB" sz="1400" dirty="0"/>
+              <a:t>Red – low-income and low spending score (all ages)</a:t>
+            </a:r>
+          </a:p>
+          <a:p>
+            <a:pPr marL="800100" lvl="1" indent="-342900">
+              <a:spcAft>
+                <a:spcPts val="600"/>
+              </a:spcAft>
+              <a:buFont typeface="+mj-lt"/>
+              <a:buAutoNum type="alphaLcPeriod"/>
+            </a:pPr>
+            <a:r>
+              <a:rPr lang="en-GB" sz="1400" dirty="0"/>
+              <a:t>Dark Blue – low-income but high spending score (young)</a:t>
+            </a:r>
+          </a:p>
+          <a:p>
+            <a:pPr marL="800100" lvl="1" indent="-342900">
+              <a:spcAft>
+                <a:spcPts val="600"/>
+              </a:spcAft>
+              <a:buFont typeface="+mj-lt"/>
+              <a:buAutoNum type="alphaLcPeriod"/>
+            </a:pPr>
+            <a:r>
+              <a:rPr lang="en-GB" sz="1400" dirty="0"/>
+              <a:t>Purple/Green – middle-income and middle spending score (young/old)</a:t>
+            </a:r>
+          </a:p>
+          <a:p>
+            <a:pPr marL="800100" lvl="1" indent="-342900">
+              <a:spcAft>
+                <a:spcPts val="600"/>
+              </a:spcAft>
+              <a:buFont typeface="+mj-lt"/>
+              <a:buAutoNum type="alphaLcPeriod"/>
+            </a:pPr>
+            <a:r>
+              <a:rPr lang="en-GB" sz="1400" dirty="0"/>
+              <a:t>Light Blue – high-income but low spending score (all ages)</a:t>
+            </a:r>
+          </a:p>
+          <a:p>
+            <a:pPr marL="800100" lvl="1" indent="-342900">
+              <a:spcAft>
+                <a:spcPts val="600"/>
+              </a:spcAft>
+              <a:buFont typeface="+mj-lt"/>
+              <a:buAutoNum type="alphaLcPeriod"/>
+            </a:pPr>
+            <a:r>
+              <a:rPr lang="en-GB" sz="1400" dirty="0"/>
+              <a:t>Yellow – high-income and high spending score (young)</a:t>
+            </a:r>
+          </a:p>
+        </p:txBody>
+      </p:sp>
+      <p:pic>
+        <p:nvPicPr>
+          <p:cNvPr id="4" name="Picture 3" descr="Chart, scatter chart&#10;&#10;Description automatically generated">
+            <a:extLst>
+              <a:ext uri="{FF2B5EF4-FFF2-40B4-BE49-F238E27FC236}">
+                <a16:creationId xmlns:a16="http://schemas.microsoft.com/office/drawing/2014/main" id="{0F6CB1EA-B60C-4CE9-BD6F-DA3F3DC68CE8}"/>
+              </a:ext>
+            </a:extLst>
+          </p:cNvPr>
+          <p:cNvPicPr>
+            <a:picLocks noChangeAspect="1"/>
+          </p:cNvPicPr>
+          <p:nvPr/>
+        </p:nvPicPr>
+        <p:blipFill>
+          <a:blip r:embed="rId4"/>
+          <a:stretch>
+            <a:fillRect/>
+          </a:stretch>
+        </p:blipFill>
+        <p:spPr>
+          <a:xfrm>
+            <a:off x="1152082" y="721632"/>
+            <a:ext cx="2593360" cy="2314574"/>
+          </a:xfrm>
+          <a:prstGeom prst="roundRect">
+            <a:avLst>
+              <a:gd name="adj" fmla="val 7306"/>
+            </a:avLst>
+          </a:prstGeom>
+          <a:ln w="50800" cap="sq" cmpd="dbl">
+            <a:gradFill flip="none" rotWithShape="1">
+              <a:gsLst>
+                <a:gs pos="0">
+                  <a:srgbClr val="FFFFFF"/>
+                </a:gs>
+                <a:gs pos="100000">
+                  <a:schemeClr val="tx1">
+                    <a:alpha val="0"/>
+                  </a:schemeClr>
+                </a:gs>
+              </a:gsLst>
+              <a:path path="circle">
+                <a:fillToRect l="50000" t="50000" r="50000" b="50000"/>
+              </a:path>
+              <a:tileRect/>
+            </a:gradFill>
+            <a:miter lim="800000"/>
+          </a:ln>
+          <a:effectLst>
+            <a:outerShdw blurRad="254000" algn="tl" rotWithShape="0">
+              <a:srgbClr val="000000">
+                <a:alpha val="43000"/>
+              </a:srgbClr>
+            </a:outerShdw>
+          </a:effectLst>
+        </p:spPr>
+      </p:pic>
+    </p:spTree>
+    <p:extLst>
+      <p:ext uri="{BB962C8B-B14F-4D97-AF65-F5344CB8AC3E}">
+        <p14:creationId xmlns:p14="http://schemas.microsoft.com/office/powerpoint/2010/main" val="2025975883"/>
+      </p:ext>
+    </p:extLst>
+  </p:cSld>
+  <p:clrMapOvr>
+    <a:masterClrMapping/>
+  </p:clrMapOvr>
+</p:sld>
+</file>
+
+<file path=ppt/slides/slide12.xml><?xml version="1.0" encoding="utf-8"?>
+<p:sld xmlns:a="http://schemas.openxmlformats.org/drawingml/2006/main" xmlns:r="http://schemas.openxmlformats.org/officeDocument/2006/relationships" xmlns:p="http://schemas.openxmlformats.org/presentationml/2006/main">
+  <p:cSld>
+    <p:spTree>
+      <p:nvGrpSpPr>
+        <p:cNvPr id="1" name=""/>
+        <p:cNvGrpSpPr/>
+        <p:nvPr/>
+      </p:nvGrpSpPr>
+      <p:grpSpPr>
+        <a:xfrm>
+          <a:off x="0" y="0"/>
+          <a:ext cx="0" cy="0"/>
+          <a:chOff x="0" y="0"/>
+          <a:chExt cx="0" cy="0"/>
+        </a:xfrm>
+      </p:grpSpPr>
+      <p:sp>
+        <p:nvSpPr>
+          <p:cNvPr id="2" name="Title 1">
+            <a:extLst>
+              <a:ext uri="{FF2B5EF4-FFF2-40B4-BE49-F238E27FC236}">
+                <a16:creationId xmlns:a16="http://schemas.microsoft.com/office/drawing/2014/main" id="{317B3D4B-D5F6-476B-BCA3-A32425D4B10A}"/>
+              </a:ext>
+            </a:extLst>
+          </p:cNvPr>
+          <p:cNvSpPr>
+            <a:spLocks noGrp="1"/>
+          </p:cNvSpPr>
+          <p:nvPr>
+            <p:ph type="title"/>
+          </p:nvPr>
+        </p:nvSpPr>
+        <p:spPr/>
+        <p:txBody>
+          <a:bodyPr/>
+          <a:lstStyle/>
+          <a:p>
+            <a:r>
+              <a:rPr lang="en-SG" dirty="0"/>
+              <a:t>Marketing Strategy</a:t>
+            </a:r>
+            <a:endParaRPr lang="en-GB" dirty="0"/>
+          </a:p>
+        </p:txBody>
+      </p:sp>
+      <p:sp>
+        <p:nvSpPr>
+          <p:cNvPr id="3" name="Content Placeholder 2">
+            <a:extLst>
+              <a:ext uri="{FF2B5EF4-FFF2-40B4-BE49-F238E27FC236}">
+                <a16:creationId xmlns:a16="http://schemas.microsoft.com/office/drawing/2014/main" id="{9C233144-B82F-4E1C-AF11-D398157664F8}"/>
+              </a:ext>
+            </a:extLst>
+          </p:cNvPr>
+          <p:cNvSpPr>
+            <a:spLocks noGrp="1"/>
+          </p:cNvSpPr>
+          <p:nvPr>
+            <p:ph idx="1"/>
+          </p:nvPr>
+        </p:nvSpPr>
+        <p:spPr/>
+        <p:txBody>
+          <a:bodyPr/>
+          <a:lstStyle/>
+          <a:p>
+            <a:r>
+              <a:rPr lang="en-SG" dirty="0"/>
+              <a:t>Young people tend to shop more, be more impulsive and less frugal than older people.</a:t>
+            </a:r>
+          </a:p>
+          <a:p>
+            <a:r>
+              <a:rPr lang="en-SG" dirty="0"/>
+              <a:t>The young generation is born into a much more affluent society than the previous generations.</a:t>
+            </a:r>
+          </a:p>
+          <a:p>
+            <a:r>
+              <a:rPr lang="en-SG" dirty="0"/>
+              <a:t>In an effort to improve sales but not encourage youths to spend beyond their means (dark blue group), marketing strategies should be targeted at high-income but low spending score customers (light blue group).</a:t>
+            </a:r>
+          </a:p>
+          <a:p>
+            <a:r>
+              <a:rPr lang="en-SG" dirty="0"/>
+              <a:t>To enhance the mall’s reputation, perhaps the mall could host a money-saving campaign to educate the youths of the risks </a:t>
+            </a:r>
+            <a:r>
+              <a:rPr lang="en-SG"/>
+              <a:t>of overspending.</a:t>
+            </a:r>
+            <a:endParaRPr lang="en-SG" dirty="0"/>
+          </a:p>
+          <a:p>
+            <a:endParaRPr lang="en-GB" dirty="0"/>
+          </a:p>
+        </p:txBody>
+      </p:sp>
+      <p:pic>
+        <p:nvPicPr>
+          <p:cNvPr id="5" name="Picture 4" descr="Text&#10;&#10;Description automatically generated">
+            <a:extLst>
+              <a:ext uri="{FF2B5EF4-FFF2-40B4-BE49-F238E27FC236}">
+                <a16:creationId xmlns:a16="http://schemas.microsoft.com/office/drawing/2014/main" id="{897E809C-F72D-4B78-BA69-24289F11FFD2}"/>
+              </a:ext>
+            </a:extLst>
+          </p:cNvPr>
+          <p:cNvPicPr>
+            <a:picLocks noChangeAspect="1"/>
+          </p:cNvPicPr>
+          <p:nvPr/>
+        </p:nvPicPr>
+        <p:blipFill>
+          <a:blip r:embed="rId2"/>
+          <a:stretch>
+            <a:fillRect/>
+          </a:stretch>
+        </p:blipFill>
+        <p:spPr>
+          <a:xfrm>
+            <a:off x="6184817" y="425632"/>
+            <a:ext cx="5534797" cy="1486107"/>
+          </a:xfrm>
+          <a:prstGeom prst="rect">
+            <a:avLst/>
+          </a:prstGeom>
+        </p:spPr>
+      </p:pic>
+    </p:spTree>
+    <p:extLst>
+      <p:ext uri="{BB962C8B-B14F-4D97-AF65-F5344CB8AC3E}">
+        <p14:creationId xmlns:p14="http://schemas.microsoft.com/office/powerpoint/2010/main" val="1069452601"/>
+      </p:ext>
+    </p:extLst>
+  </p:cSld>
+  <p:clrMapOvr>
+    <a:masterClrMapping/>
+  </p:clrMapOvr>
+</p:sld>
+</file>
+
+<file path=ppt/slides/slide13.xml><?xml version="1.0" encoding="utf-8"?>
+<p:sld xmlns:a="http://schemas.openxmlformats.org/drawingml/2006/main" xmlns:r="http://schemas.openxmlformats.org/officeDocument/2006/relationships" xmlns:p="http://schemas.openxmlformats.org/presentationml/2006/main" show="0">
+  <p:cSld>
+    <p:spTree>
+      <p:nvGrpSpPr>
+        <p:cNvPr id="1" name=""/>
+        <p:cNvGrpSpPr/>
+        <p:nvPr/>
+      </p:nvGrpSpPr>
+      <p:grpSpPr>
+        <a:xfrm>
+          <a:off x="0" y="0"/>
+          <a:ext cx="0" cy="0"/>
+          <a:chOff x="0" y="0"/>
+          <a:chExt cx="0" cy="0"/>
+        </a:xfrm>
+      </p:grpSpPr>
+      <p:sp>
+        <p:nvSpPr>
+          <p:cNvPr id="2" name="Title 1">
+            <a:extLst>
+              <a:ext uri="{FF2B5EF4-FFF2-40B4-BE49-F238E27FC236}">
+                <a16:creationId xmlns:a16="http://schemas.microsoft.com/office/drawing/2014/main" id="{5C9E330A-DCD0-4810-BA93-781E60DF6BEF}"/>
+              </a:ext>
+            </a:extLst>
+          </p:cNvPr>
+          <p:cNvSpPr>
+            <a:spLocks noGrp="1"/>
+          </p:cNvSpPr>
+          <p:nvPr>
+            <p:ph type="title"/>
+          </p:nvPr>
+        </p:nvSpPr>
+        <p:spPr/>
+        <p:txBody>
+          <a:bodyPr/>
+          <a:lstStyle/>
+          <a:p>
+            <a:r>
+              <a:rPr lang="en-SG" dirty="0"/>
+              <a:t>Hyper-Parameter Tuning (No. Of clusters)</a:t>
+            </a:r>
+            <a:endParaRPr lang="en-GB" dirty="0"/>
+          </a:p>
+        </p:txBody>
+      </p:sp>
+      <p:sp>
+        <p:nvSpPr>
+          <p:cNvPr id="3" name="Text Placeholder 2">
+            <a:extLst>
+              <a:ext uri="{FF2B5EF4-FFF2-40B4-BE49-F238E27FC236}">
+                <a16:creationId xmlns:a16="http://schemas.microsoft.com/office/drawing/2014/main" id="{AB83E6E6-A372-424B-BD06-2C93D11B2DA9}"/>
+              </a:ext>
+            </a:extLst>
+          </p:cNvPr>
+          <p:cNvSpPr>
+            <a:spLocks noGrp="1"/>
+          </p:cNvSpPr>
+          <p:nvPr>
+            <p:ph type="body" idx="1"/>
+          </p:nvPr>
+        </p:nvSpPr>
+        <p:spPr>
+          <a:xfrm>
+            <a:off x="644277" y="2382654"/>
+            <a:ext cx="3475233" cy="576262"/>
+          </a:xfrm>
+        </p:spPr>
+        <p:txBody>
+          <a:bodyPr/>
+          <a:lstStyle/>
+          <a:p>
+            <a:r>
+              <a:rPr lang="en-SG" dirty="0"/>
+              <a:t>Silhouette Score</a:t>
+            </a:r>
+            <a:endParaRPr lang="en-GB" dirty="0"/>
+          </a:p>
+        </p:txBody>
+      </p:sp>
+      <p:sp>
+        <p:nvSpPr>
+          <p:cNvPr id="4" name="Content Placeholder 3">
+            <a:extLst>
+              <a:ext uri="{FF2B5EF4-FFF2-40B4-BE49-F238E27FC236}">
+                <a16:creationId xmlns:a16="http://schemas.microsoft.com/office/drawing/2014/main" id="{693CDF55-022E-4191-AD25-1CA7E35B38B7}"/>
+              </a:ext>
+            </a:extLst>
+          </p:cNvPr>
+          <p:cNvSpPr>
+            <a:spLocks noGrp="1"/>
+          </p:cNvSpPr>
+          <p:nvPr>
+            <p:ph sz="half" idx="2"/>
+          </p:nvPr>
+        </p:nvSpPr>
+        <p:spPr>
+          <a:xfrm>
+            <a:off x="644277" y="3034588"/>
+            <a:ext cx="3400675" cy="2920998"/>
+          </a:xfrm>
+        </p:spPr>
+        <p:txBody>
+          <a:bodyPr/>
+          <a:lstStyle/>
+          <a:p>
+            <a:r>
+              <a:rPr lang="en-SG" dirty="0"/>
+              <a:t>Is: the ratio between intra-cluster distances and the inter-cluster distances</a:t>
+            </a:r>
+          </a:p>
+          <a:p>
+            <a:r>
+              <a:rPr lang="en-SG" dirty="0"/>
+              <a:t>It </a:t>
+            </a:r>
+          </a:p>
+          <a:p>
+            <a:r>
+              <a:rPr lang="en-SG" dirty="0"/>
+              <a:t>The higher, the better</a:t>
+            </a:r>
+            <a:endParaRPr lang="en-GB" dirty="0"/>
+          </a:p>
+        </p:txBody>
+      </p:sp>
+      <p:sp>
+        <p:nvSpPr>
+          <p:cNvPr id="5" name="Text Placeholder 4">
+            <a:extLst>
+              <a:ext uri="{FF2B5EF4-FFF2-40B4-BE49-F238E27FC236}">
+                <a16:creationId xmlns:a16="http://schemas.microsoft.com/office/drawing/2014/main" id="{F24594FE-651D-4939-BCF3-1C9D166F53B6}"/>
+              </a:ext>
+            </a:extLst>
+          </p:cNvPr>
+          <p:cNvSpPr>
+            <a:spLocks noGrp="1"/>
+          </p:cNvSpPr>
+          <p:nvPr>
+            <p:ph type="body" sz="quarter" idx="3"/>
+          </p:nvPr>
+        </p:nvSpPr>
+        <p:spPr>
+          <a:xfrm>
+            <a:off x="4395662" y="2369506"/>
+            <a:ext cx="3400676" cy="576262"/>
+          </a:xfrm>
+        </p:spPr>
+        <p:txBody>
+          <a:bodyPr/>
+          <a:lstStyle/>
+          <a:p>
+            <a:r>
+              <a:rPr lang="en-SG" dirty="0"/>
+              <a:t>Distance Score</a:t>
+            </a:r>
+            <a:endParaRPr lang="en-GB" dirty="0"/>
+          </a:p>
+        </p:txBody>
+      </p:sp>
+      <p:sp>
+        <p:nvSpPr>
+          <p:cNvPr id="6" name="Content Placeholder 5">
+            <a:extLst>
+              <a:ext uri="{FF2B5EF4-FFF2-40B4-BE49-F238E27FC236}">
+                <a16:creationId xmlns:a16="http://schemas.microsoft.com/office/drawing/2014/main" id="{D79E6FB2-E75D-448F-AB60-AA20505AEB82}"/>
+              </a:ext>
+            </a:extLst>
+          </p:cNvPr>
+          <p:cNvSpPr>
+            <a:spLocks noGrp="1"/>
+          </p:cNvSpPr>
+          <p:nvPr>
+            <p:ph sz="quarter" idx="4"/>
+          </p:nvPr>
+        </p:nvSpPr>
+        <p:spPr>
+          <a:xfrm>
+            <a:off x="4395662" y="3065369"/>
+            <a:ext cx="3400676" cy="2920998"/>
+          </a:xfrm>
+        </p:spPr>
+        <p:txBody>
+          <a:bodyPr/>
+          <a:lstStyle/>
+          <a:p>
+            <a:r>
+              <a:rPr lang="en-SG" dirty="0"/>
+              <a:t>Is the variance in the cluster sizes (distance)</a:t>
+            </a:r>
+          </a:p>
+          <a:p>
+            <a:r>
+              <a:rPr lang="en-SG" dirty="0"/>
+              <a:t>The lower, the better</a:t>
+            </a:r>
+            <a:endParaRPr lang="en-GB" dirty="0"/>
+          </a:p>
+        </p:txBody>
+      </p:sp>
+      <p:sp>
+        <p:nvSpPr>
+          <p:cNvPr id="7" name="Text Placeholder 4">
+            <a:extLst>
+              <a:ext uri="{FF2B5EF4-FFF2-40B4-BE49-F238E27FC236}">
+                <a16:creationId xmlns:a16="http://schemas.microsoft.com/office/drawing/2014/main" id="{2D73464D-97D3-44A3-8470-FCE243E9108A}"/>
+              </a:ext>
+            </a:extLst>
+          </p:cNvPr>
+          <p:cNvSpPr txBox="1">
+            <a:spLocks/>
+          </p:cNvSpPr>
+          <p:nvPr/>
+        </p:nvSpPr>
+        <p:spPr>
+          <a:xfrm>
+            <a:off x="8147049" y="2369506"/>
+            <a:ext cx="3400676" cy="576262"/>
+          </a:xfrm>
+          <a:prstGeom prst="rect">
+            <a:avLst/>
+          </a:prstGeom>
+        </p:spPr>
+        <p:txBody>
+          <a:bodyPr vert="horz" lIns="91440" tIns="45720" rIns="91440" bIns="45720" rtlCol="0" anchor="b">
+            <a:noAutofit/>
+          </a:bodyPr>
+          <a:lstStyle>
+            <a:lvl1pPr marL="0" indent="0" algn="l" defTabSz="457200" rtl="0" eaLnBrk="1" latinLnBrk="0" hangingPunct="1">
+              <a:spcBef>
+                <a:spcPts val="0"/>
+              </a:spcBef>
+              <a:spcAft>
+                <a:spcPts val="1000"/>
+              </a:spcAft>
+              <a:buClr>
+                <a:schemeClr val="tx1"/>
+              </a:buClr>
+              <a:buSzPct val="100000"/>
+              <a:buFont typeface="Arial"/>
+              <a:buNone/>
+              <a:defRPr sz="2800" b="0" kern="1200" cap="none">
+                <a:solidFill>
+                  <a:schemeClr val="tx1"/>
+                </a:solidFill>
+                <a:effectLst/>
+                <a:latin typeface="+mn-lt"/>
+                <a:ea typeface="+mn-ea"/>
+                <a:cs typeface="+mn-cs"/>
+              </a:defRPr>
+            </a:lvl1pPr>
+            <a:lvl2pPr marL="457200" indent="0" algn="l" defTabSz="457200" rtl="0" eaLnBrk="1" latinLnBrk="0" hangingPunct="1">
+              <a:spcBef>
+                <a:spcPts val="0"/>
+              </a:spcBef>
+              <a:spcAft>
+                <a:spcPts val="1000"/>
+              </a:spcAft>
+              <a:buClr>
+                <a:schemeClr val="tx1"/>
+              </a:buClr>
+              <a:buSzPct val="100000"/>
+              <a:buFont typeface="Arial"/>
+              <a:buNone/>
+              <a:defRPr sz="2000" b="1" kern="1200" cap="none">
+                <a:solidFill>
+                  <a:schemeClr val="tx1"/>
+                </a:solidFill>
+                <a:effectLst/>
+                <a:latin typeface="+mn-lt"/>
+                <a:ea typeface="+mn-ea"/>
+                <a:cs typeface="+mn-cs"/>
+              </a:defRPr>
+            </a:lvl2pPr>
+            <a:lvl3pPr marL="914400" indent="0" algn="l" defTabSz="457200" rtl="0" eaLnBrk="1" latinLnBrk="0" hangingPunct="1">
+              <a:spcBef>
+                <a:spcPts val="0"/>
+              </a:spcBef>
+              <a:spcAft>
+                <a:spcPts val="1000"/>
+              </a:spcAft>
+              <a:buClr>
+                <a:schemeClr val="tx1"/>
+              </a:buClr>
+              <a:buSzPct val="100000"/>
+              <a:buFont typeface="Arial"/>
+              <a:buNone/>
+              <a:defRPr sz="1800" b="1" kern="1200" cap="none">
+                <a:solidFill>
+                  <a:schemeClr val="tx1"/>
+                </a:solidFill>
+                <a:effectLst/>
+                <a:latin typeface="+mn-lt"/>
+                <a:ea typeface="+mn-ea"/>
+                <a:cs typeface="+mn-cs"/>
+              </a:defRPr>
+            </a:lvl3pPr>
+            <a:lvl4pPr marL="1371600" indent="0" algn="l" defTabSz="457200" rtl="0" eaLnBrk="1" latinLnBrk="0" hangingPunct="1">
+              <a:spcBef>
+                <a:spcPts val="0"/>
+              </a:spcBef>
+              <a:spcAft>
+                <a:spcPts val="1000"/>
+              </a:spcAft>
+              <a:buClr>
+                <a:schemeClr val="tx1"/>
+              </a:buClr>
+              <a:buSzPct val="100000"/>
+              <a:buFont typeface="Arial"/>
+              <a:buNone/>
+              <a:defRPr sz="1600" b="1" kern="1200" cap="none">
+                <a:solidFill>
+                  <a:schemeClr val="tx1"/>
+                </a:solidFill>
+                <a:effectLst/>
+                <a:latin typeface="+mn-lt"/>
+                <a:ea typeface="+mn-ea"/>
+                <a:cs typeface="+mn-cs"/>
+              </a:defRPr>
+            </a:lvl4pPr>
+            <a:lvl5pPr marL="1828800" indent="0" algn="l" defTabSz="457200" rtl="0" eaLnBrk="1" latinLnBrk="0" hangingPunct="1">
+              <a:spcBef>
+                <a:spcPts val="0"/>
+              </a:spcBef>
+              <a:spcAft>
+                <a:spcPts val="1000"/>
+              </a:spcAft>
+              <a:buClr>
+                <a:schemeClr val="tx1"/>
+              </a:buClr>
+              <a:buSzPct val="100000"/>
+              <a:buFont typeface="Arial"/>
+              <a:buNone/>
+              <a:defRPr sz="1600" b="1" kern="1200" cap="none">
+                <a:solidFill>
+                  <a:schemeClr val="tx1"/>
+                </a:solidFill>
+                <a:effectLst/>
+                <a:latin typeface="+mn-lt"/>
+                <a:ea typeface="+mn-ea"/>
+                <a:cs typeface="+mn-cs"/>
+              </a:defRPr>
+            </a:lvl5pPr>
+            <a:lvl6pPr marL="2286000" indent="0" algn="l" defTabSz="457200" rtl="0" eaLnBrk="1" latinLnBrk="0" hangingPunct="1">
+              <a:spcBef>
+                <a:spcPts val="0"/>
+              </a:spcBef>
+              <a:spcAft>
+                <a:spcPts val="1000"/>
+              </a:spcAft>
+              <a:buClr>
+                <a:schemeClr val="tx1"/>
+              </a:buClr>
+              <a:buSzPct val="100000"/>
+              <a:buFont typeface="Arial"/>
+              <a:buNone/>
+              <a:defRPr sz="1600" b="1" kern="1200" cap="none">
+                <a:solidFill>
+                  <a:schemeClr val="tx1"/>
+                </a:solidFill>
+                <a:effectLst/>
+                <a:latin typeface="+mn-lt"/>
+                <a:ea typeface="+mn-ea"/>
+                <a:cs typeface="+mn-cs"/>
+              </a:defRPr>
+            </a:lvl6pPr>
+            <a:lvl7pPr marL="2743200" indent="0" algn="l" defTabSz="457200" rtl="0" eaLnBrk="1" latinLnBrk="0" hangingPunct="1">
+              <a:spcBef>
+                <a:spcPts val="0"/>
+              </a:spcBef>
+              <a:spcAft>
+                <a:spcPts val="1000"/>
+              </a:spcAft>
+              <a:buClr>
+                <a:schemeClr val="tx1"/>
+              </a:buClr>
+              <a:buSzPct val="100000"/>
+              <a:buFont typeface="Arial"/>
+              <a:buNone/>
+              <a:defRPr sz="1600" b="1" kern="1200" cap="none">
+                <a:solidFill>
+                  <a:schemeClr val="tx1"/>
+                </a:solidFill>
+                <a:effectLst/>
+                <a:latin typeface="+mn-lt"/>
+                <a:ea typeface="+mn-ea"/>
+                <a:cs typeface="+mn-cs"/>
+              </a:defRPr>
+            </a:lvl7pPr>
+            <a:lvl8pPr marL="3200400" indent="0" algn="l" defTabSz="457200" rtl="0" eaLnBrk="1" latinLnBrk="0" hangingPunct="1">
+              <a:spcBef>
+                <a:spcPts val="0"/>
+              </a:spcBef>
+              <a:spcAft>
+                <a:spcPts val="1000"/>
+              </a:spcAft>
+              <a:buClr>
+                <a:schemeClr val="tx1"/>
+              </a:buClr>
+              <a:buSzPct val="100000"/>
+              <a:buFont typeface="Arial"/>
+              <a:buNone/>
+              <a:defRPr sz="1600" b="1" kern="1200" cap="none">
+                <a:solidFill>
+                  <a:schemeClr val="tx1"/>
+                </a:solidFill>
+                <a:effectLst/>
+                <a:latin typeface="+mn-lt"/>
+                <a:ea typeface="+mn-ea"/>
+                <a:cs typeface="+mn-cs"/>
+              </a:defRPr>
+            </a:lvl8pPr>
+            <a:lvl9pPr marL="3657600" indent="0" algn="l" defTabSz="457200" rtl="0" eaLnBrk="1" latinLnBrk="0" hangingPunct="1">
+              <a:spcBef>
+                <a:spcPts val="0"/>
+              </a:spcBef>
+              <a:spcAft>
+                <a:spcPts val="1000"/>
+              </a:spcAft>
+              <a:buClr>
+                <a:schemeClr val="tx1"/>
+              </a:buClr>
+              <a:buSzPct val="100000"/>
+              <a:buFont typeface="Arial"/>
+              <a:buNone/>
+              <a:defRPr sz="1600" b="1" kern="1200" cap="none">
+                <a:solidFill>
+                  <a:schemeClr val="tx1"/>
+                </a:solidFill>
+                <a:effectLst/>
+                <a:latin typeface="+mn-lt"/>
+                <a:ea typeface="+mn-ea"/>
+                <a:cs typeface="+mn-cs"/>
+              </a:defRPr>
+            </a:lvl9pPr>
+          </a:lstStyle>
+          <a:p>
+            <a:r>
+              <a:rPr lang="en-SG" dirty="0"/>
+              <a:t>Count Score</a:t>
+            </a:r>
+            <a:endParaRPr lang="en-GB" dirty="0"/>
+          </a:p>
+        </p:txBody>
+      </p:sp>
+      <p:sp>
+        <p:nvSpPr>
+          <p:cNvPr id="8" name="Content Placeholder 5">
+            <a:extLst>
+              <a:ext uri="{FF2B5EF4-FFF2-40B4-BE49-F238E27FC236}">
+                <a16:creationId xmlns:a16="http://schemas.microsoft.com/office/drawing/2014/main" id="{EF50184E-BB36-4EEF-96E4-3C17DF5F5D5D}"/>
+              </a:ext>
+            </a:extLst>
+          </p:cNvPr>
+          <p:cNvSpPr txBox="1">
+            <a:spLocks/>
+          </p:cNvSpPr>
+          <p:nvPr/>
+        </p:nvSpPr>
+        <p:spPr>
+          <a:xfrm>
+            <a:off x="8147049" y="3065369"/>
+            <a:ext cx="3400676" cy="2920998"/>
+          </a:xfrm>
+          <a:prstGeom prst="rect">
+            <a:avLst/>
+          </a:prstGeom>
+        </p:spPr>
+        <p:txBody>
+          <a:bodyPr vert="horz" lIns="91440" tIns="45720" rIns="91440" bIns="45720" rtlCol="0" anchor="t">
+            <a:normAutofit/>
+          </a:bodyPr>
+          <a:lstStyle>
+            <a:lvl1pPr marL="285750" indent="-285750" algn="l" defTabSz="457200" rtl="0" eaLnBrk="1" latinLnBrk="0" hangingPunct="1">
+              <a:spcBef>
+                <a:spcPts val="0"/>
+              </a:spcBef>
+              <a:spcAft>
+                <a:spcPts val="1000"/>
+              </a:spcAft>
+              <a:buClr>
+                <a:schemeClr val="tx1"/>
+              </a:buClr>
+              <a:buSzPct val="100000"/>
+              <a:buFont typeface="Arial"/>
+              <a:buChar char="•"/>
+              <a:defRPr sz="1800" kern="1200" cap="none">
+                <a:solidFill>
+                  <a:schemeClr val="tx1"/>
+                </a:solidFill>
+                <a:effectLst/>
+                <a:latin typeface="+mn-lt"/>
+                <a:ea typeface="+mn-ea"/>
+                <a:cs typeface="+mn-cs"/>
+              </a:defRPr>
+            </a:lvl1pPr>
+            <a:lvl2pPr marL="742950" indent="-285750" algn="l" defTabSz="457200" rtl="0" eaLnBrk="1" latinLnBrk="0" hangingPunct="1">
+              <a:spcBef>
+                <a:spcPts val="0"/>
+              </a:spcBef>
+              <a:spcAft>
+                <a:spcPts val="1000"/>
+              </a:spcAft>
+              <a:buClr>
+                <a:schemeClr val="tx1"/>
+              </a:buClr>
+              <a:buSzPct val="100000"/>
+              <a:buFont typeface="Arial"/>
+              <a:buChar char="•"/>
+              <a:defRPr sz="1600" kern="1200" cap="none">
+                <a:solidFill>
+                  <a:schemeClr val="tx1"/>
+                </a:solidFill>
+                <a:effectLst/>
+                <a:latin typeface="+mn-lt"/>
+                <a:ea typeface="+mn-ea"/>
+                <a:cs typeface="+mn-cs"/>
+              </a:defRPr>
+            </a:lvl2pPr>
+            <a:lvl3pPr marL="1200150" indent="-285750" algn="l" defTabSz="457200" rtl="0" eaLnBrk="1" latinLnBrk="0" hangingPunct="1">
+              <a:spcBef>
+                <a:spcPts val="0"/>
+              </a:spcBef>
+              <a:spcAft>
+                <a:spcPts val="1000"/>
+              </a:spcAft>
+              <a:buClr>
+                <a:schemeClr val="tx1"/>
+              </a:buClr>
+              <a:buSzPct val="100000"/>
+              <a:buFont typeface="Arial"/>
+              <a:buChar char="•"/>
+              <a:defRPr sz="1400" kern="1200" cap="none">
+                <a:solidFill>
+                  <a:schemeClr val="tx1"/>
+                </a:solidFill>
+                <a:effectLst/>
+                <a:latin typeface="+mn-lt"/>
+                <a:ea typeface="+mn-ea"/>
+                <a:cs typeface="+mn-cs"/>
+              </a:defRPr>
+            </a:lvl3pPr>
+            <a:lvl4pPr marL="1543050" indent="-171450" algn="l" defTabSz="457200" rtl="0" eaLnBrk="1" latinLnBrk="0" hangingPunct="1">
+              <a:spcBef>
+                <a:spcPts val="0"/>
+              </a:spcBef>
+              <a:spcAft>
+                <a:spcPts val="1000"/>
+              </a:spcAft>
+              <a:buClr>
+                <a:schemeClr val="tx1"/>
+              </a:buClr>
+              <a:buSzPct val="100000"/>
+              <a:buFont typeface="Arial"/>
+              <a:buChar char="•"/>
+              <a:defRPr sz="1200" kern="1200" cap="none">
+                <a:solidFill>
+                  <a:schemeClr val="tx1"/>
+                </a:solidFill>
+                <a:effectLst/>
+                <a:latin typeface="+mn-lt"/>
+                <a:ea typeface="+mn-ea"/>
+                <a:cs typeface="+mn-cs"/>
+              </a:defRPr>
+            </a:lvl4pPr>
+            <a:lvl5pPr marL="2000250" indent="-171450" algn="l" defTabSz="457200" rtl="0" eaLnBrk="1" latinLnBrk="0" hangingPunct="1">
+              <a:spcBef>
+                <a:spcPts val="0"/>
+              </a:spcBef>
+              <a:spcAft>
+                <a:spcPts val="1000"/>
+              </a:spcAft>
+              <a:buClr>
+                <a:schemeClr val="tx1"/>
+              </a:buClr>
+              <a:buSzPct val="100000"/>
+              <a:buFont typeface="Arial"/>
+              <a:buChar char="•"/>
+              <a:defRPr sz="1200" kern="1200" cap="none">
+                <a:solidFill>
+                  <a:schemeClr val="tx1"/>
+                </a:solidFill>
+                <a:effectLst/>
+                <a:latin typeface="+mn-lt"/>
+                <a:ea typeface="+mn-ea"/>
+                <a:cs typeface="+mn-cs"/>
+              </a:defRPr>
+            </a:lvl5pPr>
+            <a:lvl6pPr marL="2514600" indent="-228600" algn="l" defTabSz="457200" rtl="0" eaLnBrk="1" latinLnBrk="0" hangingPunct="1">
+              <a:spcBef>
+                <a:spcPts val="0"/>
+              </a:spcBef>
+              <a:spcAft>
+                <a:spcPts val="1000"/>
+              </a:spcAft>
+              <a:buClr>
+                <a:schemeClr val="tx1"/>
+              </a:buClr>
+              <a:buSzPct val="100000"/>
+              <a:buFont typeface="Arial"/>
+              <a:buChar char="•"/>
+              <a:defRPr sz="1200" kern="1200" cap="none">
+                <a:solidFill>
+                  <a:schemeClr val="tx1"/>
+                </a:solidFill>
+                <a:effectLst/>
+                <a:latin typeface="+mn-lt"/>
+                <a:ea typeface="+mn-ea"/>
+                <a:cs typeface="+mn-cs"/>
+              </a:defRPr>
+            </a:lvl6pPr>
+            <a:lvl7pPr marL="2971800" indent="-228600" algn="l" defTabSz="457200" rtl="0" eaLnBrk="1" latinLnBrk="0" hangingPunct="1">
+              <a:spcBef>
+                <a:spcPts val="0"/>
+              </a:spcBef>
+              <a:spcAft>
+                <a:spcPts val="1000"/>
+              </a:spcAft>
+              <a:buClr>
+                <a:schemeClr val="tx1"/>
+              </a:buClr>
+              <a:buSzPct val="100000"/>
+              <a:buFont typeface="Arial"/>
+              <a:buChar char="•"/>
+              <a:defRPr sz="1200" kern="1200" cap="none">
+                <a:solidFill>
+                  <a:schemeClr val="tx1"/>
+                </a:solidFill>
+                <a:effectLst/>
+                <a:latin typeface="+mn-lt"/>
+                <a:ea typeface="+mn-ea"/>
+                <a:cs typeface="+mn-cs"/>
+              </a:defRPr>
+            </a:lvl7pPr>
+            <a:lvl8pPr marL="3429000" indent="-228600" algn="l" defTabSz="457200" rtl="0" eaLnBrk="1" latinLnBrk="0" hangingPunct="1">
+              <a:spcBef>
+                <a:spcPts val="0"/>
+              </a:spcBef>
+              <a:spcAft>
+                <a:spcPts val="1000"/>
+              </a:spcAft>
+              <a:buClr>
+                <a:schemeClr val="tx1"/>
+              </a:buClr>
+              <a:buSzPct val="100000"/>
+              <a:buFont typeface="Arial"/>
+              <a:buChar char="•"/>
+              <a:defRPr sz="1200" kern="1200" cap="none">
+                <a:solidFill>
+                  <a:schemeClr val="tx1"/>
+                </a:solidFill>
+                <a:effectLst/>
+                <a:latin typeface="+mn-lt"/>
+                <a:ea typeface="+mn-ea"/>
+                <a:cs typeface="+mn-cs"/>
+              </a:defRPr>
+            </a:lvl8pPr>
+            <a:lvl9pPr marL="3886200" indent="-228600" algn="l" defTabSz="457200" rtl="0" eaLnBrk="1" latinLnBrk="0" hangingPunct="1">
+              <a:spcBef>
+                <a:spcPts val="0"/>
+              </a:spcBef>
+              <a:spcAft>
+                <a:spcPts val="1000"/>
+              </a:spcAft>
+              <a:buClr>
+                <a:schemeClr val="tx1"/>
+              </a:buClr>
+              <a:buSzPct val="100000"/>
+              <a:buFont typeface="Arial"/>
+              <a:buChar char="•"/>
+              <a:defRPr sz="1200" kern="1200" cap="none">
+                <a:solidFill>
+                  <a:schemeClr val="tx1"/>
+                </a:solidFill>
+                <a:effectLst/>
+                <a:latin typeface="+mn-lt"/>
+                <a:ea typeface="+mn-ea"/>
+                <a:cs typeface="+mn-cs"/>
+              </a:defRPr>
+            </a:lvl9pPr>
+          </a:lstStyle>
+          <a:p>
+            <a:r>
+              <a:rPr lang="en-SG" dirty="0"/>
+              <a:t>Is the variance in the cluster sizes (count)</a:t>
+            </a:r>
+          </a:p>
+          <a:p>
+            <a:r>
+              <a:rPr lang="en-SG" dirty="0"/>
+              <a:t>The lower, the better</a:t>
+            </a:r>
+            <a:endParaRPr lang="en-GB" dirty="0"/>
+          </a:p>
+        </p:txBody>
+      </p:sp>
+    </p:spTree>
+    <p:extLst>
+      <p:ext uri="{BB962C8B-B14F-4D97-AF65-F5344CB8AC3E}">
+        <p14:creationId xmlns:p14="http://schemas.microsoft.com/office/powerpoint/2010/main" val="1531154144"/>
+      </p:ext>
+    </p:extLst>
+  </p:cSld>
+  <p:clrMapOvr>
+    <a:masterClrMapping/>
+  </p:clrMapOvr>
+</p:sld>
+</file>
+
 <file path=ppt/slides/slide2.xml><?xml version="1.0" encoding="utf-8"?>
 <p:sld xmlns:a="http://schemas.openxmlformats.org/drawingml/2006/main" xmlns:r="http://schemas.openxmlformats.org/officeDocument/2006/relationships" xmlns:p="http://schemas.openxmlformats.org/presentationml/2006/main">
   <p:cSld>
@@ -6521,6 +8006,15 @@
 <file path=ppt/slides/slide5.xml><?xml version="1.0" encoding="utf-8"?>
 <p:sld xmlns:a="http://schemas.openxmlformats.org/drawingml/2006/main" xmlns:r="http://schemas.openxmlformats.org/officeDocument/2006/relationships" xmlns:p="http://schemas.openxmlformats.org/presentationml/2006/main">
   <p:cSld>
+    <p:bg>
+      <p:bgPr>
+        <a:blipFill>
+          <a:blip r:embed="rId2"/>
+          <a:stretch/>
+        </a:blipFill>
+        <a:effectLst/>
+      </p:bgPr>
+    </p:bg>
     <p:spTree>
       <p:nvGrpSpPr>
         <p:cNvPr id="1" name=""/>
@@ -6535,6 +8029,229 @@
           <a:chExt cx="0" cy="0"/>
         </a:xfrm>
       </p:grpSpPr>
+      <p:pic>
+        <p:nvPicPr>
+          <p:cNvPr id="13" name="Picture 12">
+            <a:extLst>
+              <a:ext uri="{FF2B5EF4-FFF2-40B4-BE49-F238E27FC236}">
+                <a16:creationId xmlns:a16="http://schemas.microsoft.com/office/drawing/2014/main" id="{3BE9D87D-FEDF-4EA3-A296-3C7A8C9D7FD5}"/>
+              </a:ext>
+              <a:ext uri="{C183D7F6-B498-43B3-948B-1728B52AA6E4}">
+                <adec:decorative xmlns:adec="http://schemas.microsoft.com/office/drawing/2017/decorative" val="1"/>
+              </a:ext>
+            </a:extLst>
+          </p:cNvPr>
+          <p:cNvPicPr>
+            <a:picLocks noGrp="1" noRot="1" noChangeAspect="1" noMove="1" noResize="1" noEditPoints="1" noAdjustHandles="1" noChangeArrowheads="1" noChangeShapeType="1" noCrop="1"/>
+          </p:cNvPicPr>
+          <p:nvPr>
+            <p:extLst>
+              <p:ext uri="{386F3935-93C4-4BCD-93E2-E3B085C9AB24}">
+                <p16:designElem xmlns:p16="http://schemas.microsoft.com/office/powerpoint/2015/main" val="1"/>
+              </p:ext>
+            </p:extLst>
+          </p:nvPr>
+        </p:nvPicPr>
+        <p:blipFill>
+          <a:blip r:embed="rId3">
+            <a:extLst>
+              <a:ext uri="{28A0092B-C50C-407E-A947-70E740481C1C}">
+                <a14:useLocalDpi xmlns:a14="http://schemas.microsoft.com/office/drawing/2010/main" val="0"/>
+              </a:ext>
+            </a:extLst>
+          </a:blip>
+          <a:stretch>
+            <a:fillRect/>
+          </a:stretch>
+        </p:blipFill>
+        <p:spPr>
+          <a:xfrm>
+            <a:off x="0" y="0"/>
+            <a:ext cx="12188825" cy="6856214"/>
+          </a:xfrm>
+          <a:prstGeom prst="rect">
+            <a:avLst/>
+          </a:prstGeom>
+        </p:spPr>
+      </p:pic>
+      <p:sp>
+        <p:nvSpPr>
+          <p:cNvPr id="2" name="Title 1">
+            <a:extLst>
+              <a:ext uri="{FF2B5EF4-FFF2-40B4-BE49-F238E27FC236}">
+                <a16:creationId xmlns:a16="http://schemas.microsoft.com/office/drawing/2014/main" id="{BBDE636D-C959-47E2-AA63-58C96E54A7AB}"/>
+              </a:ext>
+            </a:extLst>
+          </p:cNvPr>
+          <p:cNvSpPr>
+            <a:spLocks noGrp="1"/>
+          </p:cNvSpPr>
+          <p:nvPr>
+            <p:ph type="title"/>
+          </p:nvPr>
+        </p:nvSpPr>
+        <p:spPr>
+          <a:xfrm>
+            <a:off x="825909" y="808055"/>
+            <a:ext cx="3979205" cy="1453363"/>
+          </a:xfrm>
+        </p:spPr>
+        <p:txBody>
+          <a:bodyPr vert="horz" lIns="91440" tIns="45720" rIns="91440" bIns="45720" rtlCol="0" anchor="ctr">
+            <a:normAutofit/>
+          </a:bodyPr>
+          <a:lstStyle/>
+          <a:p>
+            <a:r>
+              <a:rPr lang="en-US" dirty="0"/>
+              <a:t>Feature Engineering</a:t>
+            </a:r>
+          </a:p>
+        </p:txBody>
+      </p:sp>
+      <p:sp>
+        <p:nvSpPr>
+          <p:cNvPr id="4" name="Content Placeholder 3">
+            <a:extLst>
+              <a:ext uri="{FF2B5EF4-FFF2-40B4-BE49-F238E27FC236}">
+                <a16:creationId xmlns:a16="http://schemas.microsoft.com/office/drawing/2014/main" id="{55A6398D-BFD2-45AF-8D03-DB75402EE6E9}"/>
+              </a:ext>
+            </a:extLst>
+          </p:cNvPr>
+          <p:cNvSpPr>
+            <a:spLocks noGrp="1"/>
+          </p:cNvSpPr>
+          <p:nvPr>
+            <p:ph sz="half" idx="2"/>
+          </p:nvPr>
+        </p:nvSpPr>
+        <p:spPr>
+          <a:xfrm>
+            <a:off x="802178" y="2261420"/>
+            <a:ext cx="4002936" cy="3933897"/>
+          </a:xfrm>
+        </p:spPr>
+        <p:txBody>
+          <a:bodyPr vert="horz" lIns="91440" tIns="45720" rIns="91440" bIns="45720" rtlCol="0" anchor="ctr">
+            <a:normAutofit/>
+          </a:bodyPr>
+          <a:lstStyle/>
+          <a:p>
+            <a:r>
+              <a:rPr lang="en-US" dirty="0"/>
+              <a:t>Since the data is of roughly the same order of magnitude, standardization will not affect the data points’ positions much.</a:t>
+            </a:r>
+          </a:p>
+          <a:p>
+            <a:r>
+              <a:rPr lang="en-US" dirty="0"/>
+              <a:t>Nevertheless, it is good to standardize the data as it sets all 3 variables on the same scale</a:t>
+            </a:r>
+          </a:p>
+          <a:p>
+            <a:r>
+              <a:rPr lang="en-US" dirty="0"/>
+              <a:t>i.e., N~(0, 1)</a:t>
+            </a:r>
+          </a:p>
+          <a:p>
+            <a:r>
+              <a:rPr lang="en-US" dirty="0"/>
+              <a:t>This will remove any potential bias among the features during clustering for algorithms which use Euclidean distance</a:t>
+            </a:r>
+          </a:p>
+        </p:txBody>
+      </p:sp>
+      <p:pic>
+        <p:nvPicPr>
+          <p:cNvPr id="8" name="Content Placeholder 7" descr="Chart, histogram&#10;&#10;Description automatically generated">
+            <a:extLst>
+              <a:ext uri="{FF2B5EF4-FFF2-40B4-BE49-F238E27FC236}">
+                <a16:creationId xmlns:a16="http://schemas.microsoft.com/office/drawing/2014/main" id="{1201911E-02CB-4595-BF6E-16B8A2B7AAE7}"/>
+              </a:ext>
+            </a:extLst>
+          </p:cNvPr>
+          <p:cNvPicPr>
+            <a:picLocks noGrp="1" noChangeAspect="1"/>
+          </p:cNvPicPr>
+          <p:nvPr>
+            <p:ph sz="half" idx="1"/>
+          </p:nvPr>
+        </p:nvPicPr>
+        <p:blipFill>
+          <a:blip r:embed="rId4"/>
+          <a:stretch>
+            <a:fillRect/>
+          </a:stretch>
+        </p:blipFill>
+        <p:spPr>
+          <a:xfrm>
+            <a:off x="5289752" y="993462"/>
+            <a:ext cx="6095593" cy="4708845"/>
+          </a:xfrm>
+          <a:prstGeom prst="roundRect">
+            <a:avLst>
+              <a:gd name="adj" fmla="val 4380"/>
+            </a:avLst>
+          </a:prstGeom>
+          <a:ln w="50800" cap="sq" cmpd="dbl">
+            <a:gradFill flip="none" rotWithShape="1">
+              <a:gsLst>
+                <a:gs pos="0">
+                  <a:srgbClr val="FFFFFF"/>
+                </a:gs>
+                <a:gs pos="100000">
+                  <a:schemeClr val="tx1">
+                    <a:alpha val="0"/>
+                  </a:schemeClr>
+                </a:gs>
+              </a:gsLst>
+              <a:path path="circle">
+                <a:fillToRect l="50000" t="50000" r="50000" b="50000"/>
+              </a:path>
+              <a:tileRect/>
+            </a:gradFill>
+            <a:miter lim="800000"/>
+          </a:ln>
+          <a:effectLst>
+            <a:outerShdw blurRad="254000" algn="tl" rotWithShape="0">
+              <a:srgbClr val="000000">
+                <a:alpha val="43000"/>
+              </a:srgbClr>
+            </a:outerShdw>
+          </a:effectLst>
+        </p:spPr>
+      </p:pic>
+    </p:spTree>
+    <p:extLst>
+      <p:ext uri="{BB962C8B-B14F-4D97-AF65-F5344CB8AC3E}">
+        <p14:creationId xmlns:p14="http://schemas.microsoft.com/office/powerpoint/2010/main" val="2319651216"/>
+      </p:ext>
+    </p:extLst>
+  </p:cSld>
+  <p:clrMapOvr>
+    <a:masterClrMapping/>
+  </p:clrMapOvr>
+</p:sld>
+</file>
+
+<file path=ppt/slides/slide6.xml><?xml version="1.0" encoding="utf-8"?>
+<p:sld xmlns:a="http://schemas.openxmlformats.org/drawingml/2006/main" xmlns:r="http://schemas.openxmlformats.org/officeDocument/2006/relationships" xmlns:p="http://schemas.openxmlformats.org/presentationml/2006/main">
+  <p:cSld>
+    <p:spTree>
+      <p:nvGrpSpPr>
+        <p:cNvPr id="1" name=""/>
+        <p:cNvGrpSpPr/>
+        <p:nvPr/>
+      </p:nvGrpSpPr>
+      <p:grpSpPr>
+        <a:xfrm>
+          <a:off x="0" y="0"/>
+          <a:ext cx="0" cy="0"/>
+          <a:chOff x="0" y="0"/>
+          <a:chExt cx="0" cy="0"/>
+        </a:xfrm>
+      </p:grpSpPr>
       <p:sp>
         <p:nvSpPr>
           <p:cNvPr id="2" name="Title 1">
@@ -6620,7 +8337,7 @@
 </p:sld>
 </file>
 
-<file path=ppt/slides/slide6.xml><?xml version="1.0" encoding="utf-8"?>
+<file path=ppt/slides/slide7.xml><?xml version="1.0" encoding="utf-8"?>
 <p:sld xmlns:a="http://schemas.openxmlformats.org/drawingml/2006/main" xmlns:r="http://schemas.openxmlformats.org/officeDocument/2006/relationships" xmlns:p="http://schemas.openxmlformats.org/presentationml/2006/main">
   <p:cSld>
     <p:spTree>
@@ -6817,7 +8534,7 @@
 </p:sld>
 </file>
 
-<file path=ppt/slides/slide7.xml><?xml version="1.0" encoding="utf-8"?>
+<file path=ppt/slides/slide8.xml><?xml version="1.0" encoding="utf-8"?>
 <p:sld xmlns:a="http://schemas.openxmlformats.org/drawingml/2006/main" xmlns:r="http://schemas.openxmlformats.org/officeDocument/2006/relationships" xmlns:p="http://schemas.openxmlformats.org/presentationml/2006/main">
   <p:cSld>
     <p:spTree>
@@ -7256,687 +8973,6 @@
 </p:sld>
 </file>
 
-<file path=ppt/slides/slide8.xml><?xml version="1.0" encoding="utf-8"?>
-<p:sld xmlns:a="http://schemas.openxmlformats.org/drawingml/2006/main" xmlns:r="http://schemas.openxmlformats.org/officeDocument/2006/relationships" xmlns:p="http://schemas.openxmlformats.org/presentationml/2006/main">
-  <p:cSld>
-    <p:spTree>
-      <p:nvGrpSpPr>
-        <p:cNvPr id="1" name=""/>
-        <p:cNvGrpSpPr/>
-        <p:nvPr/>
-      </p:nvGrpSpPr>
-      <p:grpSpPr>
-        <a:xfrm>
-          <a:off x="0" y="0"/>
-          <a:ext cx="0" cy="0"/>
-          <a:chOff x="0" y="0"/>
-          <a:chExt cx="0" cy="0"/>
-        </a:xfrm>
-      </p:grpSpPr>
-      <p:sp>
-        <p:nvSpPr>
-          <p:cNvPr id="2" name="Title 1">
-            <a:extLst>
-              <a:ext uri="{FF2B5EF4-FFF2-40B4-BE49-F238E27FC236}">
-                <a16:creationId xmlns:a16="http://schemas.microsoft.com/office/drawing/2014/main" id="{5C9E330A-DCD0-4810-BA93-781E60DF6BEF}"/>
-              </a:ext>
-            </a:extLst>
-          </p:cNvPr>
-          <p:cNvSpPr>
-            <a:spLocks noGrp="1"/>
-          </p:cNvSpPr>
-          <p:nvPr>
-            <p:ph type="title"/>
-          </p:nvPr>
-        </p:nvSpPr>
-        <p:spPr/>
-        <p:txBody>
-          <a:bodyPr/>
-          <a:lstStyle/>
-          <a:p>
-            <a:r>
-              <a:rPr lang="en-SG" dirty="0"/>
-              <a:t>Hyper-Parameter Tuning (No. Of clusters)</a:t>
-            </a:r>
-            <a:endParaRPr lang="en-GB" dirty="0"/>
-          </a:p>
-        </p:txBody>
-      </p:sp>
-      <p:sp>
-        <p:nvSpPr>
-          <p:cNvPr id="3" name="Text Placeholder 2">
-            <a:extLst>
-              <a:ext uri="{FF2B5EF4-FFF2-40B4-BE49-F238E27FC236}">
-                <a16:creationId xmlns:a16="http://schemas.microsoft.com/office/drawing/2014/main" id="{AB83E6E6-A372-424B-BD06-2C93D11B2DA9}"/>
-              </a:ext>
-            </a:extLst>
-          </p:cNvPr>
-          <p:cNvSpPr>
-            <a:spLocks noGrp="1"/>
-          </p:cNvSpPr>
-          <p:nvPr>
-            <p:ph type="body" idx="1"/>
-          </p:nvPr>
-        </p:nvSpPr>
-        <p:spPr>
-          <a:xfrm>
-            <a:off x="644277" y="2382654"/>
-            <a:ext cx="3475233" cy="576262"/>
-          </a:xfrm>
-        </p:spPr>
-        <p:txBody>
-          <a:bodyPr/>
-          <a:lstStyle/>
-          <a:p>
-            <a:r>
-              <a:rPr lang="en-SG" dirty="0"/>
-              <a:t>Silhouette Score</a:t>
-            </a:r>
-            <a:endParaRPr lang="en-GB" dirty="0"/>
-          </a:p>
-        </p:txBody>
-      </p:sp>
-      <p:sp>
-        <p:nvSpPr>
-          <p:cNvPr id="4" name="Content Placeholder 3">
-            <a:extLst>
-              <a:ext uri="{FF2B5EF4-FFF2-40B4-BE49-F238E27FC236}">
-                <a16:creationId xmlns:a16="http://schemas.microsoft.com/office/drawing/2014/main" id="{693CDF55-022E-4191-AD25-1CA7E35B38B7}"/>
-              </a:ext>
-            </a:extLst>
-          </p:cNvPr>
-          <p:cNvSpPr>
-            <a:spLocks noGrp="1"/>
-          </p:cNvSpPr>
-          <p:nvPr>
-            <p:ph sz="half" idx="2"/>
-          </p:nvPr>
-        </p:nvSpPr>
-        <p:spPr>
-          <a:xfrm>
-            <a:off x="644277" y="3034588"/>
-            <a:ext cx="3400675" cy="2920998"/>
-          </a:xfrm>
-        </p:spPr>
-        <p:txBody>
-          <a:bodyPr/>
-          <a:lstStyle/>
-          <a:p>
-            <a:endParaRPr lang="en-GB" dirty="0"/>
-          </a:p>
-        </p:txBody>
-      </p:sp>
-      <p:sp>
-        <p:nvSpPr>
-          <p:cNvPr id="5" name="Text Placeholder 4">
-            <a:extLst>
-              <a:ext uri="{FF2B5EF4-FFF2-40B4-BE49-F238E27FC236}">
-                <a16:creationId xmlns:a16="http://schemas.microsoft.com/office/drawing/2014/main" id="{F24594FE-651D-4939-BCF3-1C9D166F53B6}"/>
-              </a:ext>
-            </a:extLst>
-          </p:cNvPr>
-          <p:cNvSpPr>
-            <a:spLocks noGrp="1"/>
-          </p:cNvSpPr>
-          <p:nvPr>
-            <p:ph type="body" sz="quarter" idx="3"/>
-          </p:nvPr>
-        </p:nvSpPr>
-        <p:spPr>
-          <a:xfrm>
-            <a:off x="4395662" y="2369506"/>
-            <a:ext cx="3400676" cy="576262"/>
-          </a:xfrm>
-        </p:spPr>
-        <p:txBody>
-          <a:bodyPr/>
-          <a:lstStyle/>
-          <a:p>
-            <a:r>
-              <a:rPr lang="en-SG" dirty="0"/>
-              <a:t>Distance Score</a:t>
-            </a:r>
-            <a:endParaRPr lang="en-GB" dirty="0"/>
-          </a:p>
-        </p:txBody>
-      </p:sp>
-      <p:sp>
-        <p:nvSpPr>
-          <p:cNvPr id="6" name="Content Placeholder 5">
-            <a:extLst>
-              <a:ext uri="{FF2B5EF4-FFF2-40B4-BE49-F238E27FC236}">
-                <a16:creationId xmlns:a16="http://schemas.microsoft.com/office/drawing/2014/main" id="{D79E6FB2-E75D-448F-AB60-AA20505AEB82}"/>
-              </a:ext>
-            </a:extLst>
-          </p:cNvPr>
-          <p:cNvSpPr>
-            <a:spLocks noGrp="1"/>
-          </p:cNvSpPr>
-          <p:nvPr>
-            <p:ph sz="quarter" idx="4"/>
-          </p:nvPr>
-        </p:nvSpPr>
-        <p:spPr>
-          <a:xfrm>
-            <a:off x="4395662" y="3065369"/>
-            <a:ext cx="3400676" cy="2920998"/>
-          </a:xfrm>
-        </p:spPr>
-        <p:txBody>
-          <a:bodyPr/>
-          <a:lstStyle/>
-          <a:p>
-            <a:r>
-              <a:rPr lang="en-SG" dirty="0"/>
-              <a:t>g</a:t>
-            </a:r>
-            <a:endParaRPr lang="en-GB" dirty="0"/>
-          </a:p>
-        </p:txBody>
-      </p:sp>
-      <p:sp>
-        <p:nvSpPr>
-          <p:cNvPr id="7" name="Text Placeholder 4">
-            <a:extLst>
-              <a:ext uri="{FF2B5EF4-FFF2-40B4-BE49-F238E27FC236}">
-                <a16:creationId xmlns:a16="http://schemas.microsoft.com/office/drawing/2014/main" id="{2D73464D-97D3-44A3-8470-FCE243E9108A}"/>
-              </a:ext>
-            </a:extLst>
-          </p:cNvPr>
-          <p:cNvSpPr txBox="1">
-            <a:spLocks/>
-          </p:cNvSpPr>
-          <p:nvPr/>
-        </p:nvSpPr>
-        <p:spPr>
-          <a:xfrm>
-            <a:off x="8147049" y="2369506"/>
-            <a:ext cx="3400676" cy="576262"/>
-          </a:xfrm>
-          <a:prstGeom prst="rect">
-            <a:avLst/>
-          </a:prstGeom>
-        </p:spPr>
-        <p:txBody>
-          <a:bodyPr vert="horz" lIns="91440" tIns="45720" rIns="91440" bIns="45720" rtlCol="0" anchor="b">
-            <a:noAutofit/>
-          </a:bodyPr>
-          <a:lstStyle>
-            <a:lvl1pPr marL="0" indent="0" algn="l" defTabSz="457200" rtl="0" eaLnBrk="1" latinLnBrk="0" hangingPunct="1">
-              <a:spcBef>
-                <a:spcPts val="0"/>
-              </a:spcBef>
-              <a:spcAft>
-                <a:spcPts val="1000"/>
-              </a:spcAft>
-              <a:buClr>
-                <a:schemeClr val="tx1"/>
-              </a:buClr>
-              <a:buSzPct val="100000"/>
-              <a:buFont typeface="Arial"/>
-              <a:buNone/>
-              <a:defRPr sz="2800" b="0" kern="1200" cap="none">
-                <a:solidFill>
-                  <a:schemeClr val="tx1"/>
-                </a:solidFill>
-                <a:effectLst/>
-                <a:latin typeface="+mn-lt"/>
-                <a:ea typeface="+mn-ea"/>
-                <a:cs typeface="+mn-cs"/>
-              </a:defRPr>
-            </a:lvl1pPr>
-            <a:lvl2pPr marL="457200" indent="0" algn="l" defTabSz="457200" rtl="0" eaLnBrk="1" latinLnBrk="0" hangingPunct="1">
-              <a:spcBef>
-                <a:spcPts val="0"/>
-              </a:spcBef>
-              <a:spcAft>
-                <a:spcPts val="1000"/>
-              </a:spcAft>
-              <a:buClr>
-                <a:schemeClr val="tx1"/>
-              </a:buClr>
-              <a:buSzPct val="100000"/>
-              <a:buFont typeface="Arial"/>
-              <a:buNone/>
-              <a:defRPr sz="2000" b="1" kern="1200" cap="none">
-                <a:solidFill>
-                  <a:schemeClr val="tx1"/>
-                </a:solidFill>
-                <a:effectLst/>
-                <a:latin typeface="+mn-lt"/>
-                <a:ea typeface="+mn-ea"/>
-                <a:cs typeface="+mn-cs"/>
-              </a:defRPr>
-            </a:lvl2pPr>
-            <a:lvl3pPr marL="914400" indent="0" algn="l" defTabSz="457200" rtl="0" eaLnBrk="1" latinLnBrk="0" hangingPunct="1">
-              <a:spcBef>
-                <a:spcPts val="0"/>
-              </a:spcBef>
-              <a:spcAft>
-                <a:spcPts val="1000"/>
-              </a:spcAft>
-              <a:buClr>
-                <a:schemeClr val="tx1"/>
-              </a:buClr>
-              <a:buSzPct val="100000"/>
-              <a:buFont typeface="Arial"/>
-              <a:buNone/>
-              <a:defRPr sz="1800" b="1" kern="1200" cap="none">
-                <a:solidFill>
-                  <a:schemeClr val="tx1"/>
-                </a:solidFill>
-                <a:effectLst/>
-                <a:latin typeface="+mn-lt"/>
-                <a:ea typeface="+mn-ea"/>
-                <a:cs typeface="+mn-cs"/>
-              </a:defRPr>
-            </a:lvl3pPr>
-            <a:lvl4pPr marL="1371600" indent="0" algn="l" defTabSz="457200" rtl="0" eaLnBrk="1" latinLnBrk="0" hangingPunct="1">
-              <a:spcBef>
-                <a:spcPts val="0"/>
-              </a:spcBef>
-              <a:spcAft>
-                <a:spcPts val="1000"/>
-              </a:spcAft>
-              <a:buClr>
-                <a:schemeClr val="tx1"/>
-              </a:buClr>
-              <a:buSzPct val="100000"/>
-              <a:buFont typeface="Arial"/>
-              <a:buNone/>
-              <a:defRPr sz="1600" b="1" kern="1200" cap="none">
-                <a:solidFill>
-                  <a:schemeClr val="tx1"/>
-                </a:solidFill>
-                <a:effectLst/>
-                <a:latin typeface="+mn-lt"/>
-                <a:ea typeface="+mn-ea"/>
-                <a:cs typeface="+mn-cs"/>
-              </a:defRPr>
-            </a:lvl4pPr>
-            <a:lvl5pPr marL="1828800" indent="0" algn="l" defTabSz="457200" rtl="0" eaLnBrk="1" latinLnBrk="0" hangingPunct="1">
-              <a:spcBef>
-                <a:spcPts val="0"/>
-              </a:spcBef>
-              <a:spcAft>
-                <a:spcPts val="1000"/>
-              </a:spcAft>
-              <a:buClr>
-                <a:schemeClr val="tx1"/>
-              </a:buClr>
-              <a:buSzPct val="100000"/>
-              <a:buFont typeface="Arial"/>
-              <a:buNone/>
-              <a:defRPr sz="1600" b="1" kern="1200" cap="none">
-                <a:solidFill>
-                  <a:schemeClr val="tx1"/>
-                </a:solidFill>
-                <a:effectLst/>
-                <a:latin typeface="+mn-lt"/>
-                <a:ea typeface="+mn-ea"/>
-                <a:cs typeface="+mn-cs"/>
-              </a:defRPr>
-            </a:lvl5pPr>
-            <a:lvl6pPr marL="2286000" indent="0" algn="l" defTabSz="457200" rtl="0" eaLnBrk="1" latinLnBrk="0" hangingPunct="1">
-              <a:spcBef>
-                <a:spcPts val="0"/>
-              </a:spcBef>
-              <a:spcAft>
-                <a:spcPts val="1000"/>
-              </a:spcAft>
-              <a:buClr>
-                <a:schemeClr val="tx1"/>
-              </a:buClr>
-              <a:buSzPct val="100000"/>
-              <a:buFont typeface="Arial"/>
-              <a:buNone/>
-              <a:defRPr sz="1600" b="1" kern="1200" cap="none">
-                <a:solidFill>
-                  <a:schemeClr val="tx1"/>
-                </a:solidFill>
-                <a:effectLst/>
-                <a:latin typeface="+mn-lt"/>
-                <a:ea typeface="+mn-ea"/>
-                <a:cs typeface="+mn-cs"/>
-              </a:defRPr>
-            </a:lvl6pPr>
-            <a:lvl7pPr marL="2743200" indent="0" algn="l" defTabSz="457200" rtl="0" eaLnBrk="1" latinLnBrk="0" hangingPunct="1">
-              <a:spcBef>
-                <a:spcPts val="0"/>
-              </a:spcBef>
-              <a:spcAft>
-                <a:spcPts val="1000"/>
-              </a:spcAft>
-              <a:buClr>
-                <a:schemeClr val="tx1"/>
-              </a:buClr>
-              <a:buSzPct val="100000"/>
-              <a:buFont typeface="Arial"/>
-              <a:buNone/>
-              <a:defRPr sz="1600" b="1" kern="1200" cap="none">
-                <a:solidFill>
-                  <a:schemeClr val="tx1"/>
-                </a:solidFill>
-                <a:effectLst/>
-                <a:latin typeface="+mn-lt"/>
-                <a:ea typeface="+mn-ea"/>
-                <a:cs typeface="+mn-cs"/>
-              </a:defRPr>
-            </a:lvl7pPr>
-            <a:lvl8pPr marL="3200400" indent="0" algn="l" defTabSz="457200" rtl="0" eaLnBrk="1" latinLnBrk="0" hangingPunct="1">
-              <a:spcBef>
-                <a:spcPts val="0"/>
-              </a:spcBef>
-              <a:spcAft>
-                <a:spcPts val="1000"/>
-              </a:spcAft>
-              <a:buClr>
-                <a:schemeClr val="tx1"/>
-              </a:buClr>
-              <a:buSzPct val="100000"/>
-              <a:buFont typeface="Arial"/>
-              <a:buNone/>
-              <a:defRPr sz="1600" b="1" kern="1200" cap="none">
-                <a:solidFill>
-                  <a:schemeClr val="tx1"/>
-                </a:solidFill>
-                <a:effectLst/>
-                <a:latin typeface="+mn-lt"/>
-                <a:ea typeface="+mn-ea"/>
-                <a:cs typeface="+mn-cs"/>
-              </a:defRPr>
-            </a:lvl8pPr>
-            <a:lvl9pPr marL="3657600" indent="0" algn="l" defTabSz="457200" rtl="0" eaLnBrk="1" latinLnBrk="0" hangingPunct="1">
-              <a:spcBef>
-                <a:spcPts val="0"/>
-              </a:spcBef>
-              <a:spcAft>
-                <a:spcPts val="1000"/>
-              </a:spcAft>
-              <a:buClr>
-                <a:schemeClr val="tx1"/>
-              </a:buClr>
-              <a:buSzPct val="100000"/>
-              <a:buFont typeface="Arial"/>
-              <a:buNone/>
-              <a:defRPr sz="1600" b="1" kern="1200" cap="none">
-                <a:solidFill>
-                  <a:schemeClr val="tx1"/>
-                </a:solidFill>
-                <a:effectLst/>
-                <a:latin typeface="+mn-lt"/>
-                <a:ea typeface="+mn-ea"/>
-                <a:cs typeface="+mn-cs"/>
-              </a:defRPr>
-            </a:lvl9pPr>
-          </a:lstStyle>
-          <a:p>
-            <a:r>
-              <a:rPr lang="en-SG" dirty="0"/>
-              <a:t>Count Score</a:t>
-            </a:r>
-            <a:endParaRPr lang="en-GB" dirty="0"/>
-          </a:p>
-        </p:txBody>
-      </p:sp>
-      <p:sp>
-        <p:nvSpPr>
-          <p:cNvPr id="8" name="Content Placeholder 5">
-            <a:extLst>
-              <a:ext uri="{FF2B5EF4-FFF2-40B4-BE49-F238E27FC236}">
-                <a16:creationId xmlns:a16="http://schemas.microsoft.com/office/drawing/2014/main" id="{EF50184E-BB36-4EEF-96E4-3C17DF5F5D5D}"/>
-              </a:ext>
-            </a:extLst>
-          </p:cNvPr>
-          <p:cNvSpPr txBox="1">
-            <a:spLocks/>
-          </p:cNvSpPr>
-          <p:nvPr/>
-        </p:nvSpPr>
-        <p:spPr>
-          <a:xfrm>
-            <a:off x="8147049" y="3065369"/>
-            <a:ext cx="3400676" cy="2920998"/>
-          </a:xfrm>
-          <a:prstGeom prst="rect">
-            <a:avLst/>
-          </a:prstGeom>
-        </p:spPr>
-        <p:txBody>
-          <a:bodyPr vert="horz" lIns="91440" tIns="45720" rIns="91440" bIns="45720" rtlCol="0" anchor="t">
-            <a:normAutofit/>
-          </a:bodyPr>
-          <a:lstStyle>
-            <a:lvl1pPr marL="285750" indent="-285750" algn="l" defTabSz="457200" rtl="0" eaLnBrk="1" latinLnBrk="0" hangingPunct="1">
-              <a:spcBef>
-                <a:spcPts val="0"/>
-              </a:spcBef>
-              <a:spcAft>
-                <a:spcPts val="1000"/>
-              </a:spcAft>
-              <a:buClr>
-                <a:schemeClr val="tx1"/>
-              </a:buClr>
-              <a:buSzPct val="100000"/>
-              <a:buFont typeface="Arial"/>
-              <a:buChar char="•"/>
-              <a:defRPr sz="1800" kern="1200" cap="none">
-                <a:solidFill>
-                  <a:schemeClr val="tx1"/>
-                </a:solidFill>
-                <a:effectLst/>
-                <a:latin typeface="+mn-lt"/>
-                <a:ea typeface="+mn-ea"/>
-                <a:cs typeface="+mn-cs"/>
-              </a:defRPr>
-            </a:lvl1pPr>
-            <a:lvl2pPr marL="742950" indent="-285750" algn="l" defTabSz="457200" rtl="0" eaLnBrk="1" latinLnBrk="0" hangingPunct="1">
-              <a:spcBef>
-                <a:spcPts val="0"/>
-              </a:spcBef>
-              <a:spcAft>
-                <a:spcPts val="1000"/>
-              </a:spcAft>
-              <a:buClr>
-                <a:schemeClr val="tx1"/>
-              </a:buClr>
-              <a:buSzPct val="100000"/>
-              <a:buFont typeface="Arial"/>
-              <a:buChar char="•"/>
-              <a:defRPr sz="1600" kern="1200" cap="none">
-                <a:solidFill>
-                  <a:schemeClr val="tx1"/>
-                </a:solidFill>
-                <a:effectLst/>
-                <a:latin typeface="+mn-lt"/>
-                <a:ea typeface="+mn-ea"/>
-                <a:cs typeface="+mn-cs"/>
-              </a:defRPr>
-            </a:lvl2pPr>
-            <a:lvl3pPr marL="1200150" indent="-285750" algn="l" defTabSz="457200" rtl="0" eaLnBrk="1" latinLnBrk="0" hangingPunct="1">
-              <a:spcBef>
-                <a:spcPts val="0"/>
-              </a:spcBef>
-              <a:spcAft>
-                <a:spcPts val="1000"/>
-              </a:spcAft>
-              <a:buClr>
-                <a:schemeClr val="tx1"/>
-              </a:buClr>
-              <a:buSzPct val="100000"/>
-              <a:buFont typeface="Arial"/>
-              <a:buChar char="•"/>
-              <a:defRPr sz="1400" kern="1200" cap="none">
-                <a:solidFill>
-                  <a:schemeClr val="tx1"/>
-                </a:solidFill>
-                <a:effectLst/>
-                <a:latin typeface="+mn-lt"/>
-                <a:ea typeface="+mn-ea"/>
-                <a:cs typeface="+mn-cs"/>
-              </a:defRPr>
-            </a:lvl3pPr>
-            <a:lvl4pPr marL="1543050" indent="-171450" algn="l" defTabSz="457200" rtl="0" eaLnBrk="1" latinLnBrk="0" hangingPunct="1">
-              <a:spcBef>
-                <a:spcPts val="0"/>
-              </a:spcBef>
-              <a:spcAft>
-                <a:spcPts val="1000"/>
-              </a:spcAft>
-              <a:buClr>
-                <a:schemeClr val="tx1"/>
-              </a:buClr>
-              <a:buSzPct val="100000"/>
-              <a:buFont typeface="Arial"/>
-              <a:buChar char="•"/>
-              <a:defRPr sz="1200" kern="1200" cap="none">
-                <a:solidFill>
-                  <a:schemeClr val="tx1"/>
-                </a:solidFill>
-                <a:effectLst/>
-                <a:latin typeface="+mn-lt"/>
-                <a:ea typeface="+mn-ea"/>
-                <a:cs typeface="+mn-cs"/>
-              </a:defRPr>
-            </a:lvl4pPr>
-            <a:lvl5pPr marL="2000250" indent="-171450" algn="l" defTabSz="457200" rtl="0" eaLnBrk="1" latinLnBrk="0" hangingPunct="1">
-              <a:spcBef>
-                <a:spcPts val="0"/>
-              </a:spcBef>
-              <a:spcAft>
-                <a:spcPts val="1000"/>
-              </a:spcAft>
-              <a:buClr>
-                <a:schemeClr val="tx1"/>
-              </a:buClr>
-              <a:buSzPct val="100000"/>
-              <a:buFont typeface="Arial"/>
-              <a:buChar char="•"/>
-              <a:defRPr sz="1200" kern="1200" cap="none">
-                <a:solidFill>
-                  <a:schemeClr val="tx1"/>
-                </a:solidFill>
-                <a:effectLst/>
-                <a:latin typeface="+mn-lt"/>
-                <a:ea typeface="+mn-ea"/>
-                <a:cs typeface="+mn-cs"/>
-              </a:defRPr>
-            </a:lvl5pPr>
-            <a:lvl6pPr marL="2514600" indent="-228600" algn="l" defTabSz="457200" rtl="0" eaLnBrk="1" latinLnBrk="0" hangingPunct="1">
-              <a:spcBef>
-                <a:spcPts val="0"/>
-              </a:spcBef>
-              <a:spcAft>
-                <a:spcPts val="1000"/>
-              </a:spcAft>
-              <a:buClr>
-                <a:schemeClr val="tx1"/>
-              </a:buClr>
-              <a:buSzPct val="100000"/>
-              <a:buFont typeface="Arial"/>
-              <a:buChar char="•"/>
-              <a:defRPr sz="1200" kern="1200" cap="none">
-                <a:solidFill>
-                  <a:schemeClr val="tx1"/>
-                </a:solidFill>
-                <a:effectLst/>
-                <a:latin typeface="+mn-lt"/>
-                <a:ea typeface="+mn-ea"/>
-                <a:cs typeface="+mn-cs"/>
-              </a:defRPr>
-            </a:lvl6pPr>
-            <a:lvl7pPr marL="2971800" indent="-228600" algn="l" defTabSz="457200" rtl="0" eaLnBrk="1" latinLnBrk="0" hangingPunct="1">
-              <a:spcBef>
-                <a:spcPts val="0"/>
-              </a:spcBef>
-              <a:spcAft>
-                <a:spcPts val="1000"/>
-              </a:spcAft>
-              <a:buClr>
-                <a:schemeClr val="tx1"/>
-              </a:buClr>
-              <a:buSzPct val="100000"/>
-              <a:buFont typeface="Arial"/>
-              <a:buChar char="•"/>
-              <a:defRPr sz="1200" kern="1200" cap="none">
-                <a:solidFill>
-                  <a:schemeClr val="tx1"/>
-                </a:solidFill>
-                <a:effectLst/>
-                <a:latin typeface="+mn-lt"/>
-                <a:ea typeface="+mn-ea"/>
-                <a:cs typeface="+mn-cs"/>
-              </a:defRPr>
-            </a:lvl7pPr>
-            <a:lvl8pPr marL="3429000" indent="-228600" algn="l" defTabSz="457200" rtl="0" eaLnBrk="1" latinLnBrk="0" hangingPunct="1">
-              <a:spcBef>
-                <a:spcPts val="0"/>
-              </a:spcBef>
-              <a:spcAft>
-                <a:spcPts val="1000"/>
-              </a:spcAft>
-              <a:buClr>
-                <a:schemeClr val="tx1"/>
-              </a:buClr>
-              <a:buSzPct val="100000"/>
-              <a:buFont typeface="Arial"/>
-              <a:buChar char="•"/>
-              <a:defRPr sz="1200" kern="1200" cap="none">
-                <a:solidFill>
-                  <a:schemeClr val="tx1"/>
-                </a:solidFill>
-                <a:effectLst/>
-                <a:latin typeface="+mn-lt"/>
-                <a:ea typeface="+mn-ea"/>
-                <a:cs typeface="+mn-cs"/>
-              </a:defRPr>
-            </a:lvl8pPr>
-            <a:lvl9pPr marL="3886200" indent="-228600" algn="l" defTabSz="457200" rtl="0" eaLnBrk="1" latinLnBrk="0" hangingPunct="1">
-              <a:spcBef>
-                <a:spcPts val="0"/>
-              </a:spcBef>
-              <a:spcAft>
-                <a:spcPts val="1000"/>
-              </a:spcAft>
-              <a:buClr>
-                <a:schemeClr val="tx1"/>
-              </a:buClr>
-              <a:buSzPct val="100000"/>
-              <a:buFont typeface="Arial"/>
-              <a:buChar char="•"/>
-              <a:defRPr sz="1200" kern="1200" cap="none">
-                <a:solidFill>
-                  <a:schemeClr val="tx1"/>
-                </a:solidFill>
-                <a:effectLst/>
-                <a:latin typeface="+mn-lt"/>
-                <a:ea typeface="+mn-ea"/>
-                <a:cs typeface="+mn-cs"/>
-              </a:defRPr>
-            </a:lvl9pPr>
-          </a:lstStyle>
-          <a:p>
-            <a:r>
-              <a:rPr lang="en-SG"/>
-              <a:t>g</a:t>
-            </a:r>
-            <a:endParaRPr lang="en-GB" dirty="0"/>
-          </a:p>
-        </p:txBody>
-      </p:sp>
-    </p:spTree>
-    <p:extLst>
-      <p:ext uri="{BB962C8B-B14F-4D97-AF65-F5344CB8AC3E}">
-        <p14:creationId xmlns:p14="http://schemas.microsoft.com/office/powerpoint/2010/main" val="1531154144"/>
-      </p:ext>
-    </p:extLst>
-  </p:cSld>
-  <p:clrMapOvr>
-    <a:masterClrMapping/>
-  </p:clrMapOvr>
-</p:sld>
-</file>
-
 <file path=ppt/slides/slide9.xml><?xml version="1.0" encoding="utf-8"?>
 <p:sld xmlns:a="http://schemas.openxmlformats.org/drawingml/2006/main" xmlns:r="http://schemas.openxmlformats.org/officeDocument/2006/relationships" xmlns:p="http://schemas.openxmlformats.org/presentationml/2006/main">
   <p:cSld>
@@ -7959,7 +8995,7 @@
           <p:cNvPr id="2" name="Title 1">
             <a:extLst>
               <a:ext uri="{FF2B5EF4-FFF2-40B4-BE49-F238E27FC236}">
-                <a16:creationId xmlns:a16="http://schemas.microsoft.com/office/drawing/2014/main" id="{CD30EA2E-0FA8-4C9A-9F1B-F09E760B836F}"/>
+                <a16:creationId xmlns:a16="http://schemas.microsoft.com/office/drawing/2014/main" id="{5C9E330A-DCD0-4810-BA93-781E60DF6BEF}"/>
               </a:ext>
             </a:extLst>
           </p:cNvPr>
@@ -7977,71 +9013,354 @@
           <a:p>
             <a:r>
               <a:rPr lang="en-SG" dirty="0"/>
-              <a:t>Hyper</a:t>
+              <a:t>Hyper-Parameter Tuning (No. Of clusters)</a:t>
             </a:r>
             <a:endParaRPr lang="en-GB" dirty="0"/>
           </a:p>
         </p:txBody>
       </p:sp>
-      <p:sp>
-        <p:nvSpPr>
-          <p:cNvPr id="3" name="Content Placeholder 2">
+      <p:graphicFrame>
+        <p:nvGraphicFramePr>
+          <p:cNvPr id="17" name="Table 9">
             <a:extLst>
               <a:ext uri="{FF2B5EF4-FFF2-40B4-BE49-F238E27FC236}">
-                <a16:creationId xmlns:a16="http://schemas.microsoft.com/office/drawing/2014/main" id="{7F5C492C-D1FC-4B88-AA42-A46D2D13AAAD}"/>
+                <a16:creationId xmlns:a16="http://schemas.microsoft.com/office/drawing/2014/main" id="{D434B4B5-AB62-4C6F-96BB-1B98CA684B4F}"/>
               </a:ext>
             </a:extLst>
           </p:cNvPr>
-          <p:cNvSpPr>
-            <a:spLocks noGrp="1"/>
-          </p:cNvSpPr>
-          <p:nvPr>
-            <p:ph idx="1"/>
-          </p:nvPr>
-        </p:nvSpPr>
-        <p:spPr/>
-        <p:txBody>
-          <a:bodyPr/>
-          <a:lstStyle/>
-          <a:p>
-            <a:endParaRPr lang="en-GB"/>
-          </a:p>
-        </p:txBody>
-      </p:sp>
-      <p:pic>
-        <p:nvPicPr>
-          <p:cNvPr id="5" name="Picture 4" descr="Chart, line chart&#10;&#10;Description automatically generated">
-            <a:extLst>
-              <a:ext uri="{FF2B5EF4-FFF2-40B4-BE49-F238E27FC236}">
-                <a16:creationId xmlns:a16="http://schemas.microsoft.com/office/drawing/2014/main" id="{E92D7E94-D3E6-4DFE-AD82-1B3DE4842F0B}"/>
-              </a:ext>
-            </a:extLst>
-          </p:cNvPr>
-          <p:cNvPicPr>
-            <a:picLocks noChangeAspect="1"/>
-          </p:cNvPicPr>
-          <p:nvPr/>
-        </p:nvPicPr>
-        <p:blipFill>
-          <a:blip r:embed="rId2"/>
-          <a:stretch>
-            <a:fillRect/>
-          </a:stretch>
-        </p:blipFill>
-        <p:spPr>
-          <a:xfrm>
-            <a:off x="3456573" y="2356217"/>
-            <a:ext cx="5915851" cy="3686689"/>
-          </a:xfrm>
-          <a:prstGeom prst="rect">
-            <a:avLst/>
-          </a:prstGeom>
-        </p:spPr>
-      </p:pic>
+          <p:cNvGraphicFramePr>
+            <a:graphicFrameLocks noGrp="1"/>
+          </p:cNvGraphicFramePr>
+          <p:nvPr>
+            <p:extLst>
+              <p:ext uri="{D42A27DB-BD31-4B8C-83A1-F6EECF244321}">
+                <p14:modId xmlns:p14="http://schemas.microsoft.com/office/powerpoint/2010/main" val="188978923"/>
+              </p:ext>
+            </p:extLst>
+          </p:nvPr>
+        </p:nvGraphicFramePr>
+        <p:xfrm>
+          <a:off x="1687513" y="2454891"/>
+          <a:ext cx="8128000" cy="2575560"/>
+        </p:xfrm>
+        <a:graphic>
+          <a:graphicData uri="http://schemas.openxmlformats.org/drawingml/2006/table">
+            <a:tbl>
+              <a:tblPr firstRow="1" bandRow="1">
+                <a:tableStyleId>{00A15C55-8517-42AA-B614-E9B94910E393}</a:tableStyleId>
+              </a:tblPr>
+              <a:tblGrid>
+                <a:gridCol w="2032000">
+                  <a:extLst>
+                    <a:ext uri="{9D8B030D-6E8A-4147-A177-3AD203B41FA5}">
+                      <a16:colId xmlns:a16="http://schemas.microsoft.com/office/drawing/2014/main" val="3799718224"/>
+                    </a:ext>
+                  </a:extLst>
+                </a:gridCol>
+                <a:gridCol w="2032000">
+                  <a:extLst>
+                    <a:ext uri="{9D8B030D-6E8A-4147-A177-3AD203B41FA5}">
+                      <a16:colId xmlns:a16="http://schemas.microsoft.com/office/drawing/2014/main" val="1151668211"/>
+                    </a:ext>
+                  </a:extLst>
+                </a:gridCol>
+                <a:gridCol w="2032000">
+                  <a:extLst>
+                    <a:ext uri="{9D8B030D-6E8A-4147-A177-3AD203B41FA5}">
+                      <a16:colId xmlns:a16="http://schemas.microsoft.com/office/drawing/2014/main" val="524728855"/>
+                    </a:ext>
+                  </a:extLst>
+                </a:gridCol>
+                <a:gridCol w="2032000">
+                  <a:extLst>
+                    <a:ext uri="{9D8B030D-6E8A-4147-A177-3AD203B41FA5}">
+                      <a16:colId xmlns:a16="http://schemas.microsoft.com/office/drawing/2014/main" val="304789937"/>
+                    </a:ext>
+                  </a:extLst>
+                </a:gridCol>
+              </a:tblGrid>
+              <a:tr h="370840">
+                <a:tc>
+                  <a:txBody>
+                    <a:bodyPr/>
+                    <a:lstStyle/>
+                    <a:p>
+                      <a:r>
+                        <a:rPr lang="en-SG" dirty="0"/>
+                        <a:t>Score</a:t>
+                      </a:r>
+                      <a:endParaRPr lang="en-GB" dirty="0"/>
+                    </a:p>
+                  </a:txBody>
+                  <a:tcPr/>
+                </a:tc>
+                <a:tc>
+                  <a:txBody>
+                    <a:bodyPr/>
+                    <a:lstStyle/>
+                    <a:p>
+                      <a:r>
+                        <a:rPr lang="en-SG" dirty="0"/>
+                        <a:t>Silhouette</a:t>
+                      </a:r>
+                      <a:endParaRPr lang="en-GB" dirty="0"/>
+                    </a:p>
+                  </a:txBody>
+                  <a:tcPr/>
+                </a:tc>
+                <a:tc>
+                  <a:txBody>
+                    <a:bodyPr/>
+                    <a:lstStyle/>
+                    <a:p>
+                      <a:r>
+                        <a:rPr lang="en-SG" dirty="0"/>
+                        <a:t>Distance</a:t>
+                      </a:r>
+                      <a:endParaRPr lang="en-GB" dirty="0"/>
+                    </a:p>
+                  </a:txBody>
+                  <a:tcPr/>
+                </a:tc>
+                <a:tc>
+                  <a:txBody>
+                    <a:bodyPr/>
+                    <a:lstStyle/>
+                    <a:p>
+                      <a:r>
+                        <a:rPr lang="en-SG" dirty="0"/>
+                        <a:t>Count</a:t>
+                      </a:r>
+                      <a:endParaRPr lang="en-GB" dirty="0"/>
+                    </a:p>
+                  </a:txBody>
+                  <a:tcPr/>
+                </a:tc>
+                <a:extLst>
+                  <a:ext uri="{0D108BD9-81ED-4DB2-BD59-A6C34878D82A}">
+                    <a16:rowId xmlns:a16="http://schemas.microsoft.com/office/drawing/2014/main" val="926714312"/>
+                  </a:ext>
+                </a:extLst>
+              </a:tr>
+              <a:tr h="370840">
+                <a:tc>
+                  <a:txBody>
+                    <a:bodyPr/>
+                    <a:lstStyle/>
+                    <a:p>
+                      <a:r>
+                        <a:rPr lang="en-SG" dirty="0"/>
+                        <a:t>Measures</a:t>
+                      </a:r>
+                      <a:endParaRPr lang="en-GB" dirty="0"/>
+                    </a:p>
+                  </a:txBody>
+                  <a:tcPr/>
+                </a:tc>
+                <a:tc>
+                  <a:txBody>
+                    <a:bodyPr/>
+                    <a:lstStyle/>
+                    <a:p>
+                      <a:r>
+                        <a:rPr lang="en-SG" dirty="0"/>
+                        <a:t>the ratio between intra-cluster distances and the inter-cluster distances</a:t>
+                      </a:r>
+                    </a:p>
+                  </a:txBody>
+                  <a:tcPr/>
+                </a:tc>
+                <a:tc>
+                  <a:txBody>
+                    <a:bodyPr/>
+                    <a:lstStyle/>
+                    <a:p>
+                      <a:pPr marL="0" marR="0" lvl="0" indent="0" algn="l" defTabSz="457200" rtl="0" eaLnBrk="1" fontAlgn="auto" latinLnBrk="0" hangingPunct="1">
+                        <a:lnSpc>
+                          <a:spcPct val="100000"/>
+                        </a:lnSpc>
+                        <a:spcBef>
+                          <a:spcPts val="0"/>
+                        </a:spcBef>
+                        <a:spcAft>
+                          <a:spcPts val="0"/>
+                        </a:spcAft>
+                        <a:buClrTx/>
+                        <a:buSzTx/>
+                        <a:buFontTx/>
+                        <a:buNone/>
+                        <a:tabLst/>
+                        <a:defRPr/>
+                      </a:pPr>
+                      <a:r>
+                        <a:rPr lang="en-SG" dirty="0"/>
+                        <a:t>the variance in the cluster sizes, distance-wise</a:t>
+                      </a:r>
+                    </a:p>
+                  </a:txBody>
+                  <a:tcPr/>
+                </a:tc>
+                <a:tc>
+                  <a:txBody>
+                    <a:bodyPr/>
+                    <a:lstStyle/>
+                    <a:p>
+                      <a:pPr marL="0" marR="0" lvl="0" indent="0" algn="l" defTabSz="457200" rtl="0" eaLnBrk="1" fontAlgn="auto" latinLnBrk="0" hangingPunct="1">
+                        <a:lnSpc>
+                          <a:spcPct val="100000"/>
+                        </a:lnSpc>
+                        <a:spcBef>
+                          <a:spcPts val="0"/>
+                        </a:spcBef>
+                        <a:spcAft>
+                          <a:spcPts val="0"/>
+                        </a:spcAft>
+                        <a:buClrTx/>
+                        <a:buSzTx/>
+                        <a:buFontTx/>
+                        <a:buNone/>
+                        <a:tabLst/>
+                        <a:defRPr/>
+                      </a:pPr>
+                      <a:r>
+                        <a:rPr lang="en-SG" dirty="0"/>
+                        <a:t>the variance in the cluster sizes, count-wise</a:t>
+                      </a:r>
+                    </a:p>
+                    <a:p>
+                      <a:endParaRPr lang="en-GB" dirty="0"/>
+                    </a:p>
+                  </a:txBody>
+                  <a:tcPr/>
+                </a:tc>
+                <a:extLst>
+                  <a:ext uri="{0D108BD9-81ED-4DB2-BD59-A6C34878D82A}">
+                    <a16:rowId xmlns:a16="http://schemas.microsoft.com/office/drawing/2014/main" val="1768862067"/>
+                  </a:ext>
+                </a:extLst>
+              </a:tr>
+              <a:tr h="370840">
+                <a:tc>
+                  <a:txBody>
+                    <a:bodyPr/>
+                    <a:lstStyle/>
+                    <a:p>
+                      <a:r>
+                        <a:rPr lang="en-SG" dirty="0"/>
+                        <a:t>Rationale</a:t>
+                      </a:r>
+                      <a:endParaRPr lang="en-GB" dirty="0"/>
+                    </a:p>
+                  </a:txBody>
+                  <a:tcPr/>
+                </a:tc>
+                <a:tc>
+                  <a:txBody>
+                    <a:bodyPr/>
+                    <a:lstStyle/>
+                    <a:p>
+                      <a:endParaRPr lang="en-GB" dirty="0"/>
+                    </a:p>
+                  </a:txBody>
+                  <a:tcPr/>
+                </a:tc>
+                <a:tc>
+                  <a:txBody>
+                    <a:bodyPr/>
+                    <a:lstStyle/>
+                    <a:p>
+                      <a:endParaRPr lang="en-GB"/>
+                    </a:p>
+                  </a:txBody>
+                  <a:tcPr/>
+                </a:tc>
+                <a:tc>
+                  <a:txBody>
+                    <a:bodyPr/>
+                    <a:lstStyle/>
+                    <a:p>
+                      <a:endParaRPr lang="en-GB"/>
+                    </a:p>
+                  </a:txBody>
+                  <a:tcPr/>
+                </a:tc>
+                <a:extLst>
+                  <a:ext uri="{0D108BD9-81ED-4DB2-BD59-A6C34878D82A}">
+                    <a16:rowId xmlns:a16="http://schemas.microsoft.com/office/drawing/2014/main" val="4232262411"/>
+                  </a:ext>
+                </a:extLst>
+              </a:tr>
+              <a:tr h="370840">
+                <a:tc>
+                  <a:txBody>
+                    <a:bodyPr/>
+                    <a:lstStyle/>
+                    <a:p>
+                      <a:r>
+                        <a:rPr lang="en-SG" dirty="0"/>
+                        <a:t>Positive indicator</a:t>
+                      </a:r>
+                      <a:endParaRPr lang="en-GB" dirty="0"/>
+                    </a:p>
+                  </a:txBody>
+                  <a:tcPr/>
+                </a:tc>
+                <a:tc>
+                  <a:txBody>
+                    <a:bodyPr/>
+                    <a:lstStyle/>
+                    <a:p>
+                      <a:r>
+                        <a:rPr lang="en-SG" dirty="0"/>
+                        <a:t>Higher</a:t>
+                      </a:r>
+                      <a:endParaRPr lang="en-GB" dirty="0"/>
+                    </a:p>
+                  </a:txBody>
+                  <a:tcPr/>
+                </a:tc>
+                <a:tc>
+                  <a:txBody>
+                    <a:bodyPr/>
+                    <a:lstStyle/>
+                    <a:p>
+                      <a:r>
+                        <a:rPr lang="en-SG" dirty="0"/>
+                        <a:t>Lower</a:t>
+                      </a:r>
+                      <a:endParaRPr lang="en-GB" dirty="0"/>
+                    </a:p>
+                  </a:txBody>
+                  <a:tcPr/>
+                </a:tc>
+                <a:tc>
+                  <a:txBody>
+                    <a:bodyPr/>
+                    <a:lstStyle/>
+                    <a:p>
+                      <a:r>
+                        <a:rPr lang="en-SG" dirty="0"/>
+                        <a:t>Lower</a:t>
+                      </a:r>
+                      <a:endParaRPr lang="en-GB" dirty="0"/>
+                    </a:p>
+                  </a:txBody>
+                  <a:tcPr/>
+                </a:tc>
+                <a:extLst>
+                  <a:ext uri="{0D108BD9-81ED-4DB2-BD59-A6C34878D82A}">
+                    <a16:rowId xmlns:a16="http://schemas.microsoft.com/office/drawing/2014/main" val="3543417044"/>
+                  </a:ext>
+                </a:extLst>
+              </a:tr>
+            </a:tbl>
+          </a:graphicData>
+        </a:graphic>
+      </p:graphicFrame>
     </p:spTree>
     <p:extLst>
       <p:ext uri="{BB962C8B-B14F-4D97-AF65-F5344CB8AC3E}">
-        <p14:creationId xmlns:p14="http://schemas.microsoft.com/office/powerpoint/2010/main" val="2906087779"/>
+        <p14:creationId xmlns:p14="http://schemas.microsoft.com/office/powerpoint/2010/main" val="1212655409"/>
       </p:ext>
     </p:extLst>
   </p:cSld>

--- a/doc/part-b.pptx
+++ b/doc/part-b.pptx
@@ -17,7 +17,6 @@
     <p:sldId id="264" r:id="rId11"/>
     <p:sldId id="267" r:id="rId12"/>
     <p:sldId id="268" r:id="rId13"/>
-    <p:sldId id="263" r:id="rId14"/>
   </p:sldIdLst>
   <p:sldSz cx="12192000" cy="6858000"/>
   <p:notesSz cx="6858000" cy="9144000"/>
@@ -6609,9 +6608,16 @@
             <p:ph idx="1"/>
           </p:nvPr>
         </p:nvSpPr>
-        <p:spPr/>
-        <p:txBody>
-          <a:bodyPr/>
+        <p:spPr>
+          <a:xfrm>
+            <a:off x="413658" y="3581400"/>
+            <a:ext cx="11473542" cy="2993571"/>
+          </a:xfrm>
+        </p:spPr>
+        <p:txBody>
+          <a:bodyPr>
+            <a:normAutofit fontScale="92500" lnSpcReduction="10000"/>
+          </a:bodyPr>
           <a:lstStyle/>
           <a:p>
             <a:r>
@@ -6628,19 +6634,28 @@
           <a:p>
             <a:r>
               <a:rPr lang="en-SG" dirty="0"/>
+              <a:t>The provided &lt;out/customer-clustering-</a:t>
+            </a:r>
+            <a:r>
+              <a:rPr lang="en-SG" dirty="0" err="1"/>
+              <a:t>model.p</a:t>
+            </a:r>
+            <a:r>
+              <a:rPr lang="en-SG" dirty="0"/>
+              <a:t>&gt; is a binary representation of the model used on the  unstandardized data, which works almost as well as the standardized one. Using this, future customers can be classified (assuming the customer segmentation pattern does not change.</a:t>
+            </a:r>
+          </a:p>
+          <a:p>
+            <a:r>
+              <a:rPr lang="en-SG" dirty="0"/>
               <a:t>In an effort to improve sales but not encourage youths to spend beyond their means (dark blue group), marketing strategies should be targeted at high-income but low spending score customers (light blue group).</a:t>
             </a:r>
           </a:p>
           <a:p>
             <a:r>
               <a:rPr lang="en-SG" dirty="0"/>
-              <a:t>To enhance the mall’s reputation, perhaps the mall could host a money-saving campaign to educate the youths of the risks </a:t>
-            </a:r>
-            <a:r>
-              <a:rPr lang="en-SG"/>
-              <a:t>of overspending.</a:t>
-            </a:r>
-            <a:endParaRPr lang="en-SG" dirty="0"/>
+              <a:t>To enhance the mall’s reputation, perhaps the mall could host a money-saving campaign to educate the youths of the risks of overspending.</a:t>
+            </a:r>
           </a:p>
           <a:p>
             <a:endParaRPr lang="en-GB" dirty="0"/>
@@ -6669,8 +6684,37 @@
         </p:blipFill>
         <p:spPr>
           <a:xfrm>
-            <a:off x="6184817" y="425632"/>
-            <a:ext cx="5534797" cy="1486107"/>
+            <a:off x="413658" y="1823150"/>
+            <a:ext cx="5980763" cy="1605850"/>
+          </a:xfrm>
+          <a:prstGeom prst="rect">
+            <a:avLst/>
+          </a:prstGeom>
+        </p:spPr>
+      </p:pic>
+      <p:pic>
+        <p:nvPicPr>
+          <p:cNvPr id="6" name="Picture 5" descr="Text&#10;&#10;Description automatically generated">
+            <a:extLst>
+              <a:ext uri="{FF2B5EF4-FFF2-40B4-BE49-F238E27FC236}">
+                <a16:creationId xmlns:a16="http://schemas.microsoft.com/office/drawing/2014/main" id="{7A97889B-EEF3-4C4D-84E0-1660BAD06809}"/>
+              </a:ext>
+            </a:extLst>
+          </p:cNvPr>
+          <p:cNvPicPr>
+            <a:picLocks noChangeAspect="1"/>
+          </p:cNvPicPr>
+          <p:nvPr/>
+        </p:nvPicPr>
+        <p:blipFill rotWithShape="1">
+          <a:blip r:embed="rId3"/>
+          <a:srcRect t="33384" r="48798"/>
+          <a:stretch/>
+        </p:blipFill>
+        <p:spPr>
+          <a:xfrm>
+            <a:off x="6882547" y="512851"/>
+            <a:ext cx="5004653" cy="2273892"/>
           </a:xfrm>
           <a:prstGeom prst="rect">
             <a:avLst/>
@@ -6681,715 +6725,6 @@
     <p:extLst>
       <p:ext uri="{BB962C8B-B14F-4D97-AF65-F5344CB8AC3E}">
         <p14:creationId xmlns:p14="http://schemas.microsoft.com/office/powerpoint/2010/main" val="1069452601"/>
-      </p:ext>
-    </p:extLst>
-  </p:cSld>
-  <p:clrMapOvr>
-    <a:masterClrMapping/>
-  </p:clrMapOvr>
-</p:sld>
-</file>
-
-<file path=ppt/slides/slide13.xml><?xml version="1.0" encoding="utf-8"?>
-<p:sld xmlns:a="http://schemas.openxmlformats.org/drawingml/2006/main" xmlns:r="http://schemas.openxmlformats.org/officeDocument/2006/relationships" xmlns:p="http://schemas.openxmlformats.org/presentationml/2006/main" show="0">
-  <p:cSld>
-    <p:spTree>
-      <p:nvGrpSpPr>
-        <p:cNvPr id="1" name=""/>
-        <p:cNvGrpSpPr/>
-        <p:nvPr/>
-      </p:nvGrpSpPr>
-      <p:grpSpPr>
-        <a:xfrm>
-          <a:off x="0" y="0"/>
-          <a:ext cx="0" cy="0"/>
-          <a:chOff x="0" y="0"/>
-          <a:chExt cx="0" cy="0"/>
-        </a:xfrm>
-      </p:grpSpPr>
-      <p:sp>
-        <p:nvSpPr>
-          <p:cNvPr id="2" name="Title 1">
-            <a:extLst>
-              <a:ext uri="{FF2B5EF4-FFF2-40B4-BE49-F238E27FC236}">
-                <a16:creationId xmlns:a16="http://schemas.microsoft.com/office/drawing/2014/main" id="{5C9E330A-DCD0-4810-BA93-781E60DF6BEF}"/>
-              </a:ext>
-            </a:extLst>
-          </p:cNvPr>
-          <p:cNvSpPr>
-            <a:spLocks noGrp="1"/>
-          </p:cNvSpPr>
-          <p:nvPr>
-            <p:ph type="title"/>
-          </p:nvPr>
-        </p:nvSpPr>
-        <p:spPr/>
-        <p:txBody>
-          <a:bodyPr/>
-          <a:lstStyle/>
-          <a:p>
-            <a:r>
-              <a:rPr lang="en-SG" dirty="0"/>
-              <a:t>Hyper-Parameter Tuning (No. Of clusters)</a:t>
-            </a:r>
-            <a:endParaRPr lang="en-GB" dirty="0"/>
-          </a:p>
-        </p:txBody>
-      </p:sp>
-      <p:sp>
-        <p:nvSpPr>
-          <p:cNvPr id="3" name="Text Placeholder 2">
-            <a:extLst>
-              <a:ext uri="{FF2B5EF4-FFF2-40B4-BE49-F238E27FC236}">
-                <a16:creationId xmlns:a16="http://schemas.microsoft.com/office/drawing/2014/main" id="{AB83E6E6-A372-424B-BD06-2C93D11B2DA9}"/>
-              </a:ext>
-            </a:extLst>
-          </p:cNvPr>
-          <p:cNvSpPr>
-            <a:spLocks noGrp="1"/>
-          </p:cNvSpPr>
-          <p:nvPr>
-            <p:ph type="body" idx="1"/>
-          </p:nvPr>
-        </p:nvSpPr>
-        <p:spPr>
-          <a:xfrm>
-            <a:off x="644277" y="2382654"/>
-            <a:ext cx="3475233" cy="576262"/>
-          </a:xfrm>
-        </p:spPr>
-        <p:txBody>
-          <a:bodyPr/>
-          <a:lstStyle/>
-          <a:p>
-            <a:r>
-              <a:rPr lang="en-SG" dirty="0"/>
-              <a:t>Silhouette Score</a:t>
-            </a:r>
-            <a:endParaRPr lang="en-GB" dirty="0"/>
-          </a:p>
-        </p:txBody>
-      </p:sp>
-      <p:sp>
-        <p:nvSpPr>
-          <p:cNvPr id="4" name="Content Placeholder 3">
-            <a:extLst>
-              <a:ext uri="{FF2B5EF4-FFF2-40B4-BE49-F238E27FC236}">
-                <a16:creationId xmlns:a16="http://schemas.microsoft.com/office/drawing/2014/main" id="{693CDF55-022E-4191-AD25-1CA7E35B38B7}"/>
-              </a:ext>
-            </a:extLst>
-          </p:cNvPr>
-          <p:cNvSpPr>
-            <a:spLocks noGrp="1"/>
-          </p:cNvSpPr>
-          <p:nvPr>
-            <p:ph sz="half" idx="2"/>
-          </p:nvPr>
-        </p:nvSpPr>
-        <p:spPr>
-          <a:xfrm>
-            <a:off x="644277" y="3034588"/>
-            <a:ext cx="3400675" cy="2920998"/>
-          </a:xfrm>
-        </p:spPr>
-        <p:txBody>
-          <a:bodyPr/>
-          <a:lstStyle/>
-          <a:p>
-            <a:r>
-              <a:rPr lang="en-SG" dirty="0"/>
-              <a:t>Is: the ratio between intra-cluster distances and the inter-cluster distances</a:t>
-            </a:r>
-          </a:p>
-          <a:p>
-            <a:r>
-              <a:rPr lang="en-SG" dirty="0"/>
-              <a:t>It </a:t>
-            </a:r>
-          </a:p>
-          <a:p>
-            <a:r>
-              <a:rPr lang="en-SG" dirty="0"/>
-              <a:t>The higher, the better</a:t>
-            </a:r>
-            <a:endParaRPr lang="en-GB" dirty="0"/>
-          </a:p>
-        </p:txBody>
-      </p:sp>
-      <p:sp>
-        <p:nvSpPr>
-          <p:cNvPr id="5" name="Text Placeholder 4">
-            <a:extLst>
-              <a:ext uri="{FF2B5EF4-FFF2-40B4-BE49-F238E27FC236}">
-                <a16:creationId xmlns:a16="http://schemas.microsoft.com/office/drawing/2014/main" id="{F24594FE-651D-4939-BCF3-1C9D166F53B6}"/>
-              </a:ext>
-            </a:extLst>
-          </p:cNvPr>
-          <p:cNvSpPr>
-            <a:spLocks noGrp="1"/>
-          </p:cNvSpPr>
-          <p:nvPr>
-            <p:ph type="body" sz="quarter" idx="3"/>
-          </p:nvPr>
-        </p:nvSpPr>
-        <p:spPr>
-          <a:xfrm>
-            <a:off x="4395662" y="2369506"/>
-            <a:ext cx="3400676" cy="576262"/>
-          </a:xfrm>
-        </p:spPr>
-        <p:txBody>
-          <a:bodyPr/>
-          <a:lstStyle/>
-          <a:p>
-            <a:r>
-              <a:rPr lang="en-SG" dirty="0"/>
-              <a:t>Distance Score</a:t>
-            </a:r>
-            <a:endParaRPr lang="en-GB" dirty="0"/>
-          </a:p>
-        </p:txBody>
-      </p:sp>
-      <p:sp>
-        <p:nvSpPr>
-          <p:cNvPr id="6" name="Content Placeholder 5">
-            <a:extLst>
-              <a:ext uri="{FF2B5EF4-FFF2-40B4-BE49-F238E27FC236}">
-                <a16:creationId xmlns:a16="http://schemas.microsoft.com/office/drawing/2014/main" id="{D79E6FB2-E75D-448F-AB60-AA20505AEB82}"/>
-              </a:ext>
-            </a:extLst>
-          </p:cNvPr>
-          <p:cNvSpPr>
-            <a:spLocks noGrp="1"/>
-          </p:cNvSpPr>
-          <p:nvPr>
-            <p:ph sz="quarter" idx="4"/>
-          </p:nvPr>
-        </p:nvSpPr>
-        <p:spPr>
-          <a:xfrm>
-            <a:off x="4395662" y="3065369"/>
-            <a:ext cx="3400676" cy="2920998"/>
-          </a:xfrm>
-        </p:spPr>
-        <p:txBody>
-          <a:bodyPr/>
-          <a:lstStyle/>
-          <a:p>
-            <a:r>
-              <a:rPr lang="en-SG" dirty="0"/>
-              <a:t>Is the variance in the cluster sizes (distance)</a:t>
-            </a:r>
-          </a:p>
-          <a:p>
-            <a:r>
-              <a:rPr lang="en-SG" dirty="0"/>
-              <a:t>The lower, the better</a:t>
-            </a:r>
-            <a:endParaRPr lang="en-GB" dirty="0"/>
-          </a:p>
-        </p:txBody>
-      </p:sp>
-      <p:sp>
-        <p:nvSpPr>
-          <p:cNvPr id="7" name="Text Placeholder 4">
-            <a:extLst>
-              <a:ext uri="{FF2B5EF4-FFF2-40B4-BE49-F238E27FC236}">
-                <a16:creationId xmlns:a16="http://schemas.microsoft.com/office/drawing/2014/main" id="{2D73464D-97D3-44A3-8470-FCE243E9108A}"/>
-              </a:ext>
-            </a:extLst>
-          </p:cNvPr>
-          <p:cNvSpPr txBox="1">
-            <a:spLocks/>
-          </p:cNvSpPr>
-          <p:nvPr/>
-        </p:nvSpPr>
-        <p:spPr>
-          <a:xfrm>
-            <a:off x="8147049" y="2369506"/>
-            <a:ext cx="3400676" cy="576262"/>
-          </a:xfrm>
-          <a:prstGeom prst="rect">
-            <a:avLst/>
-          </a:prstGeom>
-        </p:spPr>
-        <p:txBody>
-          <a:bodyPr vert="horz" lIns="91440" tIns="45720" rIns="91440" bIns="45720" rtlCol="0" anchor="b">
-            <a:noAutofit/>
-          </a:bodyPr>
-          <a:lstStyle>
-            <a:lvl1pPr marL="0" indent="0" algn="l" defTabSz="457200" rtl="0" eaLnBrk="1" latinLnBrk="0" hangingPunct="1">
-              <a:spcBef>
-                <a:spcPts val="0"/>
-              </a:spcBef>
-              <a:spcAft>
-                <a:spcPts val="1000"/>
-              </a:spcAft>
-              <a:buClr>
-                <a:schemeClr val="tx1"/>
-              </a:buClr>
-              <a:buSzPct val="100000"/>
-              <a:buFont typeface="Arial"/>
-              <a:buNone/>
-              <a:defRPr sz="2800" b="0" kern="1200" cap="none">
-                <a:solidFill>
-                  <a:schemeClr val="tx1"/>
-                </a:solidFill>
-                <a:effectLst/>
-                <a:latin typeface="+mn-lt"/>
-                <a:ea typeface="+mn-ea"/>
-                <a:cs typeface="+mn-cs"/>
-              </a:defRPr>
-            </a:lvl1pPr>
-            <a:lvl2pPr marL="457200" indent="0" algn="l" defTabSz="457200" rtl="0" eaLnBrk="1" latinLnBrk="0" hangingPunct="1">
-              <a:spcBef>
-                <a:spcPts val="0"/>
-              </a:spcBef>
-              <a:spcAft>
-                <a:spcPts val="1000"/>
-              </a:spcAft>
-              <a:buClr>
-                <a:schemeClr val="tx1"/>
-              </a:buClr>
-              <a:buSzPct val="100000"/>
-              <a:buFont typeface="Arial"/>
-              <a:buNone/>
-              <a:defRPr sz="2000" b="1" kern="1200" cap="none">
-                <a:solidFill>
-                  <a:schemeClr val="tx1"/>
-                </a:solidFill>
-                <a:effectLst/>
-                <a:latin typeface="+mn-lt"/>
-                <a:ea typeface="+mn-ea"/>
-                <a:cs typeface="+mn-cs"/>
-              </a:defRPr>
-            </a:lvl2pPr>
-            <a:lvl3pPr marL="914400" indent="0" algn="l" defTabSz="457200" rtl="0" eaLnBrk="1" latinLnBrk="0" hangingPunct="1">
-              <a:spcBef>
-                <a:spcPts val="0"/>
-              </a:spcBef>
-              <a:spcAft>
-                <a:spcPts val="1000"/>
-              </a:spcAft>
-              <a:buClr>
-                <a:schemeClr val="tx1"/>
-              </a:buClr>
-              <a:buSzPct val="100000"/>
-              <a:buFont typeface="Arial"/>
-              <a:buNone/>
-              <a:defRPr sz="1800" b="1" kern="1200" cap="none">
-                <a:solidFill>
-                  <a:schemeClr val="tx1"/>
-                </a:solidFill>
-                <a:effectLst/>
-                <a:latin typeface="+mn-lt"/>
-                <a:ea typeface="+mn-ea"/>
-                <a:cs typeface="+mn-cs"/>
-              </a:defRPr>
-            </a:lvl3pPr>
-            <a:lvl4pPr marL="1371600" indent="0" algn="l" defTabSz="457200" rtl="0" eaLnBrk="1" latinLnBrk="0" hangingPunct="1">
-              <a:spcBef>
-                <a:spcPts val="0"/>
-              </a:spcBef>
-              <a:spcAft>
-                <a:spcPts val="1000"/>
-              </a:spcAft>
-              <a:buClr>
-                <a:schemeClr val="tx1"/>
-              </a:buClr>
-              <a:buSzPct val="100000"/>
-              <a:buFont typeface="Arial"/>
-              <a:buNone/>
-              <a:defRPr sz="1600" b="1" kern="1200" cap="none">
-                <a:solidFill>
-                  <a:schemeClr val="tx1"/>
-                </a:solidFill>
-                <a:effectLst/>
-                <a:latin typeface="+mn-lt"/>
-                <a:ea typeface="+mn-ea"/>
-                <a:cs typeface="+mn-cs"/>
-              </a:defRPr>
-            </a:lvl4pPr>
-            <a:lvl5pPr marL="1828800" indent="0" algn="l" defTabSz="457200" rtl="0" eaLnBrk="1" latinLnBrk="0" hangingPunct="1">
-              <a:spcBef>
-                <a:spcPts val="0"/>
-              </a:spcBef>
-              <a:spcAft>
-                <a:spcPts val="1000"/>
-              </a:spcAft>
-              <a:buClr>
-                <a:schemeClr val="tx1"/>
-              </a:buClr>
-              <a:buSzPct val="100000"/>
-              <a:buFont typeface="Arial"/>
-              <a:buNone/>
-              <a:defRPr sz="1600" b="1" kern="1200" cap="none">
-                <a:solidFill>
-                  <a:schemeClr val="tx1"/>
-                </a:solidFill>
-                <a:effectLst/>
-                <a:latin typeface="+mn-lt"/>
-                <a:ea typeface="+mn-ea"/>
-                <a:cs typeface="+mn-cs"/>
-              </a:defRPr>
-            </a:lvl5pPr>
-            <a:lvl6pPr marL="2286000" indent="0" algn="l" defTabSz="457200" rtl="0" eaLnBrk="1" latinLnBrk="0" hangingPunct="1">
-              <a:spcBef>
-                <a:spcPts val="0"/>
-              </a:spcBef>
-              <a:spcAft>
-                <a:spcPts val="1000"/>
-              </a:spcAft>
-              <a:buClr>
-                <a:schemeClr val="tx1"/>
-              </a:buClr>
-              <a:buSzPct val="100000"/>
-              <a:buFont typeface="Arial"/>
-              <a:buNone/>
-              <a:defRPr sz="1600" b="1" kern="1200" cap="none">
-                <a:solidFill>
-                  <a:schemeClr val="tx1"/>
-                </a:solidFill>
-                <a:effectLst/>
-                <a:latin typeface="+mn-lt"/>
-                <a:ea typeface="+mn-ea"/>
-                <a:cs typeface="+mn-cs"/>
-              </a:defRPr>
-            </a:lvl6pPr>
-            <a:lvl7pPr marL="2743200" indent="0" algn="l" defTabSz="457200" rtl="0" eaLnBrk="1" latinLnBrk="0" hangingPunct="1">
-              <a:spcBef>
-                <a:spcPts val="0"/>
-              </a:spcBef>
-              <a:spcAft>
-                <a:spcPts val="1000"/>
-              </a:spcAft>
-              <a:buClr>
-                <a:schemeClr val="tx1"/>
-              </a:buClr>
-              <a:buSzPct val="100000"/>
-              <a:buFont typeface="Arial"/>
-              <a:buNone/>
-              <a:defRPr sz="1600" b="1" kern="1200" cap="none">
-                <a:solidFill>
-                  <a:schemeClr val="tx1"/>
-                </a:solidFill>
-                <a:effectLst/>
-                <a:latin typeface="+mn-lt"/>
-                <a:ea typeface="+mn-ea"/>
-                <a:cs typeface="+mn-cs"/>
-              </a:defRPr>
-            </a:lvl7pPr>
-            <a:lvl8pPr marL="3200400" indent="0" algn="l" defTabSz="457200" rtl="0" eaLnBrk="1" latinLnBrk="0" hangingPunct="1">
-              <a:spcBef>
-                <a:spcPts val="0"/>
-              </a:spcBef>
-              <a:spcAft>
-                <a:spcPts val="1000"/>
-              </a:spcAft>
-              <a:buClr>
-                <a:schemeClr val="tx1"/>
-              </a:buClr>
-              <a:buSzPct val="100000"/>
-              <a:buFont typeface="Arial"/>
-              <a:buNone/>
-              <a:defRPr sz="1600" b="1" kern="1200" cap="none">
-                <a:solidFill>
-                  <a:schemeClr val="tx1"/>
-                </a:solidFill>
-                <a:effectLst/>
-                <a:latin typeface="+mn-lt"/>
-                <a:ea typeface="+mn-ea"/>
-                <a:cs typeface="+mn-cs"/>
-              </a:defRPr>
-            </a:lvl8pPr>
-            <a:lvl9pPr marL="3657600" indent="0" algn="l" defTabSz="457200" rtl="0" eaLnBrk="1" latinLnBrk="0" hangingPunct="1">
-              <a:spcBef>
-                <a:spcPts val="0"/>
-              </a:spcBef>
-              <a:spcAft>
-                <a:spcPts val="1000"/>
-              </a:spcAft>
-              <a:buClr>
-                <a:schemeClr val="tx1"/>
-              </a:buClr>
-              <a:buSzPct val="100000"/>
-              <a:buFont typeface="Arial"/>
-              <a:buNone/>
-              <a:defRPr sz="1600" b="1" kern="1200" cap="none">
-                <a:solidFill>
-                  <a:schemeClr val="tx1"/>
-                </a:solidFill>
-                <a:effectLst/>
-                <a:latin typeface="+mn-lt"/>
-                <a:ea typeface="+mn-ea"/>
-                <a:cs typeface="+mn-cs"/>
-              </a:defRPr>
-            </a:lvl9pPr>
-          </a:lstStyle>
-          <a:p>
-            <a:r>
-              <a:rPr lang="en-SG" dirty="0"/>
-              <a:t>Count Score</a:t>
-            </a:r>
-            <a:endParaRPr lang="en-GB" dirty="0"/>
-          </a:p>
-        </p:txBody>
-      </p:sp>
-      <p:sp>
-        <p:nvSpPr>
-          <p:cNvPr id="8" name="Content Placeholder 5">
-            <a:extLst>
-              <a:ext uri="{FF2B5EF4-FFF2-40B4-BE49-F238E27FC236}">
-                <a16:creationId xmlns:a16="http://schemas.microsoft.com/office/drawing/2014/main" id="{EF50184E-BB36-4EEF-96E4-3C17DF5F5D5D}"/>
-              </a:ext>
-            </a:extLst>
-          </p:cNvPr>
-          <p:cNvSpPr txBox="1">
-            <a:spLocks/>
-          </p:cNvSpPr>
-          <p:nvPr/>
-        </p:nvSpPr>
-        <p:spPr>
-          <a:xfrm>
-            <a:off x="8147049" y="3065369"/>
-            <a:ext cx="3400676" cy="2920998"/>
-          </a:xfrm>
-          <a:prstGeom prst="rect">
-            <a:avLst/>
-          </a:prstGeom>
-        </p:spPr>
-        <p:txBody>
-          <a:bodyPr vert="horz" lIns="91440" tIns="45720" rIns="91440" bIns="45720" rtlCol="0" anchor="t">
-            <a:normAutofit/>
-          </a:bodyPr>
-          <a:lstStyle>
-            <a:lvl1pPr marL="285750" indent="-285750" algn="l" defTabSz="457200" rtl="0" eaLnBrk="1" latinLnBrk="0" hangingPunct="1">
-              <a:spcBef>
-                <a:spcPts val="0"/>
-              </a:spcBef>
-              <a:spcAft>
-                <a:spcPts val="1000"/>
-              </a:spcAft>
-              <a:buClr>
-                <a:schemeClr val="tx1"/>
-              </a:buClr>
-              <a:buSzPct val="100000"/>
-              <a:buFont typeface="Arial"/>
-              <a:buChar char="•"/>
-              <a:defRPr sz="1800" kern="1200" cap="none">
-                <a:solidFill>
-                  <a:schemeClr val="tx1"/>
-                </a:solidFill>
-                <a:effectLst/>
-                <a:latin typeface="+mn-lt"/>
-                <a:ea typeface="+mn-ea"/>
-                <a:cs typeface="+mn-cs"/>
-              </a:defRPr>
-            </a:lvl1pPr>
-            <a:lvl2pPr marL="742950" indent="-285750" algn="l" defTabSz="457200" rtl="0" eaLnBrk="1" latinLnBrk="0" hangingPunct="1">
-              <a:spcBef>
-                <a:spcPts val="0"/>
-              </a:spcBef>
-              <a:spcAft>
-                <a:spcPts val="1000"/>
-              </a:spcAft>
-              <a:buClr>
-                <a:schemeClr val="tx1"/>
-              </a:buClr>
-              <a:buSzPct val="100000"/>
-              <a:buFont typeface="Arial"/>
-              <a:buChar char="•"/>
-              <a:defRPr sz="1600" kern="1200" cap="none">
-                <a:solidFill>
-                  <a:schemeClr val="tx1"/>
-                </a:solidFill>
-                <a:effectLst/>
-                <a:latin typeface="+mn-lt"/>
-                <a:ea typeface="+mn-ea"/>
-                <a:cs typeface="+mn-cs"/>
-              </a:defRPr>
-            </a:lvl2pPr>
-            <a:lvl3pPr marL="1200150" indent="-285750" algn="l" defTabSz="457200" rtl="0" eaLnBrk="1" latinLnBrk="0" hangingPunct="1">
-              <a:spcBef>
-                <a:spcPts val="0"/>
-              </a:spcBef>
-              <a:spcAft>
-                <a:spcPts val="1000"/>
-              </a:spcAft>
-              <a:buClr>
-                <a:schemeClr val="tx1"/>
-              </a:buClr>
-              <a:buSzPct val="100000"/>
-              <a:buFont typeface="Arial"/>
-              <a:buChar char="•"/>
-              <a:defRPr sz="1400" kern="1200" cap="none">
-                <a:solidFill>
-                  <a:schemeClr val="tx1"/>
-                </a:solidFill>
-                <a:effectLst/>
-                <a:latin typeface="+mn-lt"/>
-                <a:ea typeface="+mn-ea"/>
-                <a:cs typeface="+mn-cs"/>
-              </a:defRPr>
-            </a:lvl3pPr>
-            <a:lvl4pPr marL="1543050" indent="-171450" algn="l" defTabSz="457200" rtl="0" eaLnBrk="1" latinLnBrk="0" hangingPunct="1">
-              <a:spcBef>
-                <a:spcPts val="0"/>
-              </a:spcBef>
-              <a:spcAft>
-                <a:spcPts val="1000"/>
-              </a:spcAft>
-              <a:buClr>
-                <a:schemeClr val="tx1"/>
-              </a:buClr>
-              <a:buSzPct val="100000"/>
-              <a:buFont typeface="Arial"/>
-              <a:buChar char="•"/>
-              <a:defRPr sz="1200" kern="1200" cap="none">
-                <a:solidFill>
-                  <a:schemeClr val="tx1"/>
-                </a:solidFill>
-                <a:effectLst/>
-                <a:latin typeface="+mn-lt"/>
-                <a:ea typeface="+mn-ea"/>
-                <a:cs typeface="+mn-cs"/>
-              </a:defRPr>
-            </a:lvl4pPr>
-            <a:lvl5pPr marL="2000250" indent="-171450" algn="l" defTabSz="457200" rtl="0" eaLnBrk="1" latinLnBrk="0" hangingPunct="1">
-              <a:spcBef>
-                <a:spcPts val="0"/>
-              </a:spcBef>
-              <a:spcAft>
-                <a:spcPts val="1000"/>
-              </a:spcAft>
-              <a:buClr>
-                <a:schemeClr val="tx1"/>
-              </a:buClr>
-              <a:buSzPct val="100000"/>
-              <a:buFont typeface="Arial"/>
-              <a:buChar char="•"/>
-              <a:defRPr sz="1200" kern="1200" cap="none">
-                <a:solidFill>
-                  <a:schemeClr val="tx1"/>
-                </a:solidFill>
-                <a:effectLst/>
-                <a:latin typeface="+mn-lt"/>
-                <a:ea typeface="+mn-ea"/>
-                <a:cs typeface="+mn-cs"/>
-              </a:defRPr>
-            </a:lvl5pPr>
-            <a:lvl6pPr marL="2514600" indent="-228600" algn="l" defTabSz="457200" rtl="0" eaLnBrk="1" latinLnBrk="0" hangingPunct="1">
-              <a:spcBef>
-                <a:spcPts val="0"/>
-              </a:spcBef>
-              <a:spcAft>
-                <a:spcPts val="1000"/>
-              </a:spcAft>
-              <a:buClr>
-                <a:schemeClr val="tx1"/>
-              </a:buClr>
-              <a:buSzPct val="100000"/>
-              <a:buFont typeface="Arial"/>
-              <a:buChar char="•"/>
-              <a:defRPr sz="1200" kern="1200" cap="none">
-                <a:solidFill>
-                  <a:schemeClr val="tx1"/>
-                </a:solidFill>
-                <a:effectLst/>
-                <a:latin typeface="+mn-lt"/>
-                <a:ea typeface="+mn-ea"/>
-                <a:cs typeface="+mn-cs"/>
-              </a:defRPr>
-            </a:lvl6pPr>
-            <a:lvl7pPr marL="2971800" indent="-228600" algn="l" defTabSz="457200" rtl="0" eaLnBrk="1" latinLnBrk="0" hangingPunct="1">
-              <a:spcBef>
-                <a:spcPts val="0"/>
-              </a:spcBef>
-              <a:spcAft>
-                <a:spcPts val="1000"/>
-              </a:spcAft>
-              <a:buClr>
-                <a:schemeClr val="tx1"/>
-              </a:buClr>
-              <a:buSzPct val="100000"/>
-              <a:buFont typeface="Arial"/>
-              <a:buChar char="•"/>
-              <a:defRPr sz="1200" kern="1200" cap="none">
-                <a:solidFill>
-                  <a:schemeClr val="tx1"/>
-                </a:solidFill>
-                <a:effectLst/>
-                <a:latin typeface="+mn-lt"/>
-                <a:ea typeface="+mn-ea"/>
-                <a:cs typeface="+mn-cs"/>
-              </a:defRPr>
-            </a:lvl7pPr>
-            <a:lvl8pPr marL="3429000" indent="-228600" algn="l" defTabSz="457200" rtl="0" eaLnBrk="1" latinLnBrk="0" hangingPunct="1">
-              <a:spcBef>
-                <a:spcPts val="0"/>
-              </a:spcBef>
-              <a:spcAft>
-                <a:spcPts val="1000"/>
-              </a:spcAft>
-              <a:buClr>
-                <a:schemeClr val="tx1"/>
-              </a:buClr>
-              <a:buSzPct val="100000"/>
-              <a:buFont typeface="Arial"/>
-              <a:buChar char="•"/>
-              <a:defRPr sz="1200" kern="1200" cap="none">
-                <a:solidFill>
-                  <a:schemeClr val="tx1"/>
-                </a:solidFill>
-                <a:effectLst/>
-                <a:latin typeface="+mn-lt"/>
-                <a:ea typeface="+mn-ea"/>
-                <a:cs typeface="+mn-cs"/>
-              </a:defRPr>
-            </a:lvl8pPr>
-            <a:lvl9pPr marL="3886200" indent="-228600" algn="l" defTabSz="457200" rtl="0" eaLnBrk="1" latinLnBrk="0" hangingPunct="1">
-              <a:spcBef>
-                <a:spcPts val="0"/>
-              </a:spcBef>
-              <a:spcAft>
-                <a:spcPts val="1000"/>
-              </a:spcAft>
-              <a:buClr>
-                <a:schemeClr val="tx1"/>
-              </a:buClr>
-              <a:buSzPct val="100000"/>
-              <a:buFont typeface="Arial"/>
-              <a:buChar char="•"/>
-              <a:defRPr sz="1200" kern="1200" cap="none">
-                <a:solidFill>
-                  <a:schemeClr val="tx1"/>
-                </a:solidFill>
-                <a:effectLst/>
-                <a:latin typeface="+mn-lt"/>
-                <a:ea typeface="+mn-ea"/>
-                <a:cs typeface="+mn-cs"/>
-              </a:defRPr>
-            </a:lvl9pPr>
-          </a:lstStyle>
-          <a:p>
-            <a:r>
-              <a:rPr lang="en-SG" dirty="0"/>
-              <a:t>Is the variance in the cluster sizes (count)</a:t>
-            </a:r>
-          </a:p>
-          <a:p>
-            <a:r>
-              <a:rPr lang="en-SG" dirty="0"/>
-              <a:t>The lower, the better</a:t>
-            </a:r>
-            <a:endParaRPr lang="en-GB" dirty="0"/>
-          </a:p>
-        </p:txBody>
-      </p:sp>
-    </p:spTree>
-    <p:extLst>
-      <p:ext uri="{BB962C8B-B14F-4D97-AF65-F5344CB8AC3E}">
-        <p14:creationId xmlns:p14="http://schemas.microsoft.com/office/powerpoint/2010/main" val="1531154144"/>
       </p:ext>
     </p:extLst>
   </p:cSld>

--- a/doc/part-b.pptx
+++ b/doc/part-b.pptx
@@ -7,16 +7,15 @@
   <p:sldIdLst>
     <p:sldId id="256" r:id="rId2"/>
     <p:sldId id="257" r:id="rId3"/>
-    <p:sldId id="258" r:id="rId4"/>
-    <p:sldId id="259" r:id="rId5"/>
-    <p:sldId id="265" r:id="rId6"/>
-    <p:sldId id="260" r:id="rId7"/>
-    <p:sldId id="261" r:id="rId8"/>
-    <p:sldId id="262" r:id="rId9"/>
-    <p:sldId id="266" r:id="rId10"/>
-    <p:sldId id="264" r:id="rId11"/>
-    <p:sldId id="267" r:id="rId12"/>
-    <p:sldId id="268" r:id="rId13"/>
+    <p:sldId id="259" r:id="rId4"/>
+    <p:sldId id="265" r:id="rId5"/>
+    <p:sldId id="260" r:id="rId6"/>
+    <p:sldId id="261" r:id="rId7"/>
+    <p:sldId id="262" r:id="rId8"/>
+    <p:sldId id="266" r:id="rId9"/>
+    <p:sldId id="264" r:id="rId10"/>
+    <p:sldId id="267" r:id="rId11"/>
+    <p:sldId id="268" r:id="rId12"/>
   </p:sldIdLst>
   <p:sldSz cx="12192000" cy="6858000"/>
   <p:notesSz cx="6858000" cy="9144000"/>
@@ -5953,7 +5952,7 @@
           <p:cNvPr id="2" name="Title 1">
             <a:extLst>
               <a:ext uri="{FF2B5EF4-FFF2-40B4-BE49-F238E27FC236}">
-                <a16:creationId xmlns:a16="http://schemas.microsoft.com/office/drawing/2014/main" id="{CD30EA2E-0FA8-4C9A-9F1B-F09E760B836F}"/>
+                <a16:creationId xmlns:a16="http://schemas.microsoft.com/office/drawing/2014/main" id="{6B91E0A5-6B8A-41E7-B7F0-1E0A8F07BC18}"/>
               </a:ext>
             </a:extLst>
           </p:cNvPr>
@@ -5966,8 +5965,8 @@
         </p:nvSpPr>
         <p:spPr>
           <a:xfrm>
-            <a:off x="685800" y="1030288"/>
-            <a:ext cx="4785744" cy="1035579"/>
+            <a:off x="4377405" y="1030288"/>
+            <a:ext cx="6131596" cy="1035579"/>
           </a:xfrm>
         </p:spPr>
         <p:txBody>
@@ -5976,84 +5975,20 @@
           </a:bodyPr>
           <a:lstStyle/>
           <a:p>
-            <a:pPr>
-              <a:lnSpc>
-                <a:spcPct val="90000"/>
-              </a:lnSpc>
-            </a:pPr>
-            <a:r>
-              <a:rPr lang="en-SG" sz="3300"/>
-              <a:t>Hyper-Parameter Tuning (Plot)</a:t>
-            </a:r>
-            <a:endParaRPr lang="en-GB" sz="3300"/>
-          </a:p>
-        </p:txBody>
-      </p:sp>
-      <p:sp>
-        <p:nvSpPr>
-          <p:cNvPr id="10" name="Content Placeholder 9">
+            <a:r>
+              <a:rPr lang="en-SG"/>
+              <a:t>Customer Segmentation</a:t>
+            </a:r>
+            <a:endParaRPr lang="en-GB"/>
+          </a:p>
+        </p:txBody>
+      </p:sp>
+      <p:pic>
+        <p:nvPicPr>
+          <p:cNvPr id="6" name="Picture 5" descr="Chart, scatter chart, bubble chart&#10;&#10;Description automatically generated">
             <a:extLst>
               <a:ext uri="{FF2B5EF4-FFF2-40B4-BE49-F238E27FC236}">
-                <a16:creationId xmlns:a16="http://schemas.microsoft.com/office/drawing/2014/main" id="{39FA568C-2C41-485D-9838-80EB12A4942A}"/>
-              </a:ext>
-            </a:extLst>
-          </p:cNvPr>
-          <p:cNvSpPr>
-            <a:spLocks noGrp="1"/>
-          </p:cNvSpPr>
-          <p:nvPr>
-            <p:ph idx="1"/>
-          </p:nvPr>
-        </p:nvSpPr>
-        <p:spPr>
-          <a:xfrm>
-            <a:off x="685800" y="2142067"/>
-            <a:ext cx="4091683" cy="3909412"/>
-          </a:xfrm>
-        </p:spPr>
-        <p:txBody>
-          <a:bodyPr>
-            <a:normAutofit/>
-          </a:bodyPr>
-          <a:lstStyle/>
-          <a:p>
-            <a:r>
-              <a:rPr lang="en-US" dirty="0"/>
-              <a:t>The silhouette score plot suggests using 5, 6 or 9 clusters.</a:t>
-            </a:r>
-          </a:p>
-          <a:p>
-            <a:r>
-              <a:rPr lang="en-US" dirty="0"/>
-              <a:t>The distance score plot suggests using 4 to 6 clusters.</a:t>
-            </a:r>
-          </a:p>
-          <a:p>
-            <a:r>
-              <a:rPr lang="en-US" dirty="0"/>
-              <a:t>The count score plot suggests using 6 to 8 clusters.</a:t>
-            </a:r>
-          </a:p>
-          <a:p>
-            <a:r>
-              <a:rPr lang="en-US" dirty="0"/>
-              <a:t>All three plots agree that 6 is a suitable number of clusters to use.</a:t>
-            </a:r>
-          </a:p>
-          <a:p>
-            <a:r>
-              <a:rPr lang="en-US" dirty="0"/>
-              <a:t>Examining the plots visually confirms that 6 is a reasonable number of clusters.</a:t>
-            </a:r>
-          </a:p>
-        </p:txBody>
-      </p:sp>
-      <p:pic>
-        <p:nvPicPr>
-          <p:cNvPr id="8" name="Picture 7" descr="Chart, scatter chart&#10;&#10;Description automatically generated">
-            <a:extLst>
-              <a:ext uri="{FF2B5EF4-FFF2-40B4-BE49-F238E27FC236}">
-                <a16:creationId xmlns:a16="http://schemas.microsoft.com/office/drawing/2014/main" id="{0EB5DDD7-A700-427C-B4A0-D8234BED9006}"/>
+                <a16:creationId xmlns:a16="http://schemas.microsoft.com/office/drawing/2014/main" id="{0FD40AF5-CA93-41D2-9BF5-25DE64EC224C}"/>
               </a:ext>
             </a:extLst>
           </p:cNvPr>
@@ -6070,8 +6005,8 @@
         </p:blipFill>
         <p:spPr>
           <a:xfrm>
-            <a:off x="5471544" y="3773490"/>
-            <a:ext cx="2758056" cy="2461565"/>
+            <a:off x="658922" y="3548544"/>
+            <a:ext cx="3193886" cy="2890467"/>
           </a:xfrm>
           <a:prstGeom prst="roundRect">
             <a:avLst>
@@ -6106,12 +6041,132 @@
           </a:effectLst>
         </p:spPr>
       </p:pic>
+      <p:sp>
+        <p:nvSpPr>
+          <p:cNvPr id="3" name="Content Placeholder 2">
+            <a:extLst>
+              <a:ext uri="{FF2B5EF4-FFF2-40B4-BE49-F238E27FC236}">
+                <a16:creationId xmlns:a16="http://schemas.microsoft.com/office/drawing/2014/main" id="{AE57E7A0-8C46-490A-8CE8-259DEDB0522B}"/>
+              </a:ext>
+            </a:extLst>
+          </p:cNvPr>
+          <p:cNvSpPr>
+            <a:spLocks noGrp="1"/>
+          </p:cNvSpPr>
+          <p:nvPr>
+            <p:ph idx="1"/>
+          </p:nvPr>
+        </p:nvSpPr>
+        <p:spPr>
+          <a:xfrm>
+            <a:off x="4396577" y="2183163"/>
+            <a:ext cx="7181022" cy="4382023"/>
+          </a:xfrm>
+        </p:spPr>
+        <p:txBody>
+          <a:bodyPr>
+            <a:normAutofit/>
+          </a:bodyPr>
+          <a:lstStyle/>
+          <a:p>
+            <a:r>
+              <a:rPr lang="en-SG" sz="2000" dirty="0"/>
+              <a:t>Using the </a:t>
+            </a:r>
+            <a:r>
+              <a:rPr lang="en-SG" sz="2000" dirty="0" err="1"/>
+              <a:t>KMeans</a:t>
+            </a:r>
+            <a:r>
+              <a:rPr lang="en-SG" sz="2000" dirty="0"/>
+              <a:t> model with 6 clusters, the mall customers are segregated into 6 distinct meaningful clusters.</a:t>
+            </a:r>
+          </a:p>
+          <a:p>
+            <a:r>
+              <a:rPr lang="en-SG" sz="2000" dirty="0"/>
+              <a:t>The clusters sort of resemble an Urgency-Importance Matrix.</a:t>
+            </a:r>
+          </a:p>
+          <a:p>
+            <a:r>
+              <a:rPr lang="en-GB" sz="2000" dirty="0"/>
+              <a:t>The clusters are:</a:t>
+            </a:r>
+          </a:p>
+          <a:p>
+            <a:pPr marL="800100" lvl="1" indent="-342900">
+              <a:spcAft>
+                <a:spcPts val="600"/>
+              </a:spcAft>
+              <a:buFont typeface="+mj-lt"/>
+              <a:buAutoNum type="alphaLcPeriod"/>
+            </a:pPr>
+            <a:r>
+              <a:rPr lang="en-GB" sz="2000" dirty="0"/>
+              <a:t>Red – low-income and low spending score (all ages)</a:t>
+            </a:r>
+          </a:p>
+          <a:p>
+            <a:pPr marL="800100" lvl="1" indent="-342900">
+              <a:spcAft>
+                <a:spcPts val="600"/>
+              </a:spcAft>
+              <a:buFont typeface="+mj-lt"/>
+              <a:buAutoNum type="alphaLcPeriod"/>
+            </a:pPr>
+            <a:r>
+              <a:rPr lang="en-GB" sz="2000" dirty="0"/>
+              <a:t>Dark Blue – low-income but high spending score (young)</a:t>
+            </a:r>
+          </a:p>
+          <a:p>
+            <a:pPr marL="800100" lvl="1" indent="-342900">
+              <a:spcAft>
+                <a:spcPts val="600"/>
+              </a:spcAft>
+              <a:buFont typeface="+mj-lt"/>
+              <a:buAutoNum type="alphaLcPeriod"/>
+            </a:pPr>
+            <a:r>
+              <a:rPr lang="en-GB" sz="2000" dirty="0"/>
+              <a:t>Purple/Green – middle-income and middle spending score (young/old)</a:t>
+            </a:r>
+          </a:p>
+          <a:p>
+            <a:pPr marL="800100" lvl="1" indent="-342900">
+              <a:spcAft>
+                <a:spcPts val="600"/>
+              </a:spcAft>
+              <a:buFont typeface="+mj-lt"/>
+              <a:buAutoNum type="alphaLcPeriod"/>
+            </a:pPr>
+            <a:r>
+              <a:rPr lang="en-GB" sz="2000" dirty="0"/>
+              <a:t>Light Blue – high-income but low spending score (all ages)</a:t>
+            </a:r>
+          </a:p>
+          <a:p>
+            <a:pPr marL="800100" lvl="1" indent="-342900">
+              <a:spcAft>
+                <a:spcPts val="600"/>
+              </a:spcAft>
+              <a:buFont typeface="+mj-lt"/>
+              <a:buAutoNum type="alphaLcPeriod"/>
+            </a:pPr>
+            <a:r>
+              <a:rPr lang="en-GB" sz="2000" dirty="0"/>
+              <a:t>Yellow – high-income and high spending score (young)</a:t>
+            </a:r>
+          </a:p>
+        </p:txBody>
+      </p:sp>
       <p:pic>
         <p:nvPicPr>
-          <p:cNvPr id="11" name="Picture 10" descr="Chart, scatter chart, bubble chart&#10;&#10;Description automatically generated">
+          <p:cNvPr id="4" name="Picture 3" descr="Chart, scatter chart&#10;&#10;Description automatically generated">
             <a:extLst>
               <a:ext uri="{FF2B5EF4-FFF2-40B4-BE49-F238E27FC236}">
-                <a16:creationId xmlns:a16="http://schemas.microsoft.com/office/drawing/2014/main" id="{3B08A263-5D5E-46DB-89B7-87D09FFFBC73}"/>
+                <a16:creationId xmlns:a16="http://schemas.microsoft.com/office/drawing/2014/main" id="{0F6CB1EA-B60C-4CE9-BD6F-DA3F3DC68CE8}"/>
               </a:ext>
             </a:extLst>
           </p:cNvPr>
@@ -6128,8 +6183,8 @@
         </p:blipFill>
         <p:spPr>
           <a:xfrm>
-            <a:off x="8708396" y="3773490"/>
-            <a:ext cx="2932344" cy="2463171"/>
+            <a:off x="658922" y="331939"/>
+            <a:ext cx="3193887" cy="2850544"/>
           </a:xfrm>
           <a:prstGeom prst="roundRect">
             <a:avLst>
@@ -6164,375 +6219,6 @@
           </a:effectLst>
         </p:spPr>
       </p:pic>
-      <p:pic>
-        <p:nvPicPr>
-          <p:cNvPr id="6" name="Content Placeholder 5" descr="Chart, line chart&#10;&#10;Description automatically generated">
-            <a:extLst>
-              <a:ext uri="{FF2B5EF4-FFF2-40B4-BE49-F238E27FC236}">
-                <a16:creationId xmlns:a16="http://schemas.microsoft.com/office/drawing/2014/main" id="{9D3CBEDF-5417-40C1-8E11-3213E9FA7064}"/>
-              </a:ext>
-            </a:extLst>
-          </p:cNvPr>
-          <p:cNvPicPr>
-            <a:picLocks noChangeAspect="1"/>
-          </p:cNvPicPr>
-          <p:nvPr/>
-        </p:nvPicPr>
-        <p:blipFill>
-          <a:blip r:embed="rId5"/>
-          <a:stretch>
-            <a:fillRect/>
-          </a:stretch>
-        </p:blipFill>
-        <p:spPr>
-          <a:xfrm>
-            <a:off x="5471544" y="1080828"/>
-            <a:ext cx="6138254" cy="2378572"/>
-          </a:xfrm>
-          <a:prstGeom prst="roundRect">
-            <a:avLst>
-              <a:gd name="adj" fmla="val 7306"/>
-            </a:avLst>
-          </a:prstGeom>
-          <a:ln w="50800" cap="sq" cmpd="dbl">
-            <a:gradFill flip="none" rotWithShape="1">
-              <a:gsLst>
-                <a:gs pos="0">
-                  <a:srgbClr val="FFFFFF"/>
-                </a:gs>
-                <a:gs pos="100000">
-                  <a:schemeClr val="tx1">
-                    <a:alpha val="0"/>
-                  </a:schemeClr>
-                </a:gs>
-              </a:gsLst>
-              <a:path path="circle">
-                <a:fillToRect l="50000" t="50000" r="50000" b="50000"/>
-              </a:path>
-              <a:tileRect/>
-            </a:gradFill>
-            <a:miter lim="800000"/>
-          </a:ln>
-          <a:effectLst>
-            <a:outerShdw blurRad="254000" algn="tl" rotWithShape="0">
-              <a:srgbClr val="000000">
-                <a:alpha val="43000"/>
-              </a:srgbClr>
-            </a:outerShdw>
-          </a:effectLst>
-        </p:spPr>
-      </p:pic>
-    </p:spTree>
-    <p:extLst>
-      <p:ext uri="{BB962C8B-B14F-4D97-AF65-F5344CB8AC3E}">
-        <p14:creationId xmlns:p14="http://schemas.microsoft.com/office/powerpoint/2010/main" val="2906087779"/>
-      </p:ext>
-    </p:extLst>
-  </p:cSld>
-  <p:clrMapOvr>
-    <a:masterClrMapping/>
-  </p:clrMapOvr>
-</p:sld>
-</file>
-
-<file path=ppt/slides/slide11.xml><?xml version="1.0" encoding="utf-8"?>
-<p:sld xmlns:a="http://schemas.openxmlformats.org/drawingml/2006/main" xmlns:r="http://schemas.openxmlformats.org/officeDocument/2006/relationships" xmlns:p="http://schemas.openxmlformats.org/presentationml/2006/main">
-  <p:cSld>
-    <p:bg>
-      <p:bgPr>
-        <a:blipFill>
-          <a:blip r:embed="rId2"/>
-          <a:stretch/>
-        </a:blipFill>
-        <a:effectLst/>
-      </p:bgPr>
-    </p:bg>
-    <p:spTree>
-      <p:nvGrpSpPr>
-        <p:cNvPr id="1" name=""/>
-        <p:cNvGrpSpPr/>
-        <p:nvPr/>
-      </p:nvGrpSpPr>
-      <p:grpSpPr>
-        <a:xfrm>
-          <a:off x="0" y="0"/>
-          <a:ext cx="0" cy="0"/>
-          <a:chOff x="0" y="0"/>
-          <a:chExt cx="0" cy="0"/>
-        </a:xfrm>
-      </p:grpSpPr>
-      <p:sp>
-        <p:nvSpPr>
-          <p:cNvPr id="2" name="Title 1">
-            <a:extLst>
-              <a:ext uri="{FF2B5EF4-FFF2-40B4-BE49-F238E27FC236}">
-                <a16:creationId xmlns:a16="http://schemas.microsoft.com/office/drawing/2014/main" id="{6B91E0A5-6B8A-41E7-B7F0-1E0A8F07BC18}"/>
-              </a:ext>
-            </a:extLst>
-          </p:cNvPr>
-          <p:cNvSpPr>
-            <a:spLocks noGrp="1"/>
-          </p:cNvSpPr>
-          <p:nvPr>
-            <p:ph type="title"/>
-          </p:nvPr>
-        </p:nvSpPr>
-        <p:spPr>
-          <a:xfrm>
-            <a:off x="4685630" y="1030288"/>
-            <a:ext cx="6131596" cy="1035579"/>
-          </a:xfrm>
-        </p:spPr>
-        <p:txBody>
-          <a:bodyPr>
-            <a:normAutofit/>
-          </a:bodyPr>
-          <a:lstStyle/>
-          <a:p>
-            <a:r>
-              <a:rPr lang="en-SG"/>
-              <a:t>Customer Segmentation</a:t>
-            </a:r>
-            <a:endParaRPr lang="en-GB"/>
-          </a:p>
-        </p:txBody>
-      </p:sp>
-      <p:pic>
-        <p:nvPicPr>
-          <p:cNvPr id="6" name="Picture 5" descr="Chart, scatter chart, bubble chart&#10;&#10;Description automatically generated">
-            <a:extLst>
-              <a:ext uri="{FF2B5EF4-FFF2-40B4-BE49-F238E27FC236}">
-                <a16:creationId xmlns:a16="http://schemas.microsoft.com/office/drawing/2014/main" id="{0FD40AF5-CA93-41D2-9BF5-25DE64EC224C}"/>
-              </a:ext>
-            </a:extLst>
-          </p:cNvPr>
-          <p:cNvPicPr>
-            <a:picLocks noChangeAspect="1"/>
-          </p:cNvPicPr>
-          <p:nvPr/>
-        </p:nvPicPr>
-        <p:blipFill>
-          <a:blip r:embed="rId3"/>
-          <a:stretch>
-            <a:fillRect/>
-          </a:stretch>
-        </p:blipFill>
-        <p:spPr>
-          <a:xfrm>
-            <a:off x="1169992" y="3476626"/>
-            <a:ext cx="2557540" cy="2314574"/>
-          </a:xfrm>
-          <a:prstGeom prst="roundRect">
-            <a:avLst>
-              <a:gd name="adj" fmla="val 7306"/>
-            </a:avLst>
-          </a:prstGeom>
-          <a:ln w="50800" cap="sq" cmpd="dbl">
-            <a:gradFill flip="none" rotWithShape="1">
-              <a:gsLst>
-                <a:gs pos="0">
-                  <a:srgbClr val="FFFFFF"/>
-                </a:gs>
-                <a:gs pos="100000">
-                  <a:schemeClr val="tx1">
-                    <a:alpha val="0"/>
-                  </a:schemeClr>
-                </a:gs>
-              </a:gsLst>
-              <a:path path="circle">
-                <a:fillToRect l="50000" t="50000" r="50000" b="50000"/>
-              </a:path>
-              <a:tileRect/>
-            </a:gradFill>
-            <a:miter lim="800000"/>
-          </a:ln>
-          <a:effectLst>
-            <a:outerShdw blurRad="254000" algn="tl" rotWithShape="0">
-              <a:srgbClr val="000000">
-                <a:alpha val="43000"/>
-              </a:srgbClr>
-            </a:outerShdw>
-          </a:effectLst>
-        </p:spPr>
-      </p:pic>
-      <p:sp>
-        <p:nvSpPr>
-          <p:cNvPr id="3" name="Content Placeholder 2">
-            <a:extLst>
-              <a:ext uri="{FF2B5EF4-FFF2-40B4-BE49-F238E27FC236}">
-                <a16:creationId xmlns:a16="http://schemas.microsoft.com/office/drawing/2014/main" id="{AE57E7A0-8C46-490A-8CE8-259DEDB0522B}"/>
-              </a:ext>
-            </a:extLst>
-          </p:cNvPr>
-          <p:cNvSpPr>
-            <a:spLocks noGrp="1"/>
-          </p:cNvSpPr>
-          <p:nvPr>
-            <p:ph idx="1"/>
-          </p:nvPr>
-        </p:nvSpPr>
-        <p:spPr>
-          <a:xfrm>
-            <a:off x="4685630" y="2142067"/>
-            <a:ext cx="6131596" cy="3649133"/>
-          </a:xfrm>
-        </p:spPr>
-        <p:txBody>
-          <a:bodyPr>
-            <a:normAutofit/>
-          </a:bodyPr>
-          <a:lstStyle/>
-          <a:p>
-            <a:r>
-              <a:rPr lang="en-SG" dirty="0"/>
-              <a:t>Using the </a:t>
-            </a:r>
-            <a:r>
-              <a:rPr lang="en-SG" dirty="0" err="1"/>
-              <a:t>KMeans</a:t>
-            </a:r>
-            <a:r>
-              <a:rPr lang="en-SG" dirty="0"/>
-              <a:t> model with 6 clusters, the mall customers are segregated into 6 distinct meaningful clusters.</a:t>
-            </a:r>
-          </a:p>
-          <a:p>
-            <a:r>
-              <a:rPr lang="en-SG" dirty="0"/>
-              <a:t>The clusters sort of resembles an Urgency-Importance Matrix.</a:t>
-            </a:r>
-          </a:p>
-          <a:p>
-            <a:r>
-              <a:rPr lang="en-GB" dirty="0"/>
-              <a:t>The clusters are:</a:t>
-            </a:r>
-          </a:p>
-          <a:p>
-            <a:pPr marL="800100" lvl="1" indent="-342900">
-              <a:spcAft>
-                <a:spcPts val="600"/>
-              </a:spcAft>
-              <a:buFont typeface="+mj-lt"/>
-              <a:buAutoNum type="alphaLcPeriod"/>
-            </a:pPr>
-            <a:r>
-              <a:rPr lang="en-GB" sz="1400" dirty="0"/>
-              <a:t>Red – low-income and low spending score (all ages)</a:t>
-            </a:r>
-          </a:p>
-          <a:p>
-            <a:pPr marL="800100" lvl="1" indent="-342900">
-              <a:spcAft>
-                <a:spcPts val="600"/>
-              </a:spcAft>
-              <a:buFont typeface="+mj-lt"/>
-              <a:buAutoNum type="alphaLcPeriod"/>
-            </a:pPr>
-            <a:r>
-              <a:rPr lang="en-GB" sz="1400" dirty="0"/>
-              <a:t>Dark Blue – low-income but high spending score (young)</a:t>
-            </a:r>
-          </a:p>
-          <a:p>
-            <a:pPr marL="800100" lvl="1" indent="-342900">
-              <a:spcAft>
-                <a:spcPts val="600"/>
-              </a:spcAft>
-              <a:buFont typeface="+mj-lt"/>
-              <a:buAutoNum type="alphaLcPeriod"/>
-            </a:pPr>
-            <a:r>
-              <a:rPr lang="en-GB" sz="1400" dirty="0"/>
-              <a:t>Purple/Green – middle-income and middle spending score (young/old)</a:t>
-            </a:r>
-          </a:p>
-          <a:p>
-            <a:pPr marL="800100" lvl="1" indent="-342900">
-              <a:spcAft>
-                <a:spcPts val="600"/>
-              </a:spcAft>
-              <a:buFont typeface="+mj-lt"/>
-              <a:buAutoNum type="alphaLcPeriod"/>
-            </a:pPr>
-            <a:r>
-              <a:rPr lang="en-GB" sz="1400" dirty="0"/>
-              <a:t>Light Blue – high-income but low spending score (all ages)</a:t>
-            </a:r>
-          </a:p>
-          <a:p>
-            <a:pPr marL="800100" lvl="1" indent="-342900">
-              <a:spcAft>
-                <a:spcPts val="600"/>
-              </a:spcAft>
-              <a:buFont typeface="+mj-lt"/>
-              <a:buAutoNum type="alphaLcPeriod"/>
-            </a:pPr>
-            <a:r>
-              <a:rPr lang="en-GB" sz="1400" dirty="0"/>
-              <a:t>Yellow – high-income and high spending score (young)</a:t>
-            </a:r>
-          </a:p>
-        </p:txBody>
-      </p:sp>
-      <p:pic>
-        <p:nvPicPr>
-          <p:cNvPr id="4" name="Picture 3" descr="Chart, scatter chart&#10;&#10;Description automatically generated">
-            <a:extLst>
-              <a:ext uri="{FF2B5EF4-FFF2-40B4-BE49-F238E27FC236}">
-                <a16:creationId xmlns:a16="http://schemas.microsoft.com/office/drawing/2014/main" id="{0F6CB1EA-B60C-4CE9-BD6F-DA3F3DC68CE8}"/>
-              </a:ext>
-            </a:extLst>
-          </p:cNvPr>
-          <p:cNvPicPr>
-            <a:picLocks noChangeAspect="1"/>
-          </p:cNvPicPr>
-          <p:nvPr/>
-        </p:nvPicPr>
-        <p:blipFill>
-          <a:blip r:embed="rId4"/>
-          <a:stretch>
-            <a:fillRect/>
-          </a:stretch>
-        </p:blipFill>
-        <p:spPr>
-          <a:xfrm>
-            <a:off x="1152082" y="721632"/>
-            <a:ext cx="2593360" cy="2314574"/>
-          </a:xfrm>
-          <a:prstGeom prst="roundRect">
-            <a:avLst>
-              <a:gd name="adj" fmla="val 7306"/>
-            </a:avLst>
-          </a:prstGeom>
-          <a:ln w="50800" cap="sq" cmpd="dbl">
-            <a:gradFill flip="none" rotWithShape="1">
-              <a:gsLst>
-                <a:gs pos="0">
-                  <a:srgbClr val="FFFFFF"/>
-                </a:gs>
-                <a:gs pos="100000">
-                  <a:schemeClr val="tx1">
-                    <a:alpha val="0"/>
-                  </a:schemeClr>
-                </a:gs>
-              </a:gsLst>
-              <a:path path="circle">
-                <a:fillToRect l="50000" t="50000" r="50000" b="50000"/>
-              </a:path>
-              <a:tileRect/>
-            </a:gradFill>
-            <a:miter lim="800000"/>
-          </a:ln>
-          <a:effectLst>
-            <a:outerShdw blurRad="254000" algn="tl" rotWithShape="0">
-              <a:srgbClr val="000000">
-                <a:alpha val="43000"/>
-              </a:srgbClr>
-            </a:outerShdw>
-          </a:effectLst>
-        </p:spPr>
-      </p:pic>
     </p:spTree>
     <p:extLst>
       <p:ext uri="{BB962C8B-B14F-4D97-AF65-F5344CB8AC3E}">
@@ -6546,7 +6232,7 @@
 </p:sld>
 </file>
 
-<file path=ppt/slides/slide12.xml><?xml version="1.0" encoding="utf-8"?>
+<file path=ppt/slides/slide11.xml><?xml version="1.0" encoding="utf-8"?>
 <p:sld xmlns:a="http://schemas.openxmlformats.org/drawingml/2006/main" xmlns:r="http://schemas.openxmlformats.org/officeDocument/2006/relationships" xmlns:p="http://schemas.openxmlformats.org/presentationml/2006/main">
   <p:cSld>
     <p:spTree>
@@ -6610,12 +6296,12 @@
         </p:nvSpPr>
         <p:spPr>
           <a:xfrm>
-            <a:off x="413658" y="3581400"/>
-            <a:ext cx="11473542" cy="2993571"/>
-          </a:xfrm>
-        </p:spPr>
-        <p:txBody>
-          <a:bodyPr>
+            <a:off x="413658" y="3565133"/>
+            <a:ext cx="11319430" cy="3061698"/>
+          </a:xfrm>
+        </p:spPr>
+        <p:txBody>
+          <a:bodyPr anchor="t">
             <a:normAutofit fontScale="92500" lnSpcReduction="10000"/>
           </a:bodyPr>
           <a:lstStyle/>
@@ -6628,8 +6314,25 @@
           <a:p>
             <a:r>
               <a:rPr lang="en-SG" dirty="0"/>
-              <a:t>The young generation is born into a much more affluent society than the previous generations.</a:t>
-            </a:r>
+              <a:t>The young generation today grows up in a more affluent environment than their ancestors.</a:t>
+            </a:r>
+          </a:p>
+          <a:p>
+            <a:r>
+              <a:rPr lang="en-SG" dirty="0"/>
+              <a:t>In an effort to improve sales but not encourage youths to spend beyond their means (dark blue group), marketing efforts should be targeted at high-income but low spending score customers (light blue group). These have the means to spend more.</a:t>
+            </a:r>
+          </a:p>
+          <a:p>
+            <a:r>
+              <a:rPr lang="en-SG" dirty="0"/>
+              <a:t>To enhance the mall’s reputation, perhaps the mall could host a money-saving campaign to educate the youths of the risks of overspending. This is both the morally and financially </a:t>
+            </a:r>
+            <a:r>
+              <a:rPr lang="en-SG"/>
+              <a:t>right thing to do.</a:t>
+            </a:r>
+            <a:endParaRPr lang="en-SG" dirty="0"/>
           </a:p>
           <a:p>
             <a:r>
@@ -6642,19 +6345,7 @@
             </a:r>
             <a:r>
               <a:rPr lang="en-SG" dirty="0"/>
-              <a:t>&gt; is a binary representation of the model used on the  unstandardized data, which works almost as well as the standardized one. Using this, future customers can be classified (assuming the customer segmentation pattern does not change.</a:t>
-            </a:r>
-          </a:p>
-          <a:p>
-            <a:r>
-              <a:rPr lang="en-SG" dirty="0"/>
-              <a:t>In an effort to improve sales but not encourage youths to spend beyond their means (dark blue group), marketing strategies should be targeted at high-income but low spending score customers (light blue group).</a:t>
-            </a:r>
-          </a:p>
-          <a:p>
-            <a:r>
-              <a:rPr lang="en-SG" dirty="0"/>
-              <a:t>To enhance the mall’s reputation, perhaps the mall could host a money-saving campaign to educate the youths of the risks of overspending.</a:t>
+              <a:t>&gt; is a binary representation of the model used on the unstandardized data, which works almost as well as the standardized one. Using this, future customers can be classified into 1 of the 6 clusters (assuming the customer segmentation pattern does not change.</a:t>
             </a:r>
           </a:p>
           <a:p>
@@ -6823,8 +6514,8 @@
         </p:nvSpPr>
         <p:spPr>
           <a:xfrm>
-            <a:off x="825909" y="808055"/>
-            <a:ext cx="3979205" cy="1453363"/>
+            <a:off x="825910" y="808055"/>
+            <a:ext cx="3782074" cy="1453363"/>
           </a:xfrm>
         </p:spPr>
         <p:txBody>
@@ -6984,15 +6675,6 @@
 <file path=ppt/slides/slide3.xml><?xml version="1.0" encoding="utf-8"?>
 <p:sld xmlns:a="http://schemas.openxmlformats.org/drawingml/2006/main" xmlns:r="http://schemas.openxmlformats.org/officeDocument/2006/relationships" xmlns:p="http://schemas.openxmlformats.org/presentationml/2006/main">
   <p:cSld>
-    <p:bg>
-      <p:bgPr>
-        <a:blipFill>
-          <a:blip r:embed="rId2"/>
-          <a:stretch/>
-        </a:blipFill>
-        <a:effectLst/>
-      </p:bgPr>
-    </p:bg>
     <p:spTree>
       <p:nvGrpSpPr>
         <p:cNvPr id="1" name=""/>
@@ -7007,222 +6689,6 @@
           <a:chExt cx="0" cy="0"/>
         </a:xfrm>
       </p:grpSpPr>
-      <p:pic>
-        <p:nvPicPr>
-          <p:cNvPr id="11" name="Picture 10">
-            <a:extLst>
-              <a:ext uri="{FF2B5EF4-FFF2-40B4-BE49-F238E27FC236}">
-                <a16:creationId xmlns:a16="http://schemas.microsoft.com/office/drawing/2014/main" id="{3BE9D87D-FEDF-4EA3-A296-3C7A8C9D7FD5}"/>
-              </a:ext>
-              <a:ext uri="{C183D7F6-B498-43B3-948B-1728B52AA6E4}">
-                <adec:decorative xmlns:adec="http://schemas.microsoft.com/office/drawing/2017/decorative" val="1"/>
-              </a:ext>
-            </a:extLst>
-          </p:cNvPr>
-          <p:cNvPicPr>
-            <a:picLocks noGrp="1" noRot="1" noChangeAspect="1" noMove="1" noResize="1" noEditPoints="1" noAdjustHandles="1" noChangeArrowheads="1" noChangeShapeType="1" noCrop="1"/>
-          </p:cNvPicPr>
-          <p:nvPr>
-            <p:extLst>
-              <p:ext uri="{386F3935-93C4-4BCD-93E2-E3B085C9AB24}">
-                <p16:designElem xmlns:p16="http://schemas.microsoft.com/office/powerpoint/2015/main" val="1"/>
-              </p:ext>
-            </p:extLst>
-          </p:nvPr>
-        </p:nvPicPr>
-        <p:blipFill>
-          <a:blip r:embed="rId3">
-            <a:extLst>
-              <a:ext uri="{28A0092B-C50C-407E-A947-70E740481C1C}">
-                <a14:useLocalDpi xmlns:a14="http://schemas.microsoft.com/office/drawing/2010/main" val="0"/>
-              </a:ext>
-            </a:extLst>
-          </a:blip>
-          <a:stretch>
-            <a:fillRect/>
-          </a:stretch>
-        </p:blipFill>
-        <p:spPr>
-          <a:xfrm>
-            <a:off x="0" y="0"/>
-            <a:ext cx="12188825" cy="6856214"/>
-          </a:xfrm>
-          <a:prstGeom prst="rect">
-            <a:avLst/>
-          </a:prstGeom>
-        </p:spPr>
-      </p:pic>
-      <p:sp>
-        <p:nvSpPr>
-          <p:cNvPr id="2" name="Title 1">
-            <a:extLst>
-              <a:ext uri="{FF2B5EF4-FFF2-40B4-BE49-F238E27FC236}">
-                <a16:creationId xmlns:a16="http://schemas.microsoft.com/office/drawing/2014/main" id="{E0381E76-6593-418D-B628-ECD80042ADA8}"/>
-              </a:ext>
-            </a:extLst>
-          </p:cNvPr>
-          <p:cNvSpPr>
-            <a:spLocks noGrp="1"/>
-          </p:cNvSpPr>
-          <p:nvPr>
-            <p:ph type="title"/>
-          </p:nvPr>
-        </p:nvSpPr>
-        <p:spPr>
-          <a:xfrm>
-            <a:off x="825909" y="808055"/>
-            <a:ext cx="3979205" cy="1453363"/>
-          </a:xfrm>
-        </p:spPr>
-        <p:txBody>
-          <a:bodyPr vert="horz" lIns="91440" tIns="45720" rIns="91440" bIns="45720" rtlCol="0" anchor="ctr">
-            <a:normAutofit/>
-          </a:bodyPr>
-          <a:lstStyle/>
-          <a:p>
-            <a:r>
-              <a:rPr lang="en-US" sz="3600" dirty="0"/>
-              <a:t>Exploratory Data Analysis</a:t>
-            </a:r>
-          </a:p>
-        </p:txBody>
-      </p:sp>
-      <p:sp>
-        <p:nvSpPr>
-          <p:cNvPr id="4" name="Text Placeholder 3">
-            <a:extLst>
-              <a:ext uri="{FF2B5EF4-FFF2-40B4-BE49-F238E27FC236}">
-                <a16:creationId xmlns:a16="http://schemas.microsoft.com/office/drawing/2014/main" id="{332A9431-EAF8-4FE1-9ADC-E6D7A2DAA48C}"/>
-              </a:ext>
-            </a:extLst>
-          </p:cNvPr>
-          <p:cNvSpPr>
-            <a:spLocks noGrp="1"/>
-          </p:cNvSpPr>
-          <p:nvPr>
-            <p:ph type="body" sz="half" idx="2"/>
-          </p:nvPr>
-        </p:nvSpPr>
-        <p:spPr>
-          <a:xfrm>
-            <a:off x="802178" y="2261420"/>
-            <a:ext cx="4002936" cy="3637935"/>
-          </a:xfrm>
-        </p:spPr>
-        <p:txBody>
-          <a:bodyPr vert="horz" lIns="91440" tIns="45720" rIns="91440" bIns="45720" rtlCol="0" anchor="t">
-            <a:normAutofit/>
-          </a:bodyPr>
-          <a:lstStyle/>
-          <a:p>
-            <a:pPr marL="285750" indent="-285750">
-              <a:buFont typeface="Arial"/>
-              <a:buChar char="•"/>
-            </a:pPr>
-            <a:r>
-              <a:rPr lang="en-US" dirty="0"/>
-              <a:t>The additional female data is roughly concentrated around the </a:t>
-            </a:r>
-            <a:r>
-              <a:rPr lang="en-US" dirty="0" err="1"/>
-              <a:t>centre</a:t>
-            </a:r>
-            <a:r>
-              <a:rPr lang="en-US" dirty="0"/>
-              <a:t> for each of ‘Age’, ‘Annual Income’ and ‘Spending Score’</a:t>
-            </a:r>
-          </a:p>
-        </p:txBody>
-      </p:sp>
-      <p:pic>
-        <p:nvPicPr>
-          <p:cNvPr id="6" name="Picture Placeholder 5" descr="Chart, line chart&#10;&#10;Description automatically generated">
-            <a:extLst>
-              <a:ext uri="{FF2B5EF4-FFF2-40B4-BE49-F238E27FC236}">
-                <a16:creationId xmlns:a16="http://schemas.microsoft.com/office/drawing/2014/main" id="{FC3A0DB7-7375-4C80-9AC8-8008D01B7318}"/>
-              </a:ext>
-            </a:extLst>
-          </p:cNvPr>
-          <p:cNvPicPr>
-            <a:picLocks noGrp="1" noChangeAspect="1"/>
-          </p:cNvPicPr>
-          <p:nvPr>
-            <p:ph type="pic" idx="1"/>
-          </p:nvPr>
-        </p:nvPicPr>
-        <p:blipFill rotWithShape="1">
-          <a:blip r:embed="rId4"/>
-          <a:srcRect l="-342" r="2461"/>
-          <a:stretch/>
-        </p:blipFill>
-        <p:spPr>
-          <a:xfrm>
-            <a:off x="5814916" y="796414"/>
-            <a:ext cx="3791421" cy="3834766"/>
-          </a:xfrm>
-          <a:prstGeom prst="roundRect">
-            <a:avLst>
-              <a:gd name="adj" fmla="val 4380"/>
-            </a:avLst>
-          </a:prstGeom>
-          <a:ln w="50800" cap="sq" cmpd="dbl">
-            <a:gradFill flip="none" rotWithShape="1">
-              <a:gsLst>
-                <a:gs pos="0">
-                  <a:srgbClr val="FFFFFF"/>
-                </a:gs>
-                <a:gs pos="100000">
-                  <a:schemeClr val="tx1">
-                    <a:alpha val="0"/>
-                  </a:schemeClr>
-                </a:gs>
-              </a:gsLst>
-              <a:path path="circle">
-                <a:fillToRect l="50000" t="50000" r="50000" b="50000"/>
-              </a:path>
-              <a:tileRect/>
-            </a:gradFill>
-            <a:miter lim="800000"/>
-          </a:ln>
-          <a:effectLst>
-            <a:outerShdw blurRad="254000" algn="tl" rotWithShape="0">
-              <a:srgbClr val="000000">
-                <a:alpha val="43000"/>
-              </a:srgbClr>
-            </a:outerShdw>
-          </a:effectLst>
-        </p:spPr>
-      </p:pic>
-    </p:spTree>
-    <p:extLst>
-      <p:ext uri="{BB962C8B-B14F-4D97-AF65-F5344CB8AC3E}">
-        <p14:creationId xmlns:p14="http://schemas.microsoft.com/office/powerpoint/2010/main" val="4222505341"/>
-      </p:ext>
-    </p:extLst>
-  </p:cSld>
-  <p:clrMapOvr>
-    <a:masterClrMapping/>
-  </p:clrMapOvr>
-</p:sld>
-</file>
-
-<file path=ppt/slides/slide4.xml><?xml version="1.0" encoding="utf-8"?>
-<p:sld xmlns:a="http://schemas.openxmlformats.org/drawingml/2006/main" xmlns:r="http://schemas.openxmlformats.org/officeDocument/2006/relationships" xmlns:p="http://schemas.openxmlformats.org/presentationml/2006/main">
-  <p:cSld>
-    <p:spTree>
-      <p:nvGrpSpPr>
-        <p:cNvPr id="1" name=""/>
-        <p:cNvGrpSpPr/>
-        <p:nvPr/>
-      </p:nvGrpSpPr>
-      <p:grpSpPr>
-        <a:xfrm>
-          <a:off x="0" y="0"/>
-          <a:ext cx="0" cy="0"/>
-          <a:chOff x="0" y="0"/>
-          <a:chExt cx="0" cy="0"/>
-        </a:xfrm>
-      </p:grpSpPr>
       <p:sp>
         <p:nvSpPr>
           <p:cNvPr id="2" name="Title 1">
@@ -7268,7 +6734,12 @@
             <p:ph sz="half" idx="2"/>
           </p:nvPr>
         </p:nvSpPr>
-        <p:spPr/>
+        <p:spPr>
+          <a:xfrm>
+            <a:off x="6096000" y="2142067"/>
+            <a:ext cx="4995332" cy="2750049"/>
+          </a:xfrm>
+        </p:spPr>
         <p:txBody>
           <a:bodyPr/>
           <a:lstStyle/>
@@ -7317,7 +6788,7 @@
         </p:blipFill>
         <p:spPr>
           <a:xfrm>
-            <a:off x="1379328" y="2141538"/>
+            <a:off x="1374773" y="2142067"/>
             <a:ext cx="3608807" cy="3649662"/>
           </a:xfrm>
           <a:prstGeom prst="rect">
@@ -7338,7 +6809,7 @@
 </p:sld>
 </file>
 
-<file path=ppt/slides/slide5.xml><?xml version="1.0" encoding="utf-8"?>
+<file path=ppt/slides/slide4.xml><?xml version="1.0" encoding="utf-8"?>
 <p:sld xmlns:a="http://schemas.openxmlformats.org/drawingml/2006/main" xmlns:r="http://schemas.openxmlformats.org/officeDocument/2006/relationships" xmlns:p="http://schemas.openxmlformats.org/presentationml/2006/main">
   <p:cSld>
     <p:bg>
@@ -7427,7 +6898,7 @@
         </p:nvSpPr>
         <p:spPr>
           <a:xfrm>
-            <a:off x="825909" y="808055"/>
+            <a:off x="802178" y="808057"/>
             <a:ext cx="3979205" cy="1453363"/>
           </a:xfrm>
         </p:spPr>
@@ -7521,8 +6992,8 @@
         </p:blipFill>
         <p:spPr>
           <a:xfrm>
-            <a:off x="5289752" y="993462"/>
-            <a:ext cx="6095593" cy="4708845"/>
+            <a:off x="5125365" y="1014010"/>
+            <a:ext cx="6494396" cy="5016920"/>
           </a:xfrm>
           <a:prstGeom prst="roundRect">
             <a:avLst>
@@ -7570,6 +7041,121 @@
 </p:sld>
 </file>
 
+<file path=ppt/slides/slide5.xml><?xml version="1.0" encoding="utf-8"?>
+<p:sld xmlns:a="http://schemas.openxmlformats.org/drawingml/2006/main" xmlns:r="http://schemas.openxmlformats.org/officeDocument/2006/relationships" xmlns:p="http://schemas.openxmlformats.org/presentationml/2006/main">
+  <p:cSld>
+    <p:spTree>
+      <p:nvGrpSpPr>
+        <p:cNvPr id="1" name=""/>
+        <p:cNvGrpSpPr/>
+        <p:nvPr/>
+      </p:nvGrpSpPr>
+      <p:grpSpPr>
+        <a:xfrm>
+          <a:off x="0" y="0"/>
+          <a:ext cx="0" cy="0"/>
+          <a:chOff x="0" y="0"/>
+          <a:chExt cx="0" cy="0"/>
+        </a:xfrm>
+      </p:grpSpPr>
+      <p:sp>
+        <p:nvSpPr>
+          <p:cNvPr id="2" name="Title 1">
+            <a:extLst>
+              <a:ext uri="{FF2B5EF4-FFF2-40B4-BE49-F238E27FC236}">
+                <a16:creationId xmlns:a16="http://schemas.microsoft.com/office/drawing/2014/main" id="{15B61C88-2EB0-4C47-A448-46C47358C963}"/>
+              </a:ext>
+            </a:extLst>
+          </p:cNvPr>
+          <p:cNvSpPr>
+            <a:spLocks noGrp="1"/>
+          </p:cNvSpPr>
+          <p:nvPr>
+            <p:ph type="title"/>
+          </p:nvPr>
+        </p:nvSpPr>
+        <p:spPr/>
+        <p:txBody>
+          <a:bodyPr/>
+          <a:lstStyle/>
+          <a:p>
+            <a:r>
+              <a:rPr lang="en-SG" dirty="0"/>
+              <a:t>Principal Component Analysis</a:t>
+            </a:r>
+            <a:endParaRPr lang="en-GB" dirty="0"/>
+          </a:p>
+        </p:txBody>
+      </p:sp>
+      <p:sp>
+        <p:nvSpPr>
+          <p:cNvPr id="3" name="Content Placeholder 2">
+            <a:extLst>
+              <a:ext uri="{FF2B5EF4-FFF2-40B4-BE49-F238E27FC236}">
+                <a16:creationId xmlns:a16="http://schemas.microsoft.com/office/drawing/2014/main" id="{7D413143-93FD-4504-935F-C8D33C214956}"/>
+              </a:ext>
+            </a:extLst>
+          </p:cNvPr>
+          <p:cNvSpPr>
+            <a:spLocks noGrp="1"/>
+          </p:cNvSpPr>
+          <p:nvPr>
+            <p:ph idx="1"/>
+          </p:nvPr>
+        </p:nvSpPr>
+        <p:spPr>
+          <a:xfrm>
+            <a:off x="685801" y="2172890"/>
+            <a:ext cx="10131425" cy="3649133"/>
+          </a:xfrm>
+        </p:spPr>
+        <p:txBody>
+          <a:bodyPr>
+            <a:normAutofit/>
+          </a:bodyPr>
+          <a:lstStyle/>
+          <a:p>
+            <a:r>
+              <a:rPr lang="en-SG" sz="2400" dirty="0"/>
+              <a:t>Among the 3 remaining features (Age, Annual Income and Spending Score), they should be checked for redundancy</a:t>
+            </a:r>
+          </a:p>
+          <a:p>
+            <a:r>
+              <a:rPr lang="en-SG" sz="2400" dirty="0"/>
+              <a:t>The data has been standardized, so PCA is conducted on the correlation matrix</a:t>
+            </a:r>
+          </a:p>
+          <a:p>
+            <a:r>
+              <a:rPr lang="en-SG" sz="2400" dirty="0"/>
+              <a:t>There will not be any bias among the variables as their variance is all 1</a:t>
+            </a:r>
+          </a:p>
+          <a:p>
+            <a:r>
+              <a:rPr lang="en-SG" sz="2400" dirty="0"/>
+              <a:t>Using Principal Component Analysis as a tool for dimension reduction, the importance of the 3 variables can be examined simultaneously</a:t>
+            </a:r>
+          </a:p>
+          <a:p>
+            <a:endParaRPr lang="en-GB" sz="2400" dirty="0"/>
+          </a:p>
+        </p:txBody>
+      </p:sp>
+    </p:spTree>
+    <p:extLst>
+      <p:ext uri="{BB962C8B-B14F-4D97-AF65-F5344CB8AC3E}">
+        <p14:creationId xmlns:p14="http://schemas.microsoft.com/office/powerpoint/2010/main" val="163951199"/>
+      </p:ext>
+    </p:extLst>
+  </p:cSld>
+  <p:clrMapOvr>
+    <a:masterClrMapping/>
+  </p:clrMapOvr>
+</p:sld>
+</file>
+
 <file path=ppt/slides/slide6.xml><?xml version="1.0" encoding="utf-8"?>
 <p:sld xmlns:a="http://schemas.openxmlformats.org/drawingml/2006/main" xmlns:r="http://schemas.openxmlformats.org/officeDocument/2006/relationships" xmlns:p="http://schemas.openxmlformats.org/presentationml/2006/main">
   <p:cSld>
@@ -7592,7 +7178,7 @@
           <p:cNvPr id="2" name="Title 1">
             <a:extLst>
               <a:ext uri="{FF2B5EF4-FFF2-40B4-BE49-F238E27FC236}">
-                <a16:creationId xmlns:a16="http://schemas.microsoft.com/office/drawing/2014/main" id="{15B61C88-2EB0-4C47-A448-46C47358C963}"/>
+                <a16:creationId xmlns:a16="http://schemas.microsoft.com/office/drawing/2014/main" id="{8E9584D2-E141-4D3F-8A14-F126CB029DA8}"/>
               </a:ext>
             </a:extLst>
           </p:cNvPr>
@@ -7616,53 +7202,148 @@
           </a:p>
         </p:txBody>
       </p:sp>
-      <p:sp>
-        <p:nvSpPr>
-          <p:cNvPr id="3" name="Content Placeholder 2">
+      <p:pic>
+        <p:nvPicPr>
+          <p:cNvPr id="4" name="Picture 3" descr="Graphical user interface, website&#10;&#10;Description automatically generated">
             <a:extLst>
               <a:ext uri="{FF2B5EF4-FFF2-40B4-BE49-F238E27FC236}">
-                <a16:creationId xmlns:a16="http://schemas.microsoft.com/office/drawing/2014/main" id="{7D413143-93FD-4504-935F-C8D33C214956}"/>
+                <a16:creationId xmlns:a16="http://schemas.microsoft.com/office/drawing/2014/main" id="{66888277-1296-4AE8-9624-DA753142036C}"/>
               </a:ext>
             </a:extLst>
           </p:cNvPr>
-          <p:cNvSpPr>
-            <a:spLocks noGrp="1"/>
-          </p:cNvSpPr>
-          <p:nvPr>
-            <p:ph idx="1"/>
-          </p:nvPr>
-        </p:nvSpPr>
-        <p:spPr/>
-        <p:txBody>
-          <a:bodyPr/>
+          <p:cNvPicPr>
+            <a:picLocks noChangeAspect="1"/>
+          </p:cNvPicPr>
+          <p:nvPr/>
+        </p:nvPicPr>
+        <p:blipFill rotWithShape="1">
+          <a:blip r:embed="rId2"/>
+          <a:srcRect l="1" r="494"/>
+          <a:stretch/>
+        </p:blipFill>
+        <p:spPr>
+          <a:xfrm>
+            <a:off x="685801" y="1687826"/>
+            <a:ext cx="10131425" cy="1429164"/>
+          </a:xfrm>
+          <a:prstGeom prst="rect">
+            <a:avLst/>
+          </a:prstGeom>
+          <a:ln>
+            <a:solidFill>
+              <a:schemeClr val="tx1"/>
+            </a:solidFill>
+          </a:ln>
+        </p:spPr>
+      </p:pic>
+      <p:pic>
+        <p:nvPicPr>
+          <p:cNvPr id="6" name="Picture 5" descr="Chart, line chart&#10;&#10;Description automatically generated">
+            <a:extLst>
+              <a:ext uri="{FF2B5EF4-FFF2-40B4-BE49-F238E27FC236}">
+                <a16:creationId xmlns:a16="http://schemas.microsoft.com/office/drawing/2014/main" id="{4122C382-82DB-46D8-9AD7-2CCFA2619235}"/>
+              </a:ext>
+            </a:extLst>
+          </p:cNvPr>
+          <p:cNvPicPr>
+            <a:picLocks noChangeAspect="1"/>
+          </p:cNvPicPr>
+          <p:nvPr/>
+        </p:nvPicPr>
+        <p:blipFill>
+          <a:blip r:embed="rId3"/>
+          <a:stretch>
+            <a:fillRect/>
+          </a:stretch>
+        </p:blipFill>
+        <p:spPr>
+          <a:xfrm>
+            <a:off x="7223564" y="3483798"/>
+            <a:ext cx="4291448" cy="2923269"/>
+          </a:xfrm>
+          <a:prstGeom prst="rect">
+            <a:avLst/>
+          </a:prstGeom>
+          <a:ln>
+            <a:solidFill>
+              <a:schemeClr val="bg1"/>
+            </a:solidFill>
+          </a:ln>
+        </p:spPr>
+      </p:pic>
+      <p:sp>
+        <p:nvSpPr>
+          <p:cNvPr id="7" name="TextBox 6">
+            <a:extLst>
+              <a:ext uri="{FF2B5EF4-FFF2-40B4-BE49-F238E27FC236}">
+                <a16:creationId xmlns:a16="http://schemas.microsoft.com/office/drawing/2014/main" id="{412C2FEE-6502-42D5-A94E-71DD378A7C8D}"/>
+              </a:ext>
+            </a:extLst>
+          </p:cNvPr>
+          <p:cNvSpPr txBox="1"/>
+          <p:nvPr/>
+        </p:nvSpPr>
+        <p:spPr>
+          <a:xfrm>
+            <a:off x="685801" y="3375773"/>
+            <a:ext cx="6290351" cy="3139321"/>
+          </a:xfrm>
+          <a:prstGeom prst="rect">
+            <a:avLst/>
+          </a:prstGeom>
+          <a:noFill/>
+        </p:spPr>
+        <p:txBody>
+          <a:bodyPr wrap="square" rtlCol="0">
+            <a:spAutoFit/>
+          </a:bodyPr>
           <a:lstStyle/>
           <a:p>
+            <a:pPr marL="285750" indent="-285750">
+              <a:buFont typeface="Arial" panose="020B0604020202020204" pitchFamily="34" charset="0"/>
+              <a:buChar char="•"/>
+            </a:pPr>
             <a:r>
               <a:rPr lang="en-SG" dirty="0"/>
-              <a:t>Among the 3 remaining features (Age, Annual Income and Spending Score), they should be checked for redundancy or standardization.</a:t>
-            </a:r>
-          </a:p>
-          <a:p>
+              <a:t>The 3 Principal Components are all important (carry significant information) as each explains more than 20% of the total variance within the data.</a:t>
+            </a:r>
+          </a:p>
+          <a:p>
+            <a:pPr marL="285750" indent="-285750">
+              <a:buFont typeface="Arial" panose="020B0604020202020204" pitchFamily="34" charset="0"/>
+              <a:buChar char="•"/>
+            </a:pPr>
             <a:r>
               <a:rPr lang="en-SG" dirty="0"/>
-              <a:t>The order of magnitude (scale) of all three variables is approximately equal (about 2). This will be good for the clustering algorithms which use Euclidean distances to find the clusters.</a:t>
-            </a:r>
-          </a:p>
-          <a:p>
+              <a:t>According to the Scree Plot on the right of the PC eigenvalues, there is no elbow, which suggests that all three PCs should be kept.</a:t>
+            </a:r>
+          </a:p>
+          <a:p>
+            <a:pPr marL="285750" indent="-285750">
+              <a:buFont typeface="Arial" panose="020B0604020202020204" pitchFamily="34" charset="0"/>
+              <a:buChar char="•"/>
+            </a:pPr>
             <a:r>
               <a:rPr lang="en-SG" dirty="0"/>
-              <a:t>Using Principal Component Analysis as a tool for dimension reduction, the importance of the 3 variables can be examined simultaneously.</a:t>
-            </a:r>
-          </a:p>
-          <a:p>
-            <a:endParaRPr lang="en-GB" dirty="0"/>
+              <a:t>Keeping all three PCs would be no better than just using the original data. In fact, it would be less informative as the new PCs have no meaning.</a:t>
+            </a:r>
+          </a:p>
+          <a:p>
+            <a:pPr marL="285750" indent="-285750">
+              <a:buFont typeface="Arial" panose="020B0604020202020204" pitchFamily="34" charset="0"/>
+              <a:buChar char="•"/>
+            </a:pPr>
+            <a:r>
+              <a:rPr lang="en-SG" dirty="0"/>
+              <a:t>For this analysis, it would be desirable to be able to link back to the original meaningful variables.</a:t>
+            </a:r>
           </a:p>
         </p:txBody>
       </p:sp>
     </p:spTree>
     <p:extLst>
       <p:ext uri="{BB962C8B-B14F-4D97-AF65-F5344CB8AC3E}">
-        <p14:creationId xmlns:p14="http://schemas.microsoft.com/office/powerpoint/2010/main" val="163951199"/>
+        <p14:creationId xmlns:p14="http://schemas.microsoft.com/office/powerpoint/2010/main" val="90519443"/>
       </p:ext>
     </p:extLst>
   </p:cSld>
@@ -7694,7 +7375,7 @@
           <p:cNvPr id="2" name="Title 1">
             <a:extLst>
               <a:ext uri="{FF2B5EF4-FFF2-40B4-BE49-F238E27FC236}">
-                <a16:creationId xmlns:a16="http://schemas.microsoft.com/office/drawing/2014/main" id="{8E9584D2-E141-4D3F-8A14-F126CB029DA8}"/>
+                <a16:creationId xmlns:a16="http://schemas.microsoft.com/office/drawing/2014/main" id="{47539373-AC7D-4512-8638-38B8F11DA220}"/>
               </a:ext>
             </a:extLst>
           </p:cNvPr>
@@ -7711,88 +7392,19 @@
           <a:lstStyle/>
           <a:p>
             <a:r>
-              <a:rPr lang="en-SG" dirty="0"/>
-              <a:t>Principal Component Analysis</a:t>
+              <a:rPr lang="en-SG"/>
+              <a:t>Algorithm Selection</a:t>
             </a:r>
             <a:endParaRPr lang="en-GB" dirty="0"/>
           </a:p>
         </p:txBody>
       </p:sp>
-      <p:pic>
-        <p:nvPicPr>
-          <p:cNvPr id="4" name="Picture 3" descr="Graphical user interface, website&#10;&#10;Description automatically generated">
+      <p:sp>
+        <p:nvSpPr>
+          <p:cNvPr id="3" name="TextBox 2">
             <a:extLst>
               <a:ext uri="{FF2B5EF4-FFF2-40B4-BE49-F238E27FC236}">
-                <a16:creationId xmlns:a16="http://schemas.microsoft.com/office/drawing/2014/main" id="{66888277-1296-4AE8-9624-DA753142036C}"/>
-              </a:ext>
-            </a:extLst>
-          </p:cNvPr>
-          <p:cNvPicPr>
-            <a:picLocks noChangeAspect="1"/>
-          </p:cNvPicPr>
-          <p:nvPr/>
-        </p:nvPicPr>
-        <p:blipFill rotWithShape="1">
-          <a:blip r:embed="rId2"/>
-          <a:srcRect l="1" r="494"/>
-          <a:stretch/>
-        </p:blipFill>
-        <p:spPr>
-          <a:xfrm>
-            <a:off x="685801" y="1852212"/>
-            <a:ext cx="10820398" cy="1526352"/>
-          </a:xfrm>
-          <a:prstGeom prst="rect">
-            <a:avLst/>
-          </a:prstGeom>
-          <a:ln>
-            <a:solidFill>
-              <a:schemeClr val="tx1"/>
-            </a:solidFill>
-          </a:ln>
-        </p:spPr>
-      </p:pic>
-      <p:pic>
-        <p:nvPicPr>
-          <p:cNvPr id="6" name="Picture 5" descr="Chart, line chart&#10;&#10;Description automatically generated">
-            <a:extLst>
-              <a:ext uri="{FF2B5EF4-FFF2-40B4-BE49-F238E27FC236}">
-                <a16:creationId xmlns:a16="http://schemas.microsoft.com/office/drawing/2014/main" id="{4122C382-82DB-46D8-9AD7-2CCFA2619235}"/>
-              </a:ext>
-            </a:extLst>
-          </p:cNvPr>
-          <p:cNvPicPr>
-            <a:picLocks noChangeAspect="1"/>
-          </p:cNvPicPr>
-          <p:nvPr/>
-        </p:nvPicPr>
-        <p:blipFill>
-          <a:blip r:embed="rId3"/>
-          <a:stretch>
-            <a:fillRect/>
-          </a:stretch>
-        </p:blipFill>
-        <p:spPr>
-          <a:xfrm>
-            <a:off x="7214751" y="3593890"/>
-            <a:ext cx="4291448" cy="2923269"/>
-          </a:xfrm>
-          <a:prstGeom prst="rect">
-            <a:avLst/>
-          </a:prstGeom>
-          <a:ln>
-            <a:solidFill>
-              <a:schemeClr val="bg1"/>
-            </a:solidFill>
-          </a:ln>
-        </p:spPr>
-      </p:pic>
-      <p:sp>
-        <p:nvSpPr>
-          <p:cNvPr id="7" name="TextBox 6">
-            <a:extLst>
-              <a:ext uri="{FF2B5EF4-FFF2-40B4-BE49-F238E27FC236}">
-                <a16:creationId xmlns:a16="http://schemas.microsoft.com/office/drawing/2014/main" id="{412C2FEE-6502-42D5-A94E-71DD378A7C8D}"/>
+                <a16:creationId xmlns:a16="http://schemas.microsoft.com/office/drawing/2014/main" id="{3B6C96E2-9374-42E7-97CA-875E42268A0C}"/>
               </a:ext>
             </a:extLst>
           </p:cNvPr>
@@ -7801,8 +7413,8 @@
         </p:nvSpPr>
         <p:spPr>
           <a:xfrm>
-            <a:off x="685801" y="3593890"/>
-            <a:ext cx="6290351" cy="3139321"/>
+            <a:off x="685801" y="2065867"/>
+            <a:ext cx="4525225" cy="3970318"/>
           </a:xfrm>
           <a:prstGeom prst="rect">
             <a:avLst/>
@@ -7821,7 +7433,7 @@
             </a:pPr>
             <a:r>
               <a:rPr lang="en-SG" dirty="0"/>
-              <a:t>The 3 Principal Components are all important (carry significant information) as each explains more than 20% of the total variance within the data.</a:t>
+              <a:t>5 different clustering algorithms were compared against one another, using 3 distinct hyper-parameter configurations each.</a:t>
             </a:r>
           </a:p>
           <a:p>
@@ -7831,8 +7443,39 @@
             </a:pPr>
             <a:r>
               <a:rPr lang="en-SG" dirty="0"/>
-              <a:t>According to the Scree Plot on the right of the PC eigenvalues, there is no elbow, which suggests that all three PCs should be kept.</a:t>
-            </a:r>
+              <a:t>The main criteria for a good unsupervised learning model in this scenario would be one that:</a:t>
+            </a:r>
+          </a:p>
+          <a:p>
+            <a:pPr marL="800100" lvl="1" indent="-342900">
+              <a:buFont typeface="+mj-lt"/>
+              <a:buAutoNum type="arabicPeriod"/>
+            </a:pPr>
+            <a:r>
+              <a:rPr lang="en-SG" dirty="0"/>
+              <a:t>has a small number of clusters</a:t>
+            </a:r>
+          </a:p>
+          <a:p>
+            <a:pPr marL="800100" lvl="1" indent="-342900">
+              <a:buFont typeface="+mj-lt"/>
+              <a:buAutoNum type="arabicPeriod"/>
+            </a:pPr>
+            <a:r>
+              <a:rPr lang="en-SG" dirty="0"/>
+              <a:t>has roughly even cluster sizes (distance-wise)</a:t>
+            </a:r>
+          </a:p>
+          <a:p>
+            <a:pPr marL="800100" lvl="1" indent="-342900">
+              <a:buFont typeface="+mj-lt"/>
+              <a:buAutoNum type="arabicPeriod"/>
+            </a:pPr>
+            <a:r>
+              <a:rPr lang="en-SG" dirty="0"/>
+              <a:t>has clusters in meaningful locations</a:t>
+            </a:r>
+            <a:endParaRPr lang="en-GB" dirty="0"/>
           </a:p>
           <a:p>
             <a:pPr marL="285750" indent="-285750">
@@ -7840,26 +7483,356 @@
               <a:buChar char="•"/>
             </a:pPr>
             <a:r>
-              <a:rPr lang="en-SG" dirty="0"/>
-              <a:t>Keeping all three PCs would be no better than just using the original data. In fact, it would be less informative as the new PCs have no meaning.</a:t>
-            </a:r>
-          </a:p>
-          <a:p>
-            <a:pPr marL="285750" indent="-285750">
-              <a:buFont typeface="Arial" panose="020B0604020202020204" pitchFamily="34" charset="0"/>
-              <a:buChar char="•"/>
-            </a:pPr>
-            <a:r>
-              <a:rPr lang="en-SG" dirty="0"/>
-              <a:t>For this analysis, it would be desirable to be able to link back to the original meaningful variables.</a:t>
-            </a:r>
-          </a:p>
-        </p:txBody>
-      </p:sp>
+              <a:rPr lang="en-GB" dirty="0"/>
+              <a:t>Out of all of them, </a:t>
+            </a:r>
+            <a:r>
+              <a:rPr lang="en-GB" dirty="0" err="1"/>
+              <a:t>KMeans</a:t>
+            </a:r>
+            <a:r>
+              <a:rPr lang="en-GB" dirty="0"/>
+              <a:t> and </a:t>
+            </a:r>
+            <a:r>
+              <a:rPr lang="en-GB" dirty="0" err="1"/>
+              <a:t>AgglomerativeClustering</a:t>
+            </a:r>
+            <a:r>
+              <a:rPr lang="en-GB" dirty="0"/>
+              <a:t> appear the most promising</a:t>
+            </a:r>
+            <a:endParaRPr lang="en-SG" dirty="0"/>
+          </a:p>
+        </p:txBody>
+      </p:sp>
+      <p:grpSp>
+        <p:nvGrpSpPr>
+          <p:cNvPr id="8" name="Group 7">
+            <a:extLst>
+              <a:ext uri="{FF2B5EF4-FFF2-40B4-BE49-F238E27FC236}">
+                <a16:creationId xmlns:a16="http://schemas.microsoft.com/office/drawing/2014/main" id="{DDD3B015-7308-4481-8166-948559E23073}"/>
+              </a:ext>
+            </a:extLst>
+          </p:cNvPr>
+          <p:cNvGrpSpPr/>
+          <p:nvPr/>
+        </p:nvGrpSpPr>
+        <p:grpSpPr>
+          <a:xfrm>
+            <a:off x="5564420" y="231653"/>
+            <a:ext cx="2833111" cy="2634838"/>
+            <a:chOff x="4147865" y="3221432"/>
+            <a:chExt cx="3700069" cy="3418853"/>
+          </a:xfrm>
+        </p:grpSpPr>
+        <p:pic>
+          <p:nvPicPr>
+            <p:cNvPr id="5" name="Picture 4" descr="Chart, bubble chart&#10;&#10;Description automatically generated">
+              <a:extLst>
+                <a:ext uri="{FF2B5EF4-FFF2-40B4-BE49-F238E27FC236}">
+                  <a16:creationId xmlns:a16="http://schemas.microsoft.com/office/drawing/2014/main" id="{9EF136B6-7F3D-4179-AE21-06BEEB95D03A}"/>
+                </a:ext>
+              </a:extLst>
+            </p:cNvPr>
+            <p:cNvPicPr>
+              <a:picLocks noChangeAspect="1"/>
+            </p:cNvPicPr>
+            <p:nvPr/>
+          </p:nvPicPr>
+          <p:blipFill>
+            <a:blip r:embed="rId2"/>
+            <a:stretch>
+              <a:fillRect/>
+            </a:stretch>
+          </p:blipFill>
+          <p:spPr>
+            <a:xfrm>
+              <a:off x="4147865" y="3722584"/>
+              <a:ext cx="3700069" cy="2917701"/>
+            </a:xfrm>
+            <a:prstGeom prst="rect">
+              <a:avLst/>
+            </a:prstGeom>
+          </p:spPr>
+        </p:pic>
+        <p:pic>
+          <p:nvPicPr>
+            <p:cNvPr id="7" name="Picture 6" descr="Logo&#10;&#10;Description automatically generated">
+              <a:extLst>
+                <a:ext uri="{FF2B5EF4-FFF2-40B4-BE49-F238E27FC236}">
+                  <a16:creationId xmlns:a16="http://schemas.microsoft.com/office/drawing/2014/main" id="{99A947BB-5C53-41C3-A785-6EDF09FD238A}"/>
+                </a:ext>
+              </a:extLst>
+            </p:cNvPr>
+            <p:cNvPicPr>
+              <a:picLocks noChangeAspect="1"/>
+            </p:cNvPicPr>
+            <p:nvPr/>
+          </p:nvPicPr>
+          <p:blipFill>
+            <a:blip r:embed="rId3"/>
+            <a:stretch>
+              <a:fillRect/>
+            </a:stretch>
+          </p:blipFill>
+          <p:spPr>
+            <a:xfrm>
+              <a:off x="4147865" y="3221432"/>
+              <a:ext cx="3700069" cy="787057"/>
+            </a:xfrm>
+            <a:prstGeom prst="rect">
+              <a:avLst/>
+            </a:prstGeom>
+          </p:spPr>
+        </p:pic>
+      </p:grpSp>
+      <p:grpSp>
+        <p:nvGrpSpPr>
+          <p:cNvPr id="19" name="Group 18">
+            <a:extLst>
+              <a:ext uri="{FF2B5EF4-FFF2-40B4-BE49-F238E27FC236}">
+                <a16:creationId xmlns:a16="http://schemas.microsoft.com/office/drawing/2014/main" id="{29B44A2C-F969-45E3-8079-AE9F74F932D6}"/>
+              </a:ext>
+            </a:extLst>
+          </p:cNvPr>
+          <p:cNvGrpSpPr/>
+          <p:nvPr/>
+        </p:nvGrpSpPr>
+        <p:grpSpPr>
+          <a:xfrm>
+            <a:off x="8979613" y="231653"/>
+            <a:ext cx="2712377" cy="2852405"/>
+            <a:chOff x="3719245" y="832531"/>
+            <a:chExt cx="2712377" cy="2852405"/>
+          </a:xfrm>
+        </p:grpSpPr>
+        <p:pic>
+          <p:nvPicPr>
+            <p:cNvPr id="11" name="Picture 10" descr="Chart, bubble chart&#10;&#10;Description automatically generated">
+              <a:extLst>
+                <a:ext uri="{FF2B5EF4-FFF2-40B4-BE49-F238E27FC236}">
+                  <a16:creationId xmlns:a16="http://schemas.microsoft.com/office/drawing/2014/main" id="{558515CA-2BC2-4312-854B-0C916F2F4857}"/>
+                </a:ext>
+              </a:extLst>
+            </p:cNvPr>
+            <p:cNvPicPr>
+              <a:picLocks noChangeAspect="1"/>
+            </p:cNvPicPr>
+            <p:nvPr/>
+          </p:nvPicPr>
+          <p:blipFill rotWithShape="1">
+            <a:blip r:embed="rId4"/>
+            <a:srcRect l="7205" r="5664"/>
+            <a:stretch/>
+          </p:blipFill>
+          <p:spPr>
+            <a:xfrm>
+              <a:off x="3719245" y="1314155"/>
+              <a:ext cx="2712377" cy="2370781"/>
+            </a:xfrm>
+            <a:prstGeom prst="rect">
+              <a:avLst/>
+            </a:prstGeom>
+          </p:spPr>
+        </p:pic>
+        <p:pic>
+          <p:nvPicPr>
+            <p:cNvPr id="16" name="Picture 15" descr="Logo&#10;&#10;Description automatically generated">
+              <a:extLst>
+                <a:ext uri="{FF2B5EF4-FFF2-40B4-BE49-F238E27FC236}">
+                  <a16:creationId xmlns:a16="http://schemas.microsoft.com/office/drawing/2014/main" id="{36722DB3-8FC2-496B-8C97-966D476BF652}"/>
+                </a:ext>
+              </a:extLst>
+            </p:cNvPr>
+            <p:cNvPicPr>
+              <a:picLocks noChangeAspect="1"/>
+            </p:cNvPicPr>
+            <p:nvPr/>
+          </p:nvPicPr>
+          <p:blipFill>
+            <a:blip r:embed="rId5"/>
+            <a:stretch>
+              <a:fillRect/>
+            </a:stretch>
+          </p:blipFill>
+          <p:spPr>
+            <a:xfrm>
+              <a:off x="3721016" y="832531"/>
+              <a:ext cx="2710606" cy="502671"/>
+            </a:xfrm>
+            <a:prstGeom prst="rect">
+              <a:avLst/>
+            </a:prstGeom>
+          </p:spPr>
+        </p:pic>
+      </p:grpSp>
+      <p:grpSp>
+        <p:nvGrpSpPr>
+          <p:cNvPr id="28" name="Group 27">
+            <a:extLst>
+              <a:ext uri="{FF2B5EF4-FFF2-40B4-BE49-F238E27FC236}">
+                <a16:creationId xmlns:a16="http://schemas.microsoft.com/office/drawing/2014/main" id="{4A847E2B-B19B-465D-A938-3FE8EE1C9EA7}"/>
+              </a:ext>
+            </a:extLst>
+          </p:cNvPr>
+          <p:cNvGrpSpPr/>
+          <p:nvPr/>
+        </p:nvGrpSpPr>
+        <p:grpSpPr>
+          <a:xfrm>
+            <a:off x="5337690" y="3344947"/>
+            <a:ext cx="2813957" cy="2691238"/>
+            <a:chOff x="4883099" y="3173404"/>
+            <a:chExt cx="2813957" cy="2691238"/>
+          </a:xfrm>
+        </p:grpSpPr>
+        <p:pic>
+          <p:nvPicPr>
+            <p:cNvPr id="23" name="Picture 22" descr="Chart, bubble chart&#10;&#10;Description automatically generated">
+              <a:extLst>
+                <a:ext uri="{FF2B5EF4-FFF2-40B4-BE49-F238E27FC236}">
+                  <a16:creationId xmlns:a16="http://schemas.microsoft.com/office/drawing/2014/main" id="{71FDE81D-737A-46A6-B862-3987F749B6EC}"/>
+                </a:ext>
+              </a:extLst>
+            </p:cNvPr>
+            <p:cNvPicPr>
+              <a:picLocks noChangeAspect="1"/>
+            </p:cNvPicPr>
+            <p:nvPr/>
+          </p:nvPicPr>
+          <p:blipFill>
+            <a:blip r:embed="rId6"/>
+            <a:stretch>
+              <a:fillRect/>
+            </a:stretch>
+          </p:blipFill>
+          <p:spPr>
+            <a:xfrm>
+              <a:off x="4883099" y="3522134"/>
+              <a:ext cx="2813957" cy="2342508"/>
+            </a:xfrm>
+            <a:prstGeom prst="rect">
+              <a:avLst/>
+            </a:prstGeom>
+          </p:spPr>
+        </p:pic>
+        <p:pic>
+          <p:nvPicPr>
+            <p:cNvPr id="27" name="Picture 26" descr="Logo, company name&#10;&#10;Description automatically generated">
+              <a:extLst>
+                <a:ext uri="{FF2B5EF4-FFF2-40B4-BE49-F238E27FC236}">
+                  <a16:creationId xmlns:a16="http://schemas.microsoft.com/office/drawing/2014/main" id="{75431EE2-70FC-4FF9-982E-CD9BAE6B8229}"/>
+                </a:ext>
+              </a:extLst>
+            </p:cNvPr>
+            <p:cNvPicPr>
+              <a:picLocks noChangeAspect="1"/>
+            </p:cNvPicPr>
+            <p:nvPr/>
+          </p:nvPicPr>
+          <p:blipFill>
+            <a:blip r:embed="rId7"/>
+            <a:stretch>
+              <a:fillRect/>
+            </a:stretch>
+          </p:blipFill>
+          <p:spPr>
+            <a:xfrm>
+              <a:off x="4883099" y="3173404"/>
+              <a:ext cx="2813957" cy="507735"/>
+            </a:xfrm>
+            <a:prstGeom prst="rect">
+              <a:avLst/>
+            </a:prstGeom>
+          </p:spPr>
+        </p:pic>
+      </p:grpSp>
+      <p:grpSp>
+        <p:nvGrpSpPr>
+          <p:cNvPr id="33" name="Group 32">
+            <a:extLst>
+              <a:ext uri="{FF2B5EF4-FFF2-40B4-BE49-F238E27FC236}">
+                <a16:creationId xmlns:a16="http://schemas.microsoft.com/office/drawing/2014/main" id="{FF338F5C-6911-4D9D-88FF-1772A31F3834}"/>
+              </a:ext>
+            </a:extLst>
+          </p:cNvPr>
+          <p:cNvGrpSpPr/>
+          <p:nvPr/>
+        </p:nvGrpSpPr>
+        <p:grpSpPr>
+          <a:xfrm>
+            <a:off x="8669163" y="3486004"/>
+            <a:ext cx="3189436" cy="2769629"/>
+            <a:chOff x="8741082" y="3834734"/>
+            <a:chExt cx="3189436" cy="2769629"/>
+          </a:xfrm>
+        </p:grpSpPr>
+        <p:pic>
+          <p:nvPicPr>
+            <p:cNvPr id="30" name="Picture 29" descr="Chart, scatter chart, bubble chart&#10;&#10;Description automatically generated">
+              <a:extLst>
+                <a:ext uri="{FF2B5EF4-FFF2-40B4-BE49-F238E27FC236}">
+                  <a16:creationId xmlns:a16="http://schemas.microsoft.com/office/drawing/2014/main" id="{0EE267DD-D04D-43FF-862F-7A17F821A438}"/>
+                </a:ext>
+              </a:extLst>
+            </p:cNvPr>
+            <p:cNvPicPr>
+              <a:picLocks noChangeAspect="1"/>
+            </p:cNvPicPr>
+            <p:nvPr/>
+          </p:nvPicPr>
+          <p:blipFill>
+            <a:blip r:embed="rId8"/>
+            <a:stretch>
+              <a:fillRect/>
+            </a:stretch>
+          </p:blipFill>
+          <p:spPr>
+            <a:xfrm>
+              <a:off x="8741083" y="4233581"/>
+              <a:ext cx="3189435" cy="2370782"/>
+            </a:xfrm>
+            <a:prstGeom prst="rect">
+              <a:avLst/>
+            </a:prstGeom>
+          </p:spPr>
+        </p:pic>
+        <p:pic>
+          <p:nvPicPr>
+            <p:cNvPr id="32" name="Picture 31" descr="Logo&#10;&#10;Description automatically generated with medium confidence">
+              <a:extLst>
+                <a:ext uri="{FF2B5EF4-FFF2-40B4-BE49-F238E27FC236}">
+                  <a16:creationId xmlns:a16="http://schemas.microsoft.com/office/drawing/2014/main" id="{F900A941-F583-4688-9B57-5F3E8D45189F}"/>
+                </a:ext>
+              </a:extLst>
+            </p:cNvPr>
+            <p:cNvPicPr>
+              <a:picLocks noChangeAspect="1"/>
+            </p:cNvPicPr>
+            <p:nvPr/>
+          </p:nvPicPr>
+          <p:blipFill>
+            <a:blip r:embed="rId9"/>
+            <a:stretch>
+              <a:fillRect/>
+            </a:stretch>
+          </p:blipFill>
+          <p:spPr>
+            <a:xfrm>
+              <a:off x="8741082" y="3834734"/>
+              <a:ext cx="3189435" cy="560067"/>
+            </a:xfrm>
+            <a:prstGeom prst="rect">
+              <a:avLst/>
+            </a:prstGeom>
+          </p:spPr>
+        </p:pic>
+      </p:grpSp>
     </p:spTree>
     <p:extLst>
       <p:ext uri="{BB962C8B-B14F-4D97-AF65-F5344CB8AC3E}">
-        <p14:creationId xmlns:p14="http://schemas.microsoft.com/office/powerpoint/2010/main" val="90519443"/>
+        <p14:creationId xmlns:p14="http://schemas.microsoft.com/office/powerpoint/2010/main" val="2732781376"/>
       </p:ext>
     </p:extLst>
   </p:cSld>
@@ -7891,445 +7864,6 @@
           <p:cNvPr id="2" name="Title 1">
             <a:extLst>
               <a:ext uri="{FF2B5EF4-FFF2-40B4-BE49-F238E27FC236}">
-                <a16:creationId xmlns:a16="http://schemas.microsoft.com/office/drawing/2014/main" id="{47539373-AC7D-4512-8638-38B8F11DA220}"/>
-              </a:ext>
-            </a:extLst>
-          </p:cNvPr>
-          <p:cNvSpPr>
-            <a:spLocks noGrp="1"/>
-          </p:cNvSpPr>
-          <p:nvPr>
-            <p:ph type="title"/>
-          </p:nvPr>
-        </p:nvSpPr>
-        <p:spPr/>
-        <p:txBody>
-          <a:bodyPr/>
-          <a:lstStyle/>
-          <a:p>
-            <a:r>
-              <a:rPr lang="en-SG"/>
-              <a:t>Algorithm Selection</a:t>
-            </a:r>
-            <a:endParaRPr lang="en-GB" dirty="0"/>
-          </a:p>
-        </p:txBody>
-      </p:sp>
-      <p:sp>
-        <p:nvSpPr>
-          <p:cNvPr id="3" name="TextBox 2">
-            <a:extLst>
-              <a:ext uri="{FF2B5EF4-FFF2-40B4-BE49-F238E27FC236}">
-                <a16:creationId xmlns:a16="http://schemas.microsoft.com/office/drawing/2014/main" id="{3B6C96E2-9374-42E7-97CA-875E42268A0C}"/>
-              </a:ext>
-            </a:extLst>
-          </p:cNvPr>
-          <p:cNvSpPr txBox="1"/>
-          <p:nvPr/>
-        </p:nvSpPr>
-        <p:spPr>
-          <a:xfrm>
-            <a:off x="685801" y="1881201"/>
-            <a:ext cx="4525225" cy="3970318"/>
-          </a:xfrm>
-          <a:prstGeom prst="rect">
-            <a:avLst/>
-          </a:prstGeom>
-          <a:noFill/>
-        </p:spPr>
-        <p:txBody>
-          <a:bodyPr wrap="square" rtlCol="0">
-            <a:spAutoFit/>
-          </a:bodyPr>
-          <a:lstStyle/>
-          <a:p>
-            <a:pPr marL="285750" indent="-285750">
-              <a:buFont typeface="Arial" panose="020B0604020202020204" pitchFamily="34" charset="0"/>
-              <a:buChar char="•"/>
-            </a:pPr>
-            <a:r>
-              <a:rPr lang="en-SG" dirty="0"/>
-              <a:t>5 different clustering algorithms were compared against one another, using 3 distinct hyper-parameter configurations each.</a:t>
-            </a:r>
-          </a:p>
-          <a:p>
-            <a:pPr marL="285750" indent="-285750">
-              <a:buFont typeface="Arial" panose="020B0604020202020204" pitchFamily="34" charset="0"/>
-              <a:buChar char="•"/>
-            </a:pPr>
-            <a:r>
-              <a:rPr lang="en-SG" dirty="0"/>
-              <a:t>The main criteria for a good unsupervised learning model in this scenario would be one that:</a:t>
-            </a:r>
-          </a:p>
-          <a:p>
-            <a:pPr marL="800100" lvl="1" indent="-342900">
-              <a:buFont typeface="+mj-lt"/>
-              <a:buAutoNum type="arabicPeriod"/>
-            </a:pPr>
-            <a:r>
-              <a:rPr lang="en-SG" dirty="0"/>
-              <a:t>has a small number of clusters</a:t>
-            </a:r>
-          </a:p>
-          <a:p>
-            <a:pPr marL="800100" lvl="1" indent="-342900">
-              <a:buFont typeface="+mj-lt"/>
-              <a:buAutoNum type="arabicPeriod"/>
-            </a:pPr>
-            <a:r>
-              <a:rPr lang="en-SG" dirty="0"/>
-              <a:t>has roughly even cluster sizes (distance-wise)</a:t>
-            </a:r>
-          </a:p>
-          <a:p>
-            <a:pPr marL="800100" lvl="1" indent="-342900">
-              <a:buFont typeface="+mj-lt"/>
-              <a:buAutoNum type="arabicPeriod"/>
-            </a:pPr>
-            <a:r>
-              <a:rPr lang="en-SG" dirty="0"/>
-              <a:t>has clusters in meaningful locations</a:t>
-            </a:r>
-            <a:endParaRPr lang="en-GB" dirty="0"/>
-          </a:p>
-          <a:p>
-            <a:pPr marL="285750" indent="-285750">
-              <a:buFont typeface="Arial" panose="020B0604020202020204" pitchFamily="34" charset="0"/>
-              <a:buChar char="•"/>
-            </a:pPr>
-            <a:r>
-              <a:rPr lang="en-GB" dirty="0"/>
-              <a:t>Out of all of them, </a:t>
-            </a:r>
-            <a:r>
-              <a:rPr lang="en-GB" dirty="0" err="1"/>
-              <a:t>KMeans</a:t>
-            </a:r>
-            <a:r>
-              <a:rPr lang="en-GB" dirty="0"/>
-              <a:t> and </a:t>
-            </a:r>
-            <a:r>
-              <a:rPr lang="en-GB" dirty="0" err="1"/>
-              <a:t>AgglomerativeClustering</a:t>
-            </a:r>
-            <a:r>
-              <a:rPr lang="en-GB" dirty="0"/>
-              <a:t> appear the most promising</a:t>
-            </a:r>
-            <a:endParaRPr lang="en-SG" dirty="0"/>
-          </a:p>
-        </p:txBody>
-      </p:sp>
-      <p:grpSp>
-        <p:nvGrpSpPr>
-          <p:cNvPr id="13" name="Group 12">
-            <a:extLst>
-              <a:ext uri="{FF2B5EF4-FFF2-40B4-BE49-F238E27FC236}">
-                <a16:creationId xmlns:a16="http://schemas.microsoft.com/office/drawing/2014/main" id="{9DAC7B8A-34B2-47CE-9383-0879BD1685B2}"/>
-              </a:ext>
-            </a:extLst>
-          </p:cNvPr>
-          <p:cNvGrpSpPr/>
-          <p:nvPr/>
-        </p:nvGrpSpPr>
-        <p:grpSpPr>
-          <a:xfrm>
-            <a:off x="5611456" y="129896"/>
-            <a:ext cx="3080482" cy="2592755"/>
-            <a:chOff x="3314312" y="657492"/>
-            <a:chExt cx="5563376" cy="4819669"/>
-          </a:xfrm>
-        </p:grpSpPr>
-        <p:pic>
-          <p:nvPicPr>
-            <p:cNvPr id="9" name="Picture 8" descr="Chart, bubble chart&#10;&#10;Description automatically generated">
-              <a:extLst>
-                <a:ext uri="{FF2B5EF4-FFF2-40B4-BE49-F238E27FC236}">
-                  <a16:creationId xmlns:a16="http://schemas.microsoft.com/office/drawing/2014/main" id="{30F8E426-270A-4FF4-95B8-42246D9675B0}"/>
-                </a:ext>
-              </a:extLst>
-            </p:cNvPr>
-            <p:cNvPicPr>
-              <a:picLocks noChangeAspect="1"/>
-            </p:cNvPicPr>
-            <p:nvPr/>
-          </p:nvPicPr>
-          <p:blipFill>
-            <a:blip r:embed="rId2"/>
-            <a:stretch>
-              <a:fillRect/>
-            </a:stretch>
-          </p:blipFill>
-          <p:spPr>
-            <a:xfrm>
-              <a:off x="3314312" y="1380839"/>
-              <a:ext cx="5563376" cy="4096322"/>
-            </a:xfrm>
-            <a:prstGeom prst="rect">
-              <a:avLst/>
-            </a:prstGeom>
-          </p:spPr>
-        </p:pic>
-        <p:pic>
-          <p:nvPicPr>
-            <p:cNvPr id="12" name="Picture 11" descr="Logo&#10;&#10;Description automatically generated">
-              <a:extLst>
-                <a:ext uri="{FF2B5EF4-FFF2-40B4-BE49-F238E27FC236}">
-                  <a16:creationId xmlns:a16="http://schemas.microsoft.com/office/drawing/2014/main" id="{2D202FDF-A4D7-45C7-A77A-DCAE8C5E5237}"/>
-                </a:ext>
-              </a:extLst>
-            </p:cNvPr>
-            <p:cNvPicPr>
-              <a:picLocks noChangeAspect="1"/>
-            </p:cNvPicPr>
-            <p:nvPr/>
-          </p:nvPicPr>
-          <p:blipFill>
-            <a:blip r:embed="rId3"/>
-            <a:stretch>
-              <a:fillRect/>
-            </a:stretch>
-          </p:blipFill>
-          <p:spPr>
-            <a:xfrm>
-              <a:off x="3314312" y="657492"/>
-              <a:ext cx="5563375" cy="970790"/>
-            </a:xfrm>
-            <a:prstGeom prst="rect">
-              <a:avLst/>
-            </a:prstGeom>
-          </p:spPr>
-        </p:pic>
-      </p:grpSp>
-      <p:grpSp>
-        <p:nvGrpSpPr>
-          <p:cNvPr id="18" name="Group 17">
-            <a:extLst>
-              <a:ext uri="{FF2B5EF4-FFF2-40B4-BE49-F238E27FC236}">
-                <a16:creationId xmlns:a16="http://schemas.microsoft.com/office/drawing/2014/main" id="{66187913-D6E8-471A-8077-4DE94D34BF76}"/>
-              </a:ext>
-            </a:extLst>
-          </p:cNvPr>
-          <p:cNvGrpSpPr/>
-          <p:nvPr/>
-        </p:nvGrpSpPr>
-        <p:grpSpPr>
-          <a:xfrm>
-            <a:off x="8896642" y="2156444"/>
-            <a:ext cx="3080481" cy="2592755"/>
-            <a:chOff x="3204758" y="661107"/>
-            <a:chExt cx="5782483" cy="4777948"/>
-          </a:xfrm>
-        </p:grpSpPr>
-        <p:pic>
-          <p:nvPicPr>
-            <p:cNvPr id="15" name="Picture 14" descr="Chart, bubble chart&#10;&#10;Description automatically generated">
-              <a:extLst>
-                <a:ext uri="{FF2B5EF4-FFF2-40B4-BE49-F238E27FC236}">
-                  <a16:creationId xmlns:a16="http://schemas.microsoft.com/office/drawing/2014/main" id="{82324680-CCB2-4082-A743-E7CE64CF6C59}"/>
-                </a:ext>
-              </a:extLst>
-            </p:cNvPr>
-            <p:cNvPicPr>
-              <a:picLocks noChangeAspect="1"/>
-            </p:cNvPicPr>
-            <p:nvPr/>
-          </p:nvPicPr>
-          <p:blipFill>
-            <a:blip r:embed="rId4"/>
-            <a:stretch>
-              <a:fillRect/>
-            </a:stretch>
-          </p:blipFill>
-          <p:spPr>
-            <a:xfrm>
-              <a:off x="3204759" y="1418944"/>
-              <a:ext cx="5782482" cy="4020111"/>
-            </a:xfrm>
-            <a:prstGeom prst="rect">
-              <a:avLst/>
-            </a:prstGeom>
-          </p:spPr>
-        </p:pic>
-        <p:pic>
-          <p:nvPicPr>
-            <p:cNvPr id="17" name="Picture 16" descr="Logo&#10;&#10;Description automatically generated">
-              <a:extLst>
-                <a:ext uri="{FF2B5EF4-FFF2-40B4-BE49-F238E27FC236}">
-                  <a16:creationId xmlns:a16="http://schemas.microsoft.com/office/drawing/2014/main" id="{4EBDFECC-82DC-4687-B859-C05600097ED9}"/>
-                </a:ext>
-              </a:extLst>
-            </p:cNvPr>
-            <p:cNvPicPr>
-              <a:picLocks noChangeAspect="1"/>
-            </p:cNvPicPr>
-            <p:nvPr/>
-          </p:nvPicPr>
-          <p:blipFill>
-            <a:blip r:embed="rId5"/>
-            <a:stretch>
-              <a:fillRect/>
-            </a:stretch>
-          </p:blipFill>
-          <p:spPr>
-            <a:xfrm>
-              <a:off x="3204758" y="661107"/>
-              <a:ext cx="5782481" cy="965734"/>
-            </a:xfrm>
-            <a:prstGeom prst="rect">
-              <a:avLst/>
-            </a:prstGeom>
-          </p:spPr>
-        </p:pic>
-      </p:grpSp>
-      <p:grpSp>
-        <p:nvGrpSpPr>
-          <p:cNvPr id="25" name="Group 24">
-            <a:extLst>
-              <a:ext uri="{FF2B5EF4-FFF2-40B4-BE49-F238E27FC236}">
-                <a16:creationId xmlns:a16="http://schemas.microsoft.com/office/drawing/2014/main" id="{D74A5312-F9B4-45F1-8160-344F5577AF7C}"/>
-              </a:ext>
-            </a:extLst>
-          </p:cNvPr>
-          <p:cNvGrpSpPr/>
-          <p:nvPr/>
-        </p:nvGrpSpPr>
-        <p:grpSpPr>
-          <a:xfrm>
-            <a:off x="5611456" y="4135350"/>
-            <a:ext cx="3080481" cy="2498943"/>
-            <a:chOff x="3485785" y="1022999"/>
-            <a:chExt cx="6000420" cy="4525609"/>
-          </a:xfrm>
-        </p:grpSpPr>
-        <p:pic>
-          <p:nvPicPr>
-            <p:cNvPr id="20" name="Picture 19" descr="Chart, bubble chart&#10;&#10;Description automatically generated">
-              <a:extLst>
-                <a:ext uri="{FF2B5EF4-FFF2-40B4-BE49-F238E27FC236}">
-                  <a16:creationId xmlns:a16="http://schemas.microsoft.com/office/drawing/2014/main" id="{5DA6FE4C-326A-4AA2-9ECD-C528B8809276}"/>
-                </a:ext>
-              </a:extLst>
-            </p:cNvPr>
-            <p:cNvPicPr>
-              <a:picLocks noChangeAspect="1"/>
-            </p:cNvPicPr>
-            <p:nvPr/>
-          </p:nvPicPr>
-          <p:blipFill>
-            <a:blip r:embed="rId6"/>
-            <a:stretch>
-              <a:fillRect/>
-            </a:stretch>
-          </p:blipFill>
-          <p:spPr>
-            <a:xfrm>
-              <a:off x="3485785" y="1309391"/>
-              <a:ext cx="5220429" cy="4239217"/>
-            </a:xfrm>
-            <a:prstGeom prst="rect">
-              <a:avLst/>
-            </a:prstGeom>
-          </p:spPr>
-        </p:pic>
-        <p:pic>
-          <p:nvPicPr>
-            <p:cNvPr id="22" name="Picture 21" descr="Chart, bubble chart&#10;&#10;Description automatically generated">
-              <a:extLst>
-                <a:ext uri="{FF2B5EF4-FFF2-40B4-BE49-F238E27FC236}">
-                  <a16:creationId xmlns:a16="http://schemas.microsoft.com/office/drawing/2014/main" id="{333A6D30-D9EF-44ED-B723-7C69CE0A14D5}"/>
-                </a:ext>
-              </a:extLst>
-            </p:cNvPr>
-            <p:cNvPicPr>
-              <a:picLocks noChangeAspect="1"/>
-            </p:cNvPicPr>
-            <p:nvPr/>
-          </p:nvPicPr>
-          <p:blipFill>
-            <a:blip r:embed="rId7"/>
-            <a:stretch>
-              <a:fillRect/>
-            </a:stretch>
-          </p:blipFill>
-          <p:spPr>
-            <a:xfrm>
-              <a:off x="8495929" y="1917970"/>
-              <a:ext cx="984863" cy="3630638"/>
-            </a:xfrm>
-            <a:prstGeom prst="rect">
-              <a:avLst/>
-            </a:prstGeom>
-          </p:spPr>
-        </p:pic>
-        <p:pic>
-          <p:nvPicPr>
-            <p:cNvPr id="24" name="Picture 23" descr="Logo&#10;&#10;Description automatically generated with low confidence">
-              <a:extLst>
-                <a:ext uri="{FF2B5EF4-FFF2-40B4-BE49-F238E27FC236}">
-                  <a16:creationId xmlns:a16="http://schemas.microsoft.com/office/drawing/2014/main" id="{63C76FE7-2AFC-4D89-BC24-C6B51E729ADD}"/>
-                </a:ext>
-              </a:extLst>
-            </p:cNvPr>
-            <p:cNvPicPr>
-              <a:picLocks noChangeAspect="1"/>
-            </p:cNvPicPr>
-            <p:nvPr/>
-          </p:nvPicPr>
-          <p:blipFill>
-            <a:blip r:embed="rId8"/>
-            <a:stretch>
-              <a:fillRect/>
-            </a:stretch>
-          </p:blipFill>
-          <p:spPr>
-            <a:xfrm>
-              <a:off x="3491198" y="1022999"/>
-              <a:ext cx="5995007" cy="922308"/>
-            </a:xfrm>
-            <a:prstGeom prst="rect">
-              <a:avLst/>
-            </a:prstGeom>
-          </p:spPr>
-        </p:pic>
-      </p:grpSp>
-    </p:spTree>
-    <p:extLst>
-      <p:ext uri="{BB962C8B-B14F-4D97-AF65-F5344CB8AC3E}">
-        <p14:creationId xmlns:p14="http://schemas.microsoft.com/office/powerpoint/2010/main" val="2732781376"/>
-      </p:ext>
-    </p:extLst>
-  </p:cSld>
-  <p:clrMapOvr>
-    <a:masterClrMapping/>
-  </p:clrMapOvr>
-</p:sld>
-</file>
-
-<file path=ppt/slides/slide9.xml><?xml version="1.0" encoding="utf-8"?>
-<p:sld xmlns:a="http://schemas.openxmlformats.org/drawingml/2006/main" xmlns:r="http://schemas.openxmlformats.org/officeDocument/2006/relationships" xmlns:p="http://schemas.openxmlformats.org/presentationml/2006/main">
-  <p:cSld>
-    <p:spTree>
-      <p:nvGrpSpPr>
-        <p:cNvPr id="1" name=""/>
-        <p:cNvGrpSpPr/>
-        <p:nvPr/>
-      </p:nvGrpSpPr>
-      <p:grpSpPr>
-        <a:xfrm>
-          <a:off x="0" y="0"/>
-          <a:ext cx="0" cy="0"/>
-          <a:chOff x="0" y="0"/>
-          <a:chExt cx="0" cy="0"/>
-        </a:xfrm>
-      </p:grpSpPr>
-      <p:sp>
-        <p:nvSpPr>
-          <p:cNvPr id="2" name="Title 1">
-            <a:extLst>
-              <a:ext uri="{FF2B5EF4-FFF2-40B4-BE49-F238E27FC236}">
                 <a16:creationId xmlns:a16="http://schemas.microsoft.com/office/drawing/2014/main" id="{5C9E330A-DCD0-4810-BA93-781E60DF6BEF}"/>
               </a:ext>
             </a:extLst>
@@ -8369,14 +7903,14 @@
           <p:nvPr>
             <p:extLst>
               <p:ext uri="{D42A27DB-BD31-4B8C-83A1-F6EECF244321}">
-                <p14:modId xmlns:p14="http://schemas.microsoft.com/office/powerpoint/2010/main" val="188978923"/>
+                <p14:modId xmlns:p14="http://schemas.microsoft.com/office/powerpoint/2010/main" val="4285537200"/>
               </p:ext>
             </p:extLst>
           </p:nvPr>
         </p:nvGraphicFramePr>
         <p:xfrm>
-          <a:off x="1687513" y="2454891"/>
-          <a:ext cx="8128000" cy="2575560"/>
+          <a:off x="685801" y="1972005"/>
+          <a:ext cx="10513032" cy="4110295"/>
         </p:xfrm>
         <a:graphic>
           <a:graphicData uri="http://schemas.openxmlformats.org/drawingml/2006/table">
@@ -8385,28 +7919,28 @@
                 <a:tableStyleId>{00A15C55-8517-42AA-B614-E9B94910E393}</a:tableStyleId>
               </a:tblPr>
               <a:tblGrid>
-                <a:gridCol w="2032000">
+                <a:gridCol w="2628258">
                   <a:extLst>
                     <a:ext uri="{9D8B030D-6E8A-4147-A177-3AD203B41FA5}">
                       <a16:colId xmlns:a16="http://schemas.microsoft.com/office/drawing/2014/main" val="3799718224"/>
                     </a:ext>
                   </a:extLst>
                 </a:gridCol>
-                <a:gridCol w="2032000">
+                <a:gridCol w="2628258">
                   <a:extLst>
                     <a:ext uri="{9D8B030D-6E8A-4147-A177-3AD203B41FA5}">
                       <a16:colId xmlns:a16="http://schemas.microsoft.com/office/drawing/2014/main" val="1151668211"/>
                     </a:ext>
                   </a:extLst>
                 </a:gridCol>
-                <a:gridCol w="2032000">
+                <a:gridCol w="2628258">
                   <a:extLst>
                     <a:ext uri="{9D8B030D-6E8A-4147-A177-3AD203B41FA5}">
                       <a16:colId xmlns:a16="http://schemas.microsoft.com/office/drawing/2014/main" val="524728855"/>
                     </a:ext>
                   </a:extLst>
                 </a:gridCol>
-                <a:gridCol w="2032000">
+                <a:gridCol w="2628258">
                   <a:extLst>
                     <a:ext uri="{9D8B030D-6E8A-4147-A177-3AD203B41FA5}">
                       <a16:colId xmlns:a16="http://schemas.microsoft.com/office/drawing/2014/main" val="304789937"/>
@@ -8414,7 +7948,7 @@
                   </a:extLst>
                 </a:gridCol>
               </a:tblGrid>
-              <a:tr h="370840">
+              <a:tr h="488683">
                 <a:tc>
                   <a:txBody>
                     <a:bodyPr/>
@@ -8477,7 +8011,7 @@
                   </a:ext>
                 </a:extLst>
               </a:tr>
-              <a:tr h="370840">
+              <a:tr h="1927957">
                 <a:tc>
                   <a:txBody>
                     <a:bodyPr/>
@@ -8574,7 +8108,7 @@
                   </a:ext>
                 </a:extLst>
               </a:tr>
-              <a:tr h="370840">
+              <a:tr h="1204972">
                 <a:tc>
                   <a:txBody>
                     <a:bodyPr/>
@@ -8594,6 +8128,10 @@
                     <a:bodyPr/>
                     <a:lstStyle/>
                     <a:p>
+                      <a:r>
+                        <a:rPr lang="en-SG" dirty="0"/>
+                        <a:t>Determines how distinct the clusters are</a:t>
+                      </a:r>
                       <a:endParaRPr lang="en-GB" dirty="0"/>
                     </a:p>
                   </a:txBody>
@@ -8604,7 +8142,11 @@
                     <a:bodyPr/>
                     <a:lstStyle/>
                     <a:p>
-                      <a:endParaRPr lang="en-GB"/>
+                      <a:r>
+                        <a:rPr lang="en-SG" dirty="0"/>
+                        <a:t>Determines how different the cluster sizes are</a:t>
+                      </a:r>
+                      <a:endParaRPr lang="en-GB" dirty="0"/>
                     </a:p>
                   </a:txBody>
                   <a:tcPr/>
@@ -8614,7 +8156,11 @@
                     <a:bodyPr/>
                     <a:lstStyle/>
                     <a:p>
-                      <a:endParaRPr lang="en-GB"/>
+                      <a:r>
+                        <a:rPr lang="en-SG" dirty="0"/>
+                        <a:t>Determines how the data points are distributed among the clusters</a:t>
+                      </a:r>
+                      <a:endParaRPr lang="en-GB" dirty="0"/>
                     </a:p>
                   </a:txBody>
                   <a:tcPr/>
@@ -8625,7 +8171,7 @@
                   </a:ext>
                 </a:extLst>
               </a:tr>
-              <a:tr h="370840">
+              <a:tr h="488683">
                 <a:tc>
                   <a:txBody>
                     <a:bodyPr/>
@@ -8696,6 +8242,319 @@
     <p:extLst>
       <p:ext uri="{BB962C8B-B14F-4D97-AF65-F5344CB8AC3E}">
         <p14:creationId xmlns:p14="http://schemas.microsoft.com/office/powerpoint/2010/main" val="1212655409"/>
+      </p:ext>
+    </p:extLst>
+  </p:cSld>
+  <p:clrMapOvr>
+    <a:masterClrMapping/>
+  </p:clrMapOvr>
+</p:sld>
+</file>
+
+<file path=ppt/slides/slide9.xml><?xml version="1.0" encoding="utf-8"?>
+<p:sld xmlns:a="http://schemas.openxmlformats.org/drawingml/2006/main" xmlns:r="http://schemas.openxmlformats.org/officeDocument/2006/relationships" xmlns:p="http://schemas.openxmlformats.org/presentationml/2006/main">
+  <p:cSld>
+    <p:bg>
+      <p:bgPr>
+        <a:blipFill>
+          <a:blip r:embed="rId2"/>
+          <a:stretch/>
+        </a:blipFill>
+        <a:effectLst/>
+      </p:bgPr>
+    </p:bg>
+    <p:spTree>
+      <p:nvGrpSpPr>
+        <p:cNvPr id="1" name=""/>
+        <p:cNvGrpSpPr/>
+        <p:nvPr/>
+      </p:nvGrpSpPr>
+      <p:grpSpPr>
+        <a:xfrm>
+          <a:off x="0" y="0"/>
+          <a:ext cx="0" cy="0"/>
+          <a:chOff x="0" y="0"/>
+          <a:chExt cx="0" cy="0"/>
+        </a:xfrm>
+      </p:grpSpPr>
+      <p:sp>
+        <p:nvSpPr>
+          <p:cNvPr id="2" name="Title 1">
+            <a:extLst>
+              <a:ext uri="{FF2B5EF4-FFF2-40B4-BE49-F238E27FC236}">
+                <a16:creationId xmlns:a16="http://schemas.microsoft.com/office/drawing/2014/main" id="{CD30EA2E-0FA8-4C9A-9F1B-F09E760B836F}"/>
+              </a:ext>
+            </a:extLst>
+          </p:cNvPr>
+          <p:cNvSpPr>
+            <a:spLocks noGrp="1"/>
+          </p:cNvSpPr>
+          <p:nvPr>
+            <p:ph type="title"/>
+          </p:nvPr>
+        </p:nvSpPr>
+        <p:spPr>
+          <a:xfrm>
+            <a:off x="685800" y="1030288"/>
+            <a:ext cx="4785744" cy="1035579"/>
+          </a:xfrm>
+        </p:spPr>
+        <p:txBody>
+          <a:bodyPr>
+            <a:normAutofit/>
+          </a:bodyPr>
+          <a:lstStyle/>
+          <a:p>
+            <a:pPr>
+              <a:lnSpc>
+                <a:spcPct val="90000"/>
+              </a:lnSpc>
+            </a:pPr>
+            <a:r>
+              <a:rPr lang="en-SG" sz="3300"/>
+              <a:t>Hyper-Parameter Tuning (Plot)</a:t>
+            </a:r>
+            <a:endParaRPr lang="en-GB" sz="3300"/>
+          </a:p>
+        </p:txBody>
+      </p:sp>
+      <p:sp>
+        <p:nvSpPr>
+          <p:cNvPr id="10" name="Content Placeholder 9">
+            <a:extLst>
+              <a:ext uri="{FF2B5EF4-FFF2-40B4-BE49-F238E27FC236}">
+                <a16:creationId xmlns:a16="http://schemas.microsoft.com/office/drawing/2014/main" id="{39FA568C-2C41-485D-9838-80EB12A4942A}"/>
+              </a:ext>
+            </a:extLst>
+          </p:cNvPr>
+          <p:cNvSpPr>
+            <a:spLocks noGrp="1"/>
+          </p:cNvSpPr>
+          <p:nvPr>
+            <p:ph idx="1"/>
+          </p:nvPr>
+        </p:nvSpPr>
+        <p:spPr>
+          <a:xfrm>
+            <a:off x="685800" y="2142067"/>
+            <a:ext cx="4091683" cy="3909412"/>
+          </a:xfrm>
+        </p:spPr>
+        <p:txBody>
+          <a:bodyPr>
+            <a:normAutofit/>
+          </a:bodyPr>
+          <a:lstStyle/>
+          <a:p>
+            <a:r>
+              <a:rPr lang="en-US" dirty="0"/>
+              <a:t>The silhouette score plot suggests using 5, 6 or 9 clusters.</a:t>
+            </a:r>
+          </a:p>
+          <a:p>
+            <a:r>
+              <a:rPr lang="en-US" dirty="0"/>
+              <a:t>The distance score plot suggests using 4 to 6 clusters.</a:t>
+            </a:r>
+          </a:p>
+          <a:p>
+            <a:r>
+              <a:rPr lang="en-US" dirty="0"/>
+              <a:t>The count score plot suggests using 6 to 8 clusters.</a:t>
+            </a:r>
+          </a:p>
+          <a:p>
+            <a:r>
+              <a:rPr lang="en-US" dirty="0"/>
+              <a:t>All three plots agree that 6 is a suitable number of clusters to use.</a:t>
+            </a:r>
+          </a:p>
+          <a:p>
+            <a:r>
+              <a:rPr lang="en-US" dirty="0"/>
+              <a:t>Examining the plots visually confirms that 6 is a reasonable number of clusters.</a:t>
+            </a:r>
+          </a:p>
+        </p:txBody>
+      </p:sp>
+      <p:pic>
+        <p:nvPicPr>
+          <p:cNvPr id="8" name="Picture 7" descr="Chart, scatter chart&#10;&#10;Description automatically generated">
+            <a:extLst>
+              <a:ext uri="{FF2B5EF4-FFF2-40B4-BE49-F238E27FC236}">
+                <a16:creationId xmlns:a16="http://schemas.microsoft.com/office/drawing/2014/main" id="{0EB5DDD7-A700-427C-B4A0-D8234BED9006}"/>
+              </a:ext>
+            </a:extLst>
+          </p:cNvPr>
+          <p:cNvPicPr>
+            <a:picLocks noChangeAspect="1"/>
+          </p:cNvPicPr>
+          <p:nvPr/>
+        </p:nvPicPr>
+        <p:blipFill>
+          <a:blip r:embed="rId3"/>
+          <a:stretch>
+            <a:fillRect/>
+          </a:stretch>
+        </p:blipFill>
+        <p:spPr>
+          <a:xfrm>
+            <a:off x="5471544" y="3773490"/>
+            <a:ext cx="2758056" cy="2461565"/>
+          </a:xfrm>
+          <a:prstGeom prst="roundRect">
+            <a:avLst>
+              <a:gd name="adj" fmla="val 7306"/>
+            </a:avLst>
+          </a:prstGeom>
+          <a:ln w="50800" cap="sq" cmpd="dbl">
+            <a:gradFill flip="none" rotWithShape="1">
+              <a:gsLst>
+                <a:gs pos="0">
+                  <a:srgbClr val="FFFFFF"/>
+                </a:gs>
+                <a:gs pos="100000">
+                  <a:schemeClr val="tx1">
+                    <a:alpha val="0"/>
+                  </a:schemeClr>
+                </a:gs>
+              </a:gsLst>
+              <a:path path="circle">
+                <a:fillToRect l="50000" t="50000" r="50000" b="50000"/>
+              </a:path>
+              <a:tileRect/>
+            </a:gradFill>
+            <a:miter lim="800000"/>
+          </a:ln>
+          <a:effectLst>
+            <a:outerShdw blurRad="254000" algn="tl" rotWithShape="0">
+              <a:srgbClr val="000000">
+                <a:alpha val="43000"/>
+              </a:srgbClr>
+            </a:outerShdw>
+          </a:effectLst>
+        </p:spPr>
+      </p:pic>
+      <p:pic>
+        <p:nvPicPr>
+          <p:cNvPr id="11" name="Picture 10" descr="Chart, scatter chart, bubble chart&#10;&#10;Description automatically generated">
+            <a:extLst>
+              <a:ext uri="{FF2B5EF4-FFF2-40B4-BE49-F238E27FC236}">
+                <a16:creationId xmlns:a16="http://schemas.microsoft.com/office/drawing/2014/main" id="{3B08A263-5D5E-46DB-89B7-87D09FFFBC73}"/>
+              </a:ext>
+            </a:extLst>
+          </p:cNvPr>
+          <p:cNvPicPr>
+            <a:picLocks noChangeAspect="1"/>
+          </p:cNvPicPr>
+          <p:nvPr/>
+        </p:nvPicPr>
+        <p:blipFill>
+          <a:blip r:embed="rId4"/>
+          <a:stretch>
+            <a:fillRect/>
+          </a:stretch>
+        </p:blipFill>
+        <p:spPr>
+          <a:xfrm>
+            <a:off x="8708396" y="3773490"/>
+            <a:ext cx="2932344" cy="2463171"/>
+          </a:xfrm>
+          <a:prstGeom prst="roundRect">
+            <a:avLst>
+              <a:gd name="adj" fmla="val 7306"/>
+            </a:avLst>
+          </a:prstGeom>
+          <a:ln w="50800" cap="sq" cmpd="dbl">
+            <a:gradFill flip="none" rotWithShape="1">
+              <a:gsLst>
+                <a:gs pos="0">
+                  <a:srgbClr val="FFFFFF"/>
+                </a:gs>
+                <a:gs pos="100000">
+                  <a:schemeClr val="tx1">
+                    <a:alpha val="0"/>
+                  </a:schemeClr>
+                </a:gs>
+              </a:gsLst>
+              <a:path path="circle">
+                <a:fillToRect l="50000" t="50000" r="50000" b="50000"/>
+              </a:path>
+              <a:tileRect/>
+            </a:gradFill>
+            <a:miter lim="800000"/>
+          </a:ln>
+          <a:effectLst>
+            <a:outerShdw blurRad="254000" algn="tl" rotWithShape="0">
+              <a:srgbClr val="000000">
+                <a:alpha val="43000"/>
+              </a:srgbClr>
+            </a:outerShdw>
+          </a:effectLst>
+        </p:spPr>
+      </p:pic>
+      <p:pic>
+        <p:nvPicPr>
+          <p:cNvPr id="6" name="Content Placeholder 5" descr="Chart, line chart&#10;&#10;Description automatically generated">
+            <a:extLst>
+              <a:ext uri="{FF2B5EF4-FFF2-40B4-BE49-F238E27FC236}">
+                <a16:creationId xmlns:a16="http://schemas.microsoft.com/office/drawing/2014/main" id="{9D3CBEDF-5417-40C1-8E11-3213E9FA7064}"/>
+              </a:ext>
+            </a:extLst>
+          </p:cNvPr>
+          <p:cNvPicPr>
+            <a:picLocks noChangeAspect="1"/>
+          </p:cNvPicPr>
+          <p:nvPr/>
+        </p:nvPicPr>
+        <p:blipFill>
+          <a:blip r:embed="rId5"/>
+          <a:stretch>
+            <a:fillRect/>
+          </a:stretch>
+        </p:blipFill>
+        <p:spPr>
+          <a:xfrm>
+            <a:off x="5471544" y="1080828"/>
+            <a:ext cx="6138254" cy="2378572"/>
+          </a:xfrm>
+          <a:prstGeom prst="roundRect">
+            <a:avLst>
+              <a:gd name="adj" fmla="val 7306"/>
+            </a:avLst>
+          </a:prstGeom>
+          <a:ln w="50800" cap="sq" cmpd="dbl">
+            <a:gradFill flip="none" rotWithShape="1">
+              <a:gsLst>
+                <a:gs pos="0">
+                  <a:srgbClr val="FFFFFF"/>
+                </a:gs>
+                <a:gs pos="100000">
+                  <a:schemeClr val="tx1">
+                    <a:alpha val="0"/>
+                  </a:schemeClr>
+                </a:gs>
+              </a:gsLst>
+              <a:path path="circle">
+                <a:fillToRect l="50000" t="50000" r="50000" b="50000"/>
+              </a:path>
+              <a:tileRect/>
+            </a:gradFill>
+            <a:miter lim="800000"/>
+          </a:ln>
+          <a:effectLst>
+            <a:outerShdw blurRad="254000" algn="tl" rotWithShape="0">
+              <a:srgbClr val="000000">
+                <a:alpha val="43000"/>
+              </a:srgbClr>
+            </a:outerShdw>
+          </a:effectLst>
+        </p:spPr>
+      </p:pic>
+    </p:spTree>
+    <p:extLst>
+      <p:ext uri="{BB962C8B-B14F-4D97-AF65-F5344CB8AC3E}">
+        <p14:creationId xmlns:p14="http://schemas.microsoft.com/office/powerpoint/2010/main" val="2906087779"/>
       </p:ext>
     </p:extLst>
   </p:cSld>
